--- a/MySEProject/Documentation/Refactoring HTMSerializer.pptx
+++ b/MySEProject/Documentation/Refactoring HTMSerializer.pptx
@@ -5,7 +5,7 @@
     <p:sldMasterId id="2147483700" r:id="rId1"/>
   </p:sldMasterIdLst>
   <p:notesMasterIdLst>
-    <p:notesMasterId r:id="rId7"/>
+    <p:notesMasterId r:id="rId8"/>
   </p:notesMasterIdLst>
   <p:sldIdLst>
     <p:sldId id="256" r:id="rId2"/>
@@ -13,6 +13,7 @@
     <p:sldId id="257" r:id="rId4"/>
     <p:sldId id="258" r:id="rId5"/>
     <p:sldId id="259" r:id="rId6"/>
+    <p:sldId id="275" r:id="rId7"/>
   </p:sldIdLst>
   <p:sldSz cx="12192000" cy="6858000"/>
   <p:notesSz cx="6858000" cy="9144000"/>
@@ -3882,7 +3883,7 @@
           <a:p>
             <a:fld id="{D3472BD0-34BA-461C-B0BA-19AB4102098A}" type="datetimeFigureOut">
               <a:rPr lang="es-ES" smtClean="0"/>
-              <a:t>29/03/2023</a:t>
+              <a:t>02/02/2024</a:t>
             </a:fld>
             <a:endParaRPr lang="es-ES"/>
           </a:p>
@@ -4040,7 +4041,7 @@
           <a:p>
             <a:fld id="{1BD11E8E-8801-40EC-8BE1-98E0AF4E8209}" type="slidenum">
               <a:rPr lang="es-ES" smtClean="0"/>
-              <a:t>‹Nº›</a:t>
+              <a:t>‹#›</a:t>
             </a:fld>
             <a:endParaRPr lang="es-ES"/>
           </a:p>
@@ -4305,15 +4306,7 @@
           <a:p>
             <a:r>
               <a:rPr lang="en-US" dirty="0"/>
-              <a:t>HTM is a machine learning algorithm developed by “</a:t>
-            </a:r>
-            <a:r>
-              <a:rPr lang="en-US" dirty="0" err="1"/>
-              <a:t>Numenta</a:t>
-            </a:r>
-            <a:r>
-              <a:rPr lang="en-US" dirty="0"/>
-              <a:t>” that is based on principles of neuroscience and is designed to recognize patterns in data streams, such as those found in sensor data or natural language.</a:t>
+              <a:t>HTM is a machine learning algorithm that is based on principles of neuroscience and is designed to recognize patterns in data streams, such as those found in sensor data or natural language.</a:t>
             </a:r>
           </a:p>
           <a:p>
@@ -4464,920 +4457,1019 @@
             </a:endParaRPr>
           </a:p>
           <a:p>
-            <a:r>
-              <a:rPr lang="en-US" dirty="0"/>
-              <a:t>We have lots of </a:t>
-            </a:r>
-            <a:r>
-              <a:rPr lang="en-US" dirty="0" err="1"/>
-              <a:t>metods</a:t>
-            </a:r>
-            <a:r>
-              <a:rPr lang="en-US" dirty="0"/>
-              <a:t> in our </a:t>
-            </a:r>
-            <a:r>
-              <a:rPr lang="en-US" dirty="0" err="1"/>
-              <a:t>HTMSerialize.cs</a:t>
-            </a:r>
-            <a:r>
-              <a:rPr lang="en-US" dirty="0"/>
-              <a:t> file but we are going to focus on those that are </a:t>
-            </a:r>
-            <a:r>
-              <a:rPr lang="en-US" dirty="0" err="1"/>
-              <a:t>serilizing</a:t>
-            </a:r>
-            <a:r>
-              <a:rPr lang="en-US" dirty="0"/>
+            <a:pPr algn="just"/>
+            <a:r>
+              <a:rPr lang="en-US" sz="1800" dirty="0">
+                <a:effectLst/>
+                <a:latin typeface="Times New Roman" panose="02020603050405020304" pitchFamily="18" charset="0"/>
+                <a:ea typeface="SimSun" panose="02010600030101010101" pitchFamily="2" charset="-122"/>
+              </a:rPr>
+              <a:t>Two methods named Serialize() and Deserialize have been implemented under </a:t>
+            </a:r>
+            <a:r>
+              <a:rPr lang="en-US" sz="1800" dirty="0" err="1">
+                <a:effectLst/>
+                <a:latin typeface="Times New Roman" panose="02020603050405020304" pitchFamily="18" charset="0"/>
+                <a:ea typeface="SimSun" panose="02010600030101010101" pitchFamily="2" charset="-122"/>
+              </a:rPr>
+              <a:t>NeoCortexApi</a:t>
+            </a:r>
+            <a:r>
+              <a:rPr lang="en-US" sz="1800" dirty="0">
+                <a:effectLst/>
+                <a:latin typeface="Times New Roman" panose="02020603050405020304" pitchFamily="18" charset="0"/>
+                <a:ea typeface="SimSun" panose="02010600030101010101" pitchFamily="2" charset="-122"/>
+              </a:rPr>
+              <a:t> directory in HTM and they are the two main methods of our project. This </a:t>
+            </a:r>
+            <a:r>
+              <a:rPr lang="en-US" sz="1800" dirty="0" err="1">
+                <a:effectLst/>
+                <a:latin typeface="Times New Roman" panose="02020603050405020304" pitchFamily="18" charset="0"/>
+                <a:ea typeface="SimSun" panose="02010600030101010101" pitchFamily="2" charset="-122"/>
+              </a:rPr>
+              <a:t>Seralize</a:t>
+            </a:r>
+            <a:r>
+              <a:rPr lang="en-US" sz="1800" dirty="0">
+                <a:effectLst/>
+                <a:latin typeface="Times New Roman" panose="02020603050405020304" pitchFamily="18" charset="0"/>
+                <a:ea typeface="SimSun" panose="02010600030101010101" pitchFamily="2" charset="-122"/>
+              </a:rPr>
+              <a:t> function creates an instance of the </a:t>
+            </a:r>
+            <a:r>
+              <a:rPr lang="en-US" sz="1800" dirty="0" err="1">
+                <a:effectLst/>
+                <a:latin typeface="Times New Roman" panose="02020603050405020304" pitchFamily="18" charset="0"/>
+                <a:ea typeface="SimSun" panose="02010600030101010101" pitchFamily="2" charset="-122"/>
+              </a:rPr>
+              <a:t>HtmSerializer</a:t>
+            </a:r>
+            <a:r>
+              <a:rPr lang="en-US" sz="1800" dirty="0">
+                <a:effectLst/>
+                <a:latin typeface="Times New Roman" panose="02020603050405020304" pitchFamily="18" charset="0"/>
+                <a:ea typeface="SimSun" panose="02010600030101010101" pitchFamily="2" charset="-122"/>
+              </a:rPr>
+              <a:t> class and initiates functions called </a:t>
+            </a:r>
+            <a:r>
+              <a:rPr lang="en-US" sz="1800" dirty="0" err="1">
+                <a:effectLst/>
+                <a:latin typeface="Times New Roman" panose="02020603050405020304" pitchFamily="18" charset="0"/>
+                <a:ea typeface="SimSun" panose="02010600030101010101" pitchFamily="2" charset="-122"/>
+              </a:rPr>
+              <a:t>SerializeBegin</a:t>
+            </a:r>
+            <a:r>
+              <a:rPr lang="en-US" sz="1800" dirty="0">
+                <a:effectLst/>
+                <a:latin typeface="Times New Roman" panose="02020603050405020304" pitchFamily="18" charset="0"/>
+                <a:ea typeface="SimSun" panose="02010600030101010101" pitchFamily="2" charset="-122"/>
+              </a:rPr>
+              <a:t> and </a:t>
+            </a:r>
+            <a:r>
+              <a:rPr lang="en-US" sz="1800" dirty="0" err="1">
+                <a:effectLst/>
+                <a:latin typeface="Times New Roman" panose="02020603050405020304" pitchFamily="18" charset="0"/>
+                <a:ea typeface="SimSun" panose="02010600030101010101" pitchFamily="2" charset="-122"/>
+              </a:rPr>
+              <a:t>SerializeEnd</a:t>
+            </a:r>
+            <a:r>
+              <a:rPr lang="en-US" sz="1800" dirty="0">
+                <a:effectLst/>
+                <a:latin typeface="Times New Roman" panose="02020603050405020304" pitchFamily="18" charset="0"/>
+                <a:ea typeface="SimSun" panose="02010600030101010101" pitchFamily="2" charset="-122"/>
+              </a:rPr>
+              <a:t>.</a:t>
+            </a:r>
+            <a:endParaRPr lang="en-GB" sz="1800" dirty="0">
+              <a:effectLst/>
+              <a:latin typeface="Times New Roman" panose="02020603050405020304" pitchFamily="18" charset="0"/>
+              <a:ea typeface="SimSun" panose="02010600030101010101" pitchFamily="2" charset="-122"/>
+            </a:endParaRPr>
+          </a:p>
+          <a:p>
+            <a:pPr algn="just"/>
+            <a:r>
+              <a:rPr lang="en-US" sz="1800" dirty="0">
+                <a:effectLst/>
+                <a:latin typeface="Times New Roman" panose="02020603050405020304" pitchFamily="18" charset="0"/>
+                <a:ea typeface="SimSun" panose="02010600030101010101" pitchFamily="2" charset="-122"/>
+              </a:rPr>
+              <a:t> The methods Serialize Begin and Serialize End are both formatting methods and indicate the start and end respectively of the serialize object.</a:t>
+            </a:r>
+            <a:endParaRPr lang="en-GB" sz="1800" dirty="0">
+              <a:effectLst/>
+              <a:latin typeface="Times New Roman" panose="02020603050405020304" pitchFamily="18" charset="0"/>
+              <a:ea typeface="SimSun" panose="02010600030101010101" pitchFamily="2" charset="-122"/>
+            </a:endParaRPr>
+          </a:p>
+          <a:p>
+            <a:r>
+              <a:rPr lang="en-US" sz="1800" dirty="0">
+                <a:effectLst/>
+                <a:latin typeface="Times New Roman" panose="02020603050405020304" pitchFamily="18" charset="0"/>
+                <a:ea typeface="SimSun" panose="02010600030101010101" pitchFamily="2" charset="-122"/>
+              </a:rPr>
+              <a:t>  The Serialize method is used to serialize an object to a string, and the Deserialize method is used to deserialize a string to an object. The </a:t>
+            </a:r>
+            <a:r>
+              <a:rPr lang="en-US" sz="1800" dirty="0" err="1">
+                <a:effectLst/>
+                <a:latin typeface="Times New Roman" panose="02020603050405020304" pitchFamily="18" charset="0"/>
+                <a:ea typeface="SimSun" panose="02010600030101010101" pitchFamily="2" charset="-122"/>
+              </a:rPr>
+              <a:t>SerializeValue</a:t>
+            </a:r>
+            <a:r>
+              <a:rPr lang="en-US" sz="1800" dirty="0">
+                <a:effectLst/>
+                <a:latin typeface="Times New Roman" panose="02020603050405020304" pitchFamily="18" charset="0"/>
+                <a:ea typeface="SimSun" panose="02010600030101010101" pitchFamily="2" charset="-122"/>
+              </a:rPr>
+              <a:t> method is used to serialize a single value, and the </a:t>
+            </a:r>
+            <a:r>
+              <a:rPr lang="en-US" sz="1800" dirty="0" err="1">
+                <a:effectLst/>
+                <a:latin typeface="Times New Roman" panose="02020603050405020304" pitchFamily="18" charset="0"/>
+                <a:ea typeface="SimSun" panose="02010600030101010101" pitchFamily="2" charset="-122"/>
+              </a:rPr>
+              <a:t>DeserializeValue</a:t>
+            </a:r>
+            <a:r>
+              <a:rPr lang="en-US" sz="1800" dirty="0">
+                <a:effectLst/>
+                <a:latin typeface="Times New Roman" panose="02020603050405020304" pitchFamily="18" charset="0"/>
+                <a:ea typeface="SimSun" panose="02010600030101010101" pitchFamily="2" charset="-122"/>
+              </a:rPr>
+              <a:t> method is used to deserialize a single value</a:t>
+            </a:r>
+            <a:r>
+              <a:rPr lang="tr-TR" sz="1800" dirty="0">
+                <a:effectLst/>
+                <a:latin typeface="Times New Roman" panose="02020603050405020304" pitchFamily="18" charset="0"/>
+                <a:ea typeface="SimSun" panose="02010600030101010101" pitchFamily="2" charset="-122"/>
+              </a:rPr>
+              <a:t>.</a:t>
+            </a:r>
+          </a:p>
+          <a:p>
+            <a:pPr algn="just"/>
+            <a:r>
+              <a:rPr lang="tr-TR" sz="1800" dirty="0">
+                <a:effectLst/>
+                <a:latin typeface="Times New Roman" panose="02020603050405020304" pitchFamily="18" charset="0"/>
+                <a:ea typeface="SimSun" panose="02010600030101010101" pitchFamily="2" charset="-122"/>
+              </a:rPr>
+              <a:t> </a:t>
+            </a:r>
+            <a:r>
+              <a:rPr lang="en-US" sz="1800" dirty="0">
+                <a:effectLst/>
+                <a:latin typeface="Times New Roman" panose="02020603050405020304" pitchFamily="18" charset="0"/>
+                <a:ea typeface="SimSun" panose="02010600030101010101" pitchFamily="2" charset="-122"/>
+              </a:rPr>
+              <a:t>Here’s the </a:t>
+            </a:r>
+            <a:r>
+              <a:rPr lang="tr-TR" sz="1800" dirty="0" err="1">
+                <a:effectLst/>
+                <a:latin typeface="Times New Roman" panose="02020603050405020304" pitchFamily="18" charset="0"/>
+                <a:ea typeface="SimSun" panose="02010600030101010101" pitchFamily="2" charset="-122"/>
+              </a:rPr>
+              <a:t>some</a:t>
+            </a:r>
+            <a:r>
+              <a:rPr lang="tr-TR" sz="1800" dirty="0">
+                <a:effectLst/>
+                <a:latin typeface="Times New Roman" panose="02020603050405020304" pitchFamily="18" charset="0"/>
+                <a:ea typeface="SimSun" panose="02010600030101010101" pitchFamily="2" charset="-122"/>
+              </a:rPr>
+              <a:t> main </a:t>
+            </a:r>
+            <a:r>
+              <a:rPr lang="en-US" sz="1800" dirty="0">
+                <a:effectLst/>
+                <a:latin typeface="Times New Roman" panose="02020603050405020304" pitchFamily="18" charset="0"/>
+                <a:ea typeface="SimSun" panose="02010600030101010101" pitchFamily="2" charset="-122"/>
+              </a:rPr>
+              <a:t>refactored methods for Serialization Part</a:t>
+            </a:r>
+            <a:r>
+              <a:rPr lang="tr-TR" sz="1800" dirty="0">
+                <a:effectLst/>
+                <a:latin typeface="Times New Roman" panose="02020603050405020304" pitchFamily="18" charset="0"/>
+                <a:ea typeface="SimSun" panose="02010600030101010101" pitchFamily="2" charset="-122"/>
+              </a:rPr>
               <a:t>. </a:t>
             </a:r>
             <a:r>
-              <a:rPr lang="en-US" b="0" i="0" dirty="0">
-                <a:solidFill>
-                  <a:srgbClr val="1F2328"/>
-                </a:solidFill>
-                <a:effectLst/>
-                <a:latin typeface="ui-monospace"/>
-              </a:rPr>
-              <a:t>A Serialize method is a method that converts an object to a specific format. In our code, those methods are </a:t>
-            </a:r>
-            <a:r>
-              <a:rPr lang="en-US" dirty="0" err="1"/>
-              <a:t>SerializeBegin</a:t>
-            </a:r>
-            <a:r>
-              <a:rPr lang="en-US" dirty="0"/>
+              <a:rPr lang="en-US" sz="1800" dirty="0">
+                <a:effectLst/>
+                <a:latin typeface="Times New Roman" panose="02020603050405020304" pitchFamily="18" charset="0"/>
+                <a:ea typeface="SimSun" panose="02010600030101010101" pitchFamily="2" charset="-122"/>
+              </a:rPr>
+              <a:t>The interface contains the following methods:</a:t>
+            </a:r>
+            <a:endParaRPr lang="tr-TR" sz="1800" dirty="0">
+              <a:effectLst/>
+              <a:latin typeface="Times New Roman" panose="02020603050405020304" pitchFamily="18" charset="0"/>
+              <a:ea typeface="SimSun" panose="02010600030101010101" pitchFamily="2" charset="-122"/>
+            </a:endParaRPr>
+          </a:p>
+          <a:p>
+            <a:pPr algn="just"/>
+            <a:r>
+              <a:rPr lang="tr-TR" sz="1800" dirty="0">
+                <a:effectLst/>
+                <a:latin typeface="Times New Roman" panose="02020603050405020304" pitchFamily="18" charset="0"/>
+                <a:ea typeface="SimSun" panose="02010600030101010101" pitchFamily="2" charset="-122"/>
+              </a:rPr>
+              <a:t> Readbegin, ReadGenericbegin, ReadEnd, ReadGenericEnd, Serializebegin, SerializeEnd,..</a:t>
+            </a:r>
+            <a:endParaRPr lang="en-US" sz="1800" dirty="0">
+              <a:effectLst/>
+              <a:latin typeface="Times New Roman" panose="02020603050405020304" pitchFamily="18" charset="0"/>
+              <a:ea typeface="SimSun" panose="02010600030101010101" pitchFamily="2" charset="-122"/>
+            </a:endParaRPr>
+          </a:p>
+          <a:p>
+            <a:pPr algn="just"/>
+            <a:endParaRPr lang="en-US" sz="1800" dirty="0">
+              <a:effectLst/>
+              <a:latin typeface="Times New Roman" panose="02020603050405020304" pitchFamily="18" charset="0"/>
+              <a:ea typeface="SimSun" panose="02010600030101010101" pitchFamily="2" charset="-122"/>
+            </a:endParaRPr>
+          </a:p>
+          <a:p>
+            <a:pPr algn="just"/>
+            <a:r>
+              <a:rPr lang="en-US" sz="1800" dirty="0">
+                <a:effectLst/>
+                <a:latin typeface="Times New Roman" panose="02020603050405020304" pitchFamily="18" charset="0"/>
+                <a:ea typeface="SimSun" panose="02010600030101010101" pitchFamily="2" charset="-122"/>
+              </a:rPr>
+              <a:t>Regarding the kind of serialization, Our Code uses custom serialization for serializing and deserializing objects. It does not use any built-in serialization frameworks like JSON.NET or XML Serialization.</a:t>
+            </a:r>
+          </a:p>
+          <a:p>
+            <a:pPr algn="just"/>
+            <a:r>
+              <a:rPr lang="en-US" sz="1800" dirty="0">
+                <a:effectLst/>
+                <a:latin typeface="Times New Roman" panose="02020603050405020304" pitchFamily="18" charset="0"/>
+                <a:ea typeface="SimSun" panose="02010600030101010101" pitchFamily="2" charset="-122"/>
+              </a:rPr>
+              <a:t> The custom serialization is implemented using the </a:t>
+            </a:r>
+            <a:r>
+              <a:rPr lang="en-US" sz="1800" dirty="0" err="1">
+                <a:effectLst/>
+                <a:latin typeface="Times New Roman" panose="02020603050405020304" pitchFamily="18" charset="0"/>
+                <a:ea typeface="SimSun" panose="02010600030101010101" pitchFamily="2" charset="-122"/>
+              </a:rPr>
+              <a:t>StreamWriter</a:t>
+            </a:r>
+            <a:r>
+              <a:rPr lang="en-US" sz="1800" dirty="0">
+                <a:effectLst/>
+                <a:latin typeface="Times New Roman" panose="02020603050405020304" pitchFamily="18" charset="0"/>
+                <a:ea typeface="SimSun" panose="02010600030101010101" pitchFamily="2" charset="-122"/>
+              </a:rPr>
+              <a:t> and </a:t>
+            </a:r>
+            <a:r>
+              <a:rPr lang="en-US" sz="1800" dirty="0" err="1">
+                <a:effectLst/>
+                <a:latin typeface="Times New Roman" panose="02020603050405020304" pitchFamily="18" charset="0"/>
+                <a:ea typeface="SimSun" panose="02010600030101010101" pitchFamily="2" charset="-122"/>
+              </a:rPr>
+              <a:t>StreamReader</a:t>
+            </a:r>
+            <a:r>
+              <a:rPr lang="en-US" sz="1800" dirty="0">
+                <a:effectLst/>
+                <a:latin typeface="Times New Roman" panose="02020603050405020304" pitchFamily="18" charset="0"/>
+                <a:ea typeface="SimSun" panose="02010600030101010101" pitchFamily="2" charset="-122"/>
+              </a:rPr>
+              <a:t> classes to write and read data to and from a file or a string.</a:t>
+            </a:r>
+          </a:p>
+          <a:p>
+            <a:pPr algn="just"/>
+            <a:r>
+              <a:rPr lang="en-US" sz="1800" dirty="0">
+                <a:effectLst/>
+                <a:latin typeface="Times New Roman" panose="02020603050405020304" pitchFamily="18" charset="0"/>
+                <a:ea typeface="SimSun" panose="02010600030101010101" pitchFamily="2" charset="-122"/>
+              </a:rPr>
+              <a:t>The serialization process involves writing the object's properties and values to a string using a custom delimiter to separate them. The deserialization process involves reading the string, splitting it using the custom delimiter, and then recreating the object with the same properties and values</a:t>
+            </a:r>
+          </a:p>
+          <a:p>
+            <a:pPr algn="just"/>
+            <a:endParaRPr lang="en-GB" sz="1800" dirty="0">
+              <a:effectLst/>
+              <a:latin typeface="Times New Roman" panose="02020603050405020304" pitchFamily="18" charset="0"/>
+              <a:ea typeface="SimSun" panose="02010600030101010101" pitchFamily="2" charset="-122"/>
+            </a:endParaRPr>
+          </a:p>
+          <a:p>
+            <a:pPr algn="just"/>
+            <a:r>
+              <a:rPr lang="en-US" sz="1800" dirty="0">
+                <a:effectLst/>
+                <a:latin typeface="Times New Roman" panose="02020603050405020304" pitchFamily="18" charset="0"/>
+                <a:ea typeface="SimSun" panose="02010600030101010101" pitchFamily="2" charset="-122"/>
+              </a:rPr>
+              <a:t>The custom serialization in the code provided uses the following techniques:</a:t>
+            </a:r>
+          </a:p>
+          <a:p>
+            <a:pPr algn="just"/>
+            <a:endParaRPr lang="en-US" sz="1800" dirty="0">
+              <a:effectLst/>
+              <a:latin typeface="Times New Roman" panose="02020603050405020304" pitchFamily="18" charset="0"/>
+              <a:ea typeface="SimSun" panose="02010600030101010101" pitchFamily="2" charset="-122"/>
+            </a:endParaRPr>
+          </a:p>
+          <a:p>
+            <a:pPr algn="just"/>
+            <a:r>
+              <a:rPr lang="en-US" sz="1800" dirty="0">
+                <a:effectLst/>
+                <a:latin typeface="Times New Roman" panose="02020603050405020304" pitchFamily="18" charset="0"/>
+                <a:ea typeface="SimSun" panose="02010600030101010101" pitchFamily="2" charset="-122"/>
+              </a:rPr>
+              <a:t>Delimited Serialization: The properties and values of an object are serialized as a string with custom delimiters to separate them.</a:t>
+            </a:r>
+          </a:p>
+          <a:p>
+            <a:pPr algn="just"/>
+            <a:r>
+              <a:rPr lang="en-US" sz="1800" dirty="0">
+                <a:effectLst/>
+                <a:latin typeface="Times New Roman" panose="02020603050405020304" pitchFamily="18" charset="0"/>
+                <a:ea typeface="SimSun" panose="02010600030101010101" pitchFamily="2" charset="-122"/>
+              </a:rPr>
+              <a:t>Nested Serialization: Objects that contain other objects as properties are serialized recursively.</a:t>
+            </a:r>
+          </a:p>
+          <a:p>
+            <a:pPr algn="just"/>
+            <a:r>
+              <a:rPr lang="en-US" sz="1800" dirty="0">
+                <a:effectLst/>
+                <a:latin typeface="Times New Roman" panose="02020603050405020304" pitchFamily="18" charset="0"/>
+                <a:ea typeface="SimSun" panose="02010600030101010101" pitchFamily="2" charset="-122"/>
+              </a:rPr>
+              <a:t>Custom Serialization: The serialization process is customized to handle specific types of objects, such as dictionaries and arrays.</a:t>
+            </a:r>
+          </a:p>
+          <a:p>
+            <a:pPr algn="just"/>
+            <a:r>
+              <a:rPr lang="en-US" sz="1800" dirty="0">
+                <a:effectLst/>
+                <a:latin typeface="Times New Roman" panose="02020603050405020304" pitchFamily="18" charset="0"/>
+                <a:ea typeface="SimSun" panose="02010600030101010101" pitchFamily="2" charset="-122"/>
+              </a:rPr>
+              <a:t>The code provided uses the following classes for serialization:</a:t>
+            </a:r>
+          </a:p>
+          <a:p>
+            <a:pPr algn="just"/>
+            <a:endParaRPr lang="en-US" sz="1800" dirty="0">
+              <a:effectLst/>
+              <a:latin typeface="Times New Roman" panose="02020603050405020304" pitchFamily="18" charset="0"/>
+              <a:ea typeface="SimSun" panose="02010600030101010101" pitchFamily="2" charset="-122"/>
+            </a:endParaRPr>
+          </a:p>
+          <a:p>
+            <a:pPr algn="just"/>
+            <a:r>
+              <a:rPr lang="en-US" sz="1800" dirty="0" err="1">
+                <a:effectLst/>
+                <a:latin typeface="Times New Roman" panose="02020603050405020304" pitchFamily="18" charset="0"/>
+                <a:ea typeface="SimSun" panose="02010600030101010101" pitchFamily="2" charset="-122"/>
+              </a:rPr>
+              <a:t>StreamWriter</a:t>
+            </a:r>
+            <a:r>
+              <a:rPr lang="en-US" sz="1800" dirty="0">
+                <a:effectLst/>
+                <a:latin typeface="Times New Roman" panose="02020603050405020304" pitchFamily="18" charset="0"/>
+                <a:ea typeface="SimSun" panose="02010600030101010101" pitchFamily="2" charset="-122"/>
+              </a:rPr>
+              <a:t> and </a:t>
+            </a:r>
+            <a:r>
+              <a:rPr lang="en-US" sz="1800" dirty="0" err="1">
+                <a:effectLst/>
+                <a:latin typeface="Times New Roman" panose="02020603050405020304" pitchFamily="18" charset="0"/>
+                <a:ea typeface="SimSun" panose="02010600030101010101" pitchFamily="2" charset="-122"/>
+              </a:rPr>
+              <a:t>StreamReader</a:t>
+            </a:r>
+            <a:r>
+              <a:rPr lang="en-US" sz="1800" dirty="0">
+                <a:effectLst/>
+                <a:latin typeface="Times New Roman" panose="02020603050405020304" pitchFamily="18" charset="0"/>
+                <a:ea typeface="SimSun" panose="02010600030101010101" pitchFamily="2" charset="-122"/>
+              </a:rPr>
+              <a:t>: These classes are used to write and read data to and from a file or a string.</a:t>
+            </a:r>
+          </a:p>
+          <a:p>
+            <a:pPr algn="just"/>
+            <a:r>
+              <a:rPr lang="en-US" sz="1800" dirty="0" err="1">
+                <a:effectLst/>
+                <a:latin typeface="Times New Roman" panose="02020603050405020304" pitchFamily="18" charset="0"/>
+                <a:ea typeface="SimSun" panose="02010600030101010101" pitchFamily="2" charset="-122"/>
+              </a:rPr>
+              <a:t>SerializeValue</a:t>
+            </a:r>
+            <a:r>
+              <a:rPr lang="en-US" sz="1800" dirty="0">
+                <a:effectLst/>
+                <a:latin typeface="Times New Roman" panose="02020603050405020304" pitchFamily="18" charset="0"/>
+                <a:ea typeface="SimSun" panose="02010600030101010101" pitchFamily="2" charset="-122"/>
+              </a:rPr>
+              <a:t> and </a:t>
+            </a:r>
+            <a:r>
+              <a:rPr lang="en-US" sz="1800" dirty="0" err="1">
+                <a:effectLst/>
+                <a:latin typeface="Times New Roman" panose="02020603050405020304" pitchFamily="18" charset="0"/>
+                <a:ea typeface="SimSun" panose="02010600030101010101" pitchFamily="2" charset="-122"/>
+              </a:rPr>
+              <a:t>DeserializeValue</a:t>
+            </a:r>
+            <a:r>
+              <a:rPr lang="en-US" sz="1800" dirty="0">
+                <a:effectLst/>
+                <a:latin typeface="Times New Roman" panose="02020603050405020304" pitchFamily="18" charset="0"/>
+                <a:ea typeface="SimSun" panose="02010600030101010101" pitchFamily="2" charset="-122"/>
+              </a:rPr>
+              <a:t>: These methods are used to serialize and deserialize the properties and values of an object.</a:t>
+            </a:r>
+          </a:p>
+          <a:p>
+            <a:pPr algn="just"/>
+            <a:r>
+              <a:rPr lang="en-US" sz="1800" dirty="0" err="1">
+                <a:effectLst/>
+                <a:latin typeface="Times New Roman" panose="02020603050405020304" pitchFamily="18" charset="0"/>
+                <a:ea typeface="SimSun" panose="02010600030101010101" pitchFamily="2" charset="-122"/>
+              </a:rPr>
+              <a:t>SerializeObject</a:t>
+            </a:r>
+            <a:r>
+              <a:rPr lang="en-US" sz="1800" dirty="0">
+                <a:effectLst/>
+                <a:latin typeface="Times New Roman" panose="02020603050405020304" pitchFamily="18" charset="0"/>
+                <a:ea typeface="SimSun" panose="02010600030101010101" pitchFamily="2" charset="-122"/>
+              </a:rPr>
+              <a:t> and </a:t>
+            </a:r>
+            <a:r>
+              <a:rPr lang="en-US" sz="1800" dirty="0" err="1">
+                <a:effectLst/>
+                <a:latin typeface="Times New Roman" panose="02020603050405020304" pitchFamily="18" charset="0"/>
+                <a:ea typeface="SimSun" panose="02010600030101010101" pitchFamily="2" charset="-122"/>
+              </a:rPr>
+              <a:t>DeserializeObject</a:t>
+            </a:r>
+            <a:r>
+              <a:rPr lang="en-US" sz="1800" dirty="0">
+                <a:effectLst/>
+                <a:latin typeface="Times New Roman" panose="02020603050405020304" pitchFamily="18" charset="0"/>
+                <a:ea typeface="SimSun" panose="02010600030101010101" pitchFamily="2" charset="-122"/>
+              </a:rPr>
+              <a:t>: These methods are used to serialize and deserialize entire objects, including their properties and values.</a:t>
+            </a:r>
+          </a:p>
+          <a:p>
+            <a:pPr algn="just"/>
+            <a:r>
+              <a:rPr lang="en-US" sz="1800" dirty="0" err="1">
+                <a:effectLst/>
+                <a:latin typeface="Times New Roman" panose="02020603050405020304" pitchFamily="18" charset="0"/>
+                <a:ea typeface="SimSun" panose="02010600030101010101" pitchFamily="2" charset="-122"/>
+              </a:rPr>
+              <a:t>SerializeDictionary</a:t>
+            </a:r>
+            <a:r>
+              <a:rPr lang="en-US" sz="1800" dirty="0">
+                <a:effectLst/>
+                <a:latin typeface="Times New Roman" panose="02020603050405020304" pitchFamily="18" charset="0"/>
+                <a:ea typeface="SimSun" panose="02010600030101010101" pitchFamily="2" charset="-122"/>
+              </a:rPr>
+              <a:t> and </a:t>
+            </a:r>
+            <a:r>
+              <a:rPr lang="en-US" sz="1800" dirty="0" err="1">
+                <a:effectLst/>
+                <a:latin typeface="Times New Roman" panose="02020603050405020304" pitchFamily="18" charset="0"/>
+                <a:ea typeface="SimSun" panose="02010600030101010101" pitchFamily="2" charset="-122"/>
+              </a:rPr>
+              <a:t>DeserializeDictionary</a:t>
+            </a:r>
+            <a:r>
+              <a:rPr lang="en-US" sz="1800" dirty="0">
+                <a:effectLst/>
+                <a:latin typeface="Times New Roman" panose="02020603050405020304" pitchFamily="18" charset="0"/>
+                <a:ea typeface="SimSun" panose="02010600030101010101" pitchFamily="2" charset="-122"/>
+              </a:rPr>
+              <a:t>: These methods are used to serialize and deserialize dictionaries.</a:t>
+            </a:r>
+          </a:p>
+          <a:p>
+            <a:pPr algn="just"/>
+            <a:r>
+              <a:rPr lang="en-US" sz="1800" dirty="0" err="1">
+                <a:effectLst/>
+                <a:latin typeface="Times New Roman" panose="02020603050405020304" pitchFamily="18" charset="0"/>
+                <a:ea typeface="SimSun" panose="02010600030101010101" pitchFamily="2" charset="-122"/>
+              </a:rPr>
+              <a:t>SerializeArray</a:t>
+            </a:r>
+            <a:r>
+              <a:rPr lang="en-US" sz="1800" dirty="0">
+                <a:effectLst/>
+                <a:latin typeface="Times New Roman" panose="02020603050405020304" pitchFamily="18" charset="0"/>
+                <a:ea typeface="SimSun" panose="02010600030101010101" pitchFamily="2" charset="-122"/>
+              </a:rPr>
+              <a:t> and </a:t>
+            </a:r>
+            <a:r>
+              <a:rPr lang="en-US" sz="1800" dirty="0" err="1">
+                <a:effectLst/>
+                <a:latin typeface="Times New Roman" panose="02020603050405020304" pitchFamily="18" charset="0"/>
+                <a:ea typeface="SimSun" panose="02010600030101010101" pitchFamily="2" charset="-122"/>
+              </a:rPr>
+              <a:t>DeserializeArray</a:t>
+            </a:r>
+            <a:r>
+              <a:rPr lang="en-US" sz="1800" dirty="0">
+                <a:effectLst/>
+                <a:latin typeface="Times New Roman" panose="02020603050405020304" pitchFamily="18" charset="0"/>
+                <a:ea typeface="SimSun" panose="02010600030101010101" pitchFamily="2" charset="-122"/>
+              </a:rPr>
+              <a:t>: These methods are used to serialize and deserialize arrays.</a:t>
+            </a:r>
+          </a:p>
+          <a:p>
+            <a:pPr algn="just"/>
+            <a:r>
+              <a:rPr lang="en-US" sz="1800" dirty="0">
+                <a:effectLst/>
+                <a:latin typeface="Times New Roman" panose="02020603050405020304" pitchFamily="18" charset="0"/>
+                <a:ea typeface="SimSun" panose="02010600030101010101" pitchFamily="2" charset="-122"/>
+              </a:rPr>
+              <a:t>The custom serialization used in the code provided is less flexible than built-in serialization frameworks like JSON.NET or XML Serialization.</a:t>
+            </a:r>
+          </a:p>
+          <a:p>
+            <a:pPr algn="just"/>
+            <a:r>
+              <a:rPr lang="en-US" sz="1800" dirty="0">
+                <a:effectLst/>
+                <a:latin typeface="Times New Roman" panose="02020603050405020304" pitchFamily="18" charset="0"/>
+                <a:ea typeface="SimSun" panose="02010600030101010101" pitchFamily="2" charset="-122"/>
+              </a:rPr>
+              <a:t> However, it provides more control over the serialization process and can be optimized for specific use cases.</a:t>
+            </a:r>
+          </a:p>
+          <a:p>
+            <a:pPr algn="just"/>
+            <a:r>
+              <a:rPr lang="en-US" sz="1800" dirty="0">
+                <a:effectLst/>
+                <a:latin typeface="Times New Roman" panose="02020603050405020304" pitchFamily="18" charset="0"/>
+                <a:ea typeface="SimSun" panose="02010600030101010101" pitchFamily="2" charset="-122"/>
+              </a:rPr>
+              <a:t> </a:t>
+            </a:r>
+            <a:endParaRPr lang="en-GB" sz="1800" dirty="0">
+              <a:effectLst/>
+              <a:latin typeface="Times New Roman" panose="02020603050405020304" pitchFamily="18" charset="0"/>
+              <a:ea typeface="SimSun" panose="02010600030101010101" pitchFamily="2" charset="-122"/>
+            </a:endParaRPr>
+          </a:p>
+          <a:p>
+            <a:pPr algn="just"/>
+            <a:r>
+              <a:rPr lang="en-US" sz="1800" dirty="0">
+                <a:effectLst/>
+                <a:latin typeface="Times New Roman" panose="02020603050405020304" pitchFamily="18" charset="0"/>
+                <a:ea typeface="SimSun" panose="02010600030101010101" pitchFamily="2" charset="-122"/>
+              </a:rPr>
+              <a:t> The class also includes some helper methods for checking if a type is a dictionary, list, or set, and for getting the specified type or default type from a header.</a:t>
+            </a:r>
+            <a:r>
+              <a:rPr lang="tr-TR" sz="1800" dirty="0">
+                <a:effectLst/>
+                <a:latin typeface="Times New Roman" panose="02020603050405020304" pitchFamily="18" charset="0"/>
+                <a:ea typeface="SimSun" panose="02010600030101010101" pitchFamily="2" charset="-122"/>
+              </a:rPr>
+              <a:t> </a:t>
+            </a:r>
+            <a:r>
+              <a:rPr lang="tr-TR" sz="1800" dirty="0" err="1">
+                <a:effectLst/>
+                <a:latin typeface="Times New Roman" panose="02020603050405020304" pitchFamily="18" charset="0"/>
+                <a:ea typeface="SimSun" panose="02010600030101010101" pitchFamily="2" charset="-122"/>
+              </a:rPr>
+              <a:t>So</a:t>
+            </a:r>
+            <a:r>
+              <a:rPr lang="tr-TR" sz="1800" dirty="0">
+                <a:effectLst/>
+                <a:latin typeface="Times New Roman" panose="02020603050405020304" pitchFamily="18" charset="0"/>
+                <a:ea typeface="SimSun" panose="02010600030101010101" pitchFamily="2" charset="-122"/>
+              </a:rPr>
+              <a:t> </a:t>
+            </a:r>
+            <a:r>
+              <a:rPr lang="tr-TR" sz="1800" dirty="0" err="1">
+                <a:effectLst/>
+                <a:latin typeface="Times New Roman" panose="02020603050405020304" pitchFamily="18" charset="0"/>
+                <a:ea typeface="SimSun" panose="02010600030101010101" pitchFamily="2" charset="-122"/>
+              </a:rPr>
+              <a:t>the</a:t>
+            </a:r>
+            <a:r>
+              <a:rPr lang="tr-TR" sz="1800" dirty="0">
+                <a:effectLst/>
+                <a:latin typeface="Times New Roman" panose="02020603050405020304" pitchFamily="18" charset="0"/>
+                <a:ea typeface="SimSun" panose="02010600030101010101" pitchFamily="2" charset="-122"/>
+              </a:rPr>
+              <a:t> </a:t>
+            </a:r>
+            <a:r>
+              <a:rPr lang="tr-TR" sz="1800" dirty="0" err="1">
+                <a:effectLst/>
+                <a:latin typeface="Times New Roman" panose="02020603050405020304" pitchFamily="18" charset="0"/>
+                <a:ea typeface="SimSun" panose="02010600030101010101" pitchFamily="2" charset="-122"/>
+              </a:rPr>
+              <a:t>class</a:t>
+            </a:r>
+            <a:r>
+              <a:rPr lang="tr-TR" sz="1800" dirty="0">
+                <a:effectLst/>
+                <a:latin typeface="Times New Roman" panose="02020603050405020304" pitchFamily="18" charset="0"/>
+                <a:ea typeface="SimSun" panose="02010600030101010101" pitchFamily="2" charset="-122"/>
+              </a:rPr>
+              <a:t> </a:t>
+            </a:r>
+            <a:r>
+              <a:rPr lang="tr-TR" sz="1800" dirty="0" err="1">
+                <a:effectLst/>
+                <a:latin typeface="Times New Roman" panose="02020603050405020304" pitchFamily="18" charset="0"/>
+                <a:ea typeface="SimSun" panose="02010600030101010101" pitchFamily="2" charset="-122"/>
+              </a:rPr>
+              <a:t>also</a:t>
+            </a:r>
+            <a:r>
+              <a:rPr lang="tr-TR" sz="1800" dirty="0">
+                <a:effectLst/>
+                <a:latin typeface="Times New Roman" panose="02020603050405020304" pitchFamily="18" charset="0"/>
+                <a:ea typeface="SimSun" panose="02010600030101010101" pitchFamily="2" charset="-122"/>
+              </a:rPr>
+              <a:t> </a:t>
+            </a:r>
+            <a:r>
+              <a:rPr lang="tr-TR" sz="1800" dirty="0" err="1">
+                <a:effectLst/>
+                <a:latin typeface="Times New Roman" panose="02020603050405020304" pitchFamily="18" charset="0"/>
+                <a:ea typeface="SimSun" panose="02010600030101010101" pitchFamily="2" charset="-122"/>
+              </a:rPr>
+              <a:t>include</a:t>
+            </a:r>
+            <a:r>
+              <a:rPr lang="tr-TR" sz="1800" dirty="0">
+                <a:effectLst/>
+                <a:latin typeface="Times New Roman" panose="02020603050405020304" pitchFamily="18" charset="0"/>
+                <a:ea typeface="SimSun" panose="02010600030101010101" pitchFamily="2" charset="-122"/>
+              </a:rPr>
+              <a:t> </a:t>
+            </a:r>
+            <a:r>
+              <a:rPr lang="tr-TR" sz="1800" dirty="0" err="1">
+                <a:effectLst/>
+                <a:latin typeface="Times New Roman" panose="02020603050405020304" pitchFamily="18" charset="0"/>
+                <a:ea typeface="SimSun" panose="02010600030101010101" pitchFamily="2" charset="-122"/>
+              </a:rPr>
+              <a:t>other</a:t>
+            </a:r>
+            <a:r>
+              <a:rPr lang="tr-TR" sz="1800" dirty="0">
+                <a:effectLst/>
+                <a:latin typeface="Times New Roman" panose="02020603050405020304" pitchFamily="18" charset="0"/>
+                <a:ea typeface="SimSun" panose="02010600030101010101" pitchFamily="2" charset="-122"/>
+              </a:rPr>
+              <a:t> </a:t>
+            </a:r>
+            <a:r>
+              <a:rPr lang="tr-TR" sz="1800" dirty="0" err="1">
+                <a:effectLst/>
+                <a:latin typeface="Times New Roman" panose="02020603050405020304" pitchFamily="18" charset="0"/>
+                <a:ea typeface="SimSun" panose="02010600030101010101" pitchFamily="2" charset="-122"/>
+              </a:rPr>
+              <a:t>methods</a:t>
+            </a:r>
+            <a:r>
+              <a:rPr lang="tr-TR" sz="1800" dirty="0">
+                <a:effectLst/>
+                <a:latin typeface="Times New Roman" panose="02020603050405020304" pitchFamily="18" charset="0"/>
+                <a:ea typeface="SimSun" panose="02010600030101010101" pitchFamily="2" charset="-122"/>
+              </a:rPr>
+              <a:t> </a:t>
+            </a:r>
+            <a:r>
+              <a:rPr lang="tr-TR" sz="1800" dirty="0" err="1">
+                <a:effectLst/>
+                <a:latin typeface="Times New Roman" panose="02020603050405020304" pitchFamily="18" charset="0"/>
+                <a:ea typeface="SimSun" panose="02010600030101010101" pitchFamily="2" charset="-122"/>
+              </a:rPr>
+              <a:t>such</a:t>
+            </a:r>
+            <a:r>
+              <a:rPr lang="tr-TR" sz="1800" dirty="0">
+                <a:effectLst/>
+                <a:latin typeface="Times New Roman" panose="02020603050405020304" pitchFamily="18" charset="0"/>
+                <a:ea typeface="SimSun" panose="02010600030101010101" pitchFamily="2" charset="-122"/>
+              </a:rPr>
+              <a:t> as </a:t>
+            </a:r>
+            <a:r>
+              <a:rPr lang="tr-TR" sz="1800" dirty="0" err="1">
+                <a:effectLst/>
+                <a:latin typeface="Times New Roman" panose="02020603050405020304" pitchFamily="18" charset="0"/>
+                <a:ea typeface="SimSun" panose="02010600030101010101" pitchFamily="2" charset="-122"/>
+              </a:rPr>
+              <a:t>for</a:t>
+            </a:r>
+            <a:r>
+              <a:rPr lang="tr-TR" sz="1800" dirty="0">
+                <a:effectLst/>
+                <a:latin typeface="Times New Roman" panose="02020603050405020304" pitchFamily="18" charset="0"/>
+                <a:ea typeface="SimSun" panose="02010600030101010101" pitchFamily="2" charset="-122"/>
+              </a:rPr>
+              <a:t> </a:t>
+            </a:r>
+            <a:r>
+              <a:rPr lang="tr-TR" sz="1800" dirty="0" err="1">
+                <a:effectLst/>
+                <a:latin typeface="Times New Roman" panose="02020603050405020304" pitchFamily="18" charset="0"/>
+                <a:ea typeface="SimSun" panose="02010600030101010101" pitchFamily="2" charset="-122"/>
+              </a:rPr>
+              <a:t>serializing</a:t>
+            </a:r>
+            <a:r>
+              <a:rPr lang="tr-TR" sz="1800" dirty="0">
+                <a:effectLst/>
+                <a:latin typeface="Times New Roman" panose="02020603050405020304" pitchFamily="18" charset="0"/>
+                <a:ea typeface="SimSun" panose="02010600030101010101" pitchFamily="2" charset="-122"/>
+              </a:rPr>
+              <a:t> </a:t>
+            </a:r>
+            <a:r>
+              <a:rPr lang="tr-TR" sz="1800" dirty="0" err="1">
+                <a:effectLst/>
+                <a:latin typeface="Times New Roman" panose="02020603050405020304" pitchFamily="18" charset="0"/>
+                <a:ea typeface="SimSun" panose="02010600030101010101" pitchFamily="2" charset="-122"/>
+              </a:rPr>
+              <a:t>and</a:t>
+            </a:r>
+            <a:r>
+              <a:rPr lang="tr-TR" sz="1800" dirty="0">
+                <a:effectLst/>
+                <a:latin typeface="Times New Roman" panose="02020603050405020304" pitchFamily="18" charset="0"/>
+                <a:ea typeface="SimSun" panose="02010600030101010101" pitchFamily="2" charset="-122"/>
+              </a:rPr>
+              <a:t> </a:t>
+            </a:r>
+            <a:r>
+              <a:rPr lang="tr-TR" sz="1800" dirty="0" err="1">
+                <a:effectLst/>
+                <a:latin typeface="Times New Roman" panose="02020603050405020304" pitchFamily="18" charset="0"/>
+                <a:ea typeface="SimSun" panose="02010600030101010101" pitchFamily="2" charset="-122"/>
+              </a:rPr>
+              <a:t>deserializing</a:t>
+            </a:r>
+            <a:r>
+              <a:rPr lang="tr-TR" sz="1800" dirty="0">
+                <a:effectLst/>
+                <a:latin typeface="Times New Roman" panose="02020603050405020304" pitchFamily="18" charset="0"/>
+                <a:ea typeface="SimSun" panose="02010600030101010101" pitchFamily="2" charset="-122"/>
+              </a:rPr>
+              <a:t> a Cell </a:t>
+            </a:r>
+            <a:r>
+              <a:rPr lang="tr-TR" sz="1800" dirty="0" err="1">
+                <a:effectLst/>
+                <a:latin typeface="Times New Roman" panose="02020603050405020304" pitchFamily="18" charset="0"/>
+                <a:ea typeface="SimSun" panose="02010600030101010101" pitchFamily="2" charset="-122"/>
+              </a:rPr>
+              <a:t>object</a:t>
+            </a:r>
+            <a:r>
+              <a:rPr lang="tr-TR" sz="1800" dirty="0">
+                <a:effectLst/>
+                <a:latin typeface="Times New Roman" panose="02020603050405020304" pitchFamily="18" charset="0"/>
+                <a:ea typeface="SimSun" panose="02010600030101010101" pitchFamily="2" charset="-122"/>
+              </a:rPr>
               <a:t>, </a:t>
             </a:r>
             <a:r>
-              <a:rPr lang="en-US" b="0" i="0" dirty="0">
-                <a:solidFill>
-                  <a:srgbClr val="1F2328"/>
-                </a:solidFill>
-                <a:effectLst/>
-                <a:latin typeface="-apple-system"/>
-              </a:rPr>
-              <a:t>which indicates the start of the serialize object, </a:t>
-            </a:r>
-            <a:r>
-              <a:rPr lang="en-US" dirty="0" err="1"/>
-              <a:t>SerializeEnd</a:t>
-            </a:r>
-            <a:r>
-              <a:rPr lang="en-US" dirty="0"/>
+              <a:rPr lang="tr-TR" sz="1800" dirty="0" err="1">
+                <a:effectLst/>
+                <a:latin typeface="Times New Roman" panose="02020603050405020304" pitchFamily="18" charset="0"/>
+                <a:ea typeface="SimSun" panose="02010600030101010101" pitchFamily="2" charset="-122"/>
+              </a:rPr>
+              <a:t>synapse</a:t>
+            </a:r>
+            <a:r>
+              <a:rPr lang="tr-TR" sz="1800" dirty="0">
+                <a:effectLst/>
+                <a:latin typeface="Times New Roman" panose="02020603050405020304" pitchFamily="18" charset="0"/>
+                <a:ea typeface="SimSun" panose="02010600030101010101" pitchFamily="2" charset="-122"/>
+              </a:rPr>
+              <a:t> </a:t>
+            </a:r>
+            <a:r>
+              <a:rPr lang="tr-TR" sz="1800" dirty="0" err="1">
+                <a:effectLst/>
+                <a:latin typeface="Times New Roman" panose="02020603050405020304" pitchFamily="18" charset="0"/>
+                <a:ea typeface="SimSun" panose="02010600030101010101" pitchFamily="2" charset="-122"/>
+              </a:rPr>
+              <a:t>object</a:t>
+            </a:r>
+            <a:r>
+              <a:rPr lang="tr-TR" sz="1800" dirty="0">
+                <a:effectLst/>
+                <a:latin typeface="Times New Roman" panose="02020603050405020304" pitchFamily="18" charset="0"/>
+                <a:ea typeface="SimSun" panose="02010600030101010101" pitchFamily="2" charset="-122"/>
+              </a:rPr>
               <a:t>, </a:t>
             </a:r>
             <a:r>
-              <a:rPr lang="en-US" b="0" i="0" dirty="0">
-                <a:solidFill>
-                  <a:srgbClr val="1F2328"/>
-                </a:solidFill>
-                <a:effectLst/>
-                <a:latin typeface="-apple-system"/>
-              </a:rPr>
-              <a:t> to indicate the end of the serialize object.</a:t>
-            </a:r>
-          </a:p>
-          <a:p>
-            <a:r>
-              <a:rPr lang="en-US" b="0" i="0" dirty="0">
-                <a:solidFill>
-                  <a:srgbClr val="1F2328"/>
-                </a:solidFill>
-                <a:effectLst/>
-                <a:latin typeface="-apple-system"/>
-              </a:rPr>
-              <a:t>And then we have </a:t>
-            </a:r>
-            <a:r>
-              <a:rPr lang="en-US" dirty="0" err="1"/>
-              <a:t>SerializeValue</a:t>
-            </a:r>
-            <a:r>
-              <a:rPr lang="en-US" dirty="0"/>
-              <a:t> and </a:t>
-            </a:r>
-            <a:r>
-              <a:rPr lang="en-US" dirty="0" err="1"/>
-              <a:t>DeserializeValue</a:t>
-            </a:r>
-            <a:r>
-              <a:rPr lang="en-US" dirty="0"/>
-              <a:t>. The Serialize methods </a:t>
-            </a:r>
-            <a:r>
-              <a:rPr lang="es-ES" dirty="0">
-                <a:effectLst/>
-                <a:latin typeface="+mj-lt"/>
-              </a:rPr>
-              <a:t>a</a:t>
-            </a:r>
-            <a:r>
-              <a:rPr lang="es-ES" dirty="0">
-                <a:effectLst/>
-                <a:latin typeface="+mj-lt"/>
-                <a:ea typeface="Calibri" panose="020F0502020204030204" pitchFamily="34" charset="0"/>
-              </a:rPr>
-              <a:t>s </a:t>
-            </a:r>
-            <a:r>
-              <a:rPr lang="es-ES" dirty="0" err="1">
-                <a:effectLst/>
-                <a:latin typeface="+mj-lt"/>
-                <a:ea typeface="Calibri" panose="020F0502020204030204" pitchFamily="34" charset="0"/>
-              </a:rPr>
-              <a:t>we</a:t>
-            </a:r>
-            <a:r>
-              <a:rPr lang="es-ES" dirty="0">
-                <a:effectLst/>
-                <a:latin typeface="+mj-lt"/>
-                <a:ea typeface="Calibri" panose="020F0502020204030204" pitchFamily="34" charset="0"/>
+              <a:rPr lang="tr-TR" sz="1800" dirty="0" err="1">
+                <a:effectLst/>
+                <a:latin typeface="Times New Roman" panose="02020603050405020304" pitchFamily="18" charset="0"/>
+                <a:ea typeface="SimSun" panose="02010600030101010101" pitchFamily="2" charset="-122"/>
+              </a:rPr>
+              <a:t>distaldendrite</a:t>
+            </a:r>
+            <a:r>
+              <a:rPr lang="tr-TR" sz="1800" dirty="0">
+                <a:effectLst/>
+                <a:latin typeface="Times New Roman" panose="02020603050405020304" pitchFamily="18" charset="0"/>
+                <a:ea typeface="SimSun" panose="02010600030101010101" pitchFamily="2" charset="-122"/>
               </a:rPr>
               <a:t> </a:t>
             </a:r>
             <a:r>
-              <a:rPr lang="es-ES" dirty="0" err="1">
-                <a:effectLst/>
-                <a:latin typeface="+mj-lt"/>
-                <a:ea typeface="Calibri" panose="020F0502020204030204" pitchFamily="34" charset="0"/>
-              </a:rPr>
-              <a:t>said</a:t>
-            </a:r>
-            <a:r>
-              <a:rPr lang="es-ES" dirty="0">
-                <a:effectLst/>
-                <a:latin typeface="+mj-lt"/>
-                <a:ea typeface="Calibri" panose="020F0502020204030204" pitchFamily="34" charset="0"/>
+              <a:rPr lang="tr-TR" sz="1800" dirty="0" err="1">
+                <a:effectLst/>
+                <a:latin typeface="Times New Roman" panose="02020603050405020304" pitchFamily="18" charset="0"/>
+                <a:ea typeface="SimSun" panose="02010600030101010101" pitchFamily="2" charset="-122"/>
+              </a:rPr>
+              <a:t>object</a:t>
+            </a:r>
+            <a:r>
+              <a:rPr lang="tr-TR" sz="1800" dirty="0">
+                <a:effectLst/>
+                <a:latin typeface="Times New Roman" panose="02020603050405020304" pitchFamily="18" charset="0"/>
+                <a:ea typeface="SimSun" panose="02010600030101010101" pitchFamily="2" charset="-122"/>
+              </a:rPr>
+              <a:t>, </a:t>
+            </a:r>
+            <a:r>
+              <a:rPr lang="tr-TR" sz="1800" dirty="0" err="1">
+                <a:effectLst/>
+                <a:latin typeface="Times New Roman" panose="02020603050405020304" pitchFamily="18" charset="0"/>
+                <a:ea typeface="SimSun" panose="02010600030101010101" pitchFamily="2" charset="-122"/>
+              </a:rPr>
+              <a:t>dictionary</a:t>
+            </a:r>
+            <a:r>
+              <a:rPr lang="tr-TR" sz="1800" dirty="0">
+                <a:effectLst/>
+                <a:latin typeface="Times New Roman" panose="02020603050405020304" pitchFamily="18" charset="0"/>
+                <a:ea typeface="SimSun" panose="02010600030101010101" pitchFamily="2" charset="-122"/>
               </a:rPr>
               <a:t> </a:t>
             </a:r>
             <a:r>
-              <a:rPr lang="es-ES" dirty="0" err="1">
-                <a:effectLst/>
-                <a:latin typeface="+mj-lt"/>
-                <a:ea typeface="Calibri" panose="020F0502020204030204" pitchFamily="34" charset="0"/>
-              </a:rPr>
-              <a:t>before</a:t>
-            </a:r>
-            <a:r>
-              <a:rPr lang="es-ES" dirty="0">
-                <a:effectLst/>
-                <a:latin typeface="+mj-lt"/>
-                <a:ea typeface="Calibri" panose="020F0502020204030204" pitchFamily="34" charset="0"/>
+              <a:rPr lang="tr-TR" sz="1800" dirty="0" err="1">
+                <a:effectLst/>
+                <a:latin typeface="Times New Roman" panose="02020603050405020304" pitchFamily="18" charset="0"/>
+                <a:ea typeface="SimSun" panose="02010600030101010101" pitchFamily="2" charset="-122"/>
+              </a:rPr>
+              <a:t>object</a:t>
+            </a:r>
+            <a:r>
+              <a:rPr lang="tr-TR" sz="1800" dirty="0">
+                <a:effectLst/>
+                <a:latin typeface="Times New Roman" panose="02020603050405020304" pitchFamily="18" charset="0"/>
+                <a:ea typeface="SimSun" panose="02010600030101010101" pitchFamily="2" charset="-122"/>
               </a:rPr>
               <a:t>, </a:t>
             </a:r>
             <a:r>
-              <a:rPr lang="en-US" dirty="0">
-                <a:effectLst/>
-                <a:latin typeface="ui-monospace"/>
-              </a:rPr>
-              <a:t>converts an object to a specific format, such as XML. This object can be a simple variable like an int or a double or a list of properties of a Cell like a Synapse or a Dendrite. In the case of the Deserialize methods, it converts the serialized data back into an object or a set of objects.</a:t>
-            </a:r>
-            <a:endParaRPr lang="en-US" dirty="0"/>
-          </a:p>
-          <a:p>
-            <a:endParaRPr lang="en-US" dirty="0"/>
-          </a:p>
-          <a:p>
-            <a:r>
-              <a:rPr lang="en-US" dirty="0">
-                <a:effectLst/>
-                <a:latin typeface="+mn-lt"/>
-                <a:ea typeface="+mn-ea"/>
-              </a:rPr>
-              <a:t>Also, m</a:t>
-            </a:r>
-            <a:r>
-              <a:rPr lang="es-ES" dirty="0" err="1">
-                <a:effectLst/>
-                <a:latin typeface="+mj-lt"/>
-                <a:ea typeface="Calibri" panose="020F0502020204030204" pitchFamily="34" charset="0"/>
-              </a:rPr>
-              <a:t>ethod</a:t>
-            </a:r>
-            <a:r>
-              <a:rPr lang="es-ES" dirty="0">
-                <a:effectLst/>
-                <a:latin typeface="+mj-lt"/>
-                <a:ea typeface="Calibri" panose="020F0502020204030204" pitchFamily="34" charset="0"/>
+              <a:rPr lang="tr-TR" sz="1800" dirty="0" err="1">
+                <a:effectLst/>
+                <a:latin typeface="Times New Roman" panose="02020603050405020304" pitchFamily="18" charset="0"/>
+                <a:ea typeface="SimSun" panose="02010600030101010101" pitchFamily="2" charset="-122"/>
+              </a:rPr>
+              <a:t>list</a:t>
+            </a:r>
+            <a:r>
+              <a:rPr lang="tr-TR" sz="1800" dirty="0">
+                <a:effectLst/>
+                <a:latin typeface="Times New Roman" panose="02020603050405020304" pitchFamily="18" charset="0"/>
+                <a:ea typeface="SimSun" panose="02010600030101010101" pitchFamily="2" charset="-122"/>
               </a:rPr>
               <a:t> </a:t>
             </a:r>
             <a:r>
-              <a:rPr lang="es-ES" dirty="0" err="1">
-                <a:effectLst/>
-                <a:latin typeface="+mj-lt"/>
-                <a:ea typeface="Calibri" panose="020F0502020204030204" pitchFamily="34" charset="0"/>
-              </a:rPr>
-              <a:t>overloading</a:t>
-            </a:r>
-            <a:r>
-              <a:rPr lang="es-ES" dirty="0">
-                <a:effectLst/>
-                <a:latin typeface="+mj-lt"/>
-                <a:ea typeface="Calibri" panose="020F0502020204030204" pitchFamily="34" charset="0"/>
+              <a:rPr lang="tr-TR" sz="1800" dirty="0" err="1">
+                <a:effectLst/>
+                <a:latin typeface="Times New Roman" panose="02020603050405020304" pitchFamily="18" charset="0"/>
+                <a:ea typeface="SimSun" panose="02010600030101010101" pitchFamily="2" charset="-122"/>
+              </a:rPr>
+              <a:t>object</a:t>
+            </a:r>
+            <a:r>
+              <a:rPr lang="tr-TR" sz="1800" dirty="0">
+                <a:effectLst/>
+                <a:latin typeface="Times New Roman" panose="02020603050405020304" pitchFamily="18" charset="0"/>
+                <a:ea typeface="SimSun" panose="02010600030101010101" pitchFamily="2" charset="-122"/>
               </a:rPr>
               <a:t> </a:t>
             </a:r>
             <a:r>
-              <a:rPr lang="es-ES" dirty="0" err="1">
-                <a:effectLst/>
-                <a:latin typeface="+mj-lt"/>
-                <a:ea typeface="Calibri" panose="020F0502020204030204" pitchFamily="34" charset="0"/>
-              </a:rPr>
-              <a:t>happens</a:t>
-            </a:r>
-            <a:r>
-              <a:rPr lang="es-ES" dirty="0">
-                <a:effectLst/>
-                <a:latin typeface="+mj-lt"/>
-                <a:ea typeface="Calibri" panose="020F0502020204030204" pitchFamily="34" charset="0"/>
-              </a:rPr>
-              <a:t> in </a:t>
-            </a:r>
-            <a:r>
-              <a:rPr lang="es-ES" dirty="0" err="1">
-                <a:effectLst/>
-                <a:latin typeface="+mj-lt"/>
-                <a:ea typeface="Calibri" panose="020F0502020204030204" pitchFamily="34" charset="0"/>
-              </a:rPr>
-              <a:t>our</a:t>
-            </a:r>
-            <a:r>
-              <a:rPr lang="es-ES" dirty="0">
-                <a:effectLst/>
-                <a:latin typeface="+mj-lt"/>
-                <a:ea typeface="Calibri" panose="020F0502020204030204" pitchFamily="34" charset="0"/>
+              <a:rPr lang="tr-TR" sz="1800" dirty="0" err="1">
+                <a:effectLst/>
+                <a:latin typeface="Times New Roman" panose="02020603050405020304" pitchFamily="18" charset="0"/>
+                <a:ea typeface="SimSun" panose="02010600030101010101" pitchFamily="2" charset="-122"/>
+              </a:rPr>
+              <a:t>and</a:t>
+            </a:r>
+            <a:r>
+              <a:rPr lang="tr-TR" sz="1800" dirty="0">
+                <a:effectLst/>
+                <a:latin typeface="Times New Roman" panose="02020603050405020304" pitchFamily="18" charset="0"/>
+                <a:ea typeface="SimSun" panose="02010600030101010101" pitchFamily="2" charset="-122"/>
               </a:rPr>
               <a:t> </a:t>
             </a:r>
             <a:r>
-              <a:rPr lang="es-ES" dirty="0" err="1">
-                <a:effectLst/>
-                <a:latin typeface="+mj-lt"/>
-                <a:ea typeface="Calibri" panose="020F0502020204030204" pitchFamily="34" charset="0"/>
-              </a:rPr>
-              <a:t>code</a:t>
-            </a:r>
-            <a:r>
-              <a:rPr lang="es-ES" dirty="0">
-                <a:effectLst/>
-                <a:latin typeface="+mj-lt"/>
-                <a:ea typeface="Calibri" panose="020F0502020204030204" pitchFamily="34" charset="0"/>
-              </a:rPr>
-              <a:t>,  </a:t>
-            </a:r>
-            <a:r>
-              <a:rPr lang="es-ES" dirty="0" err="1">
-                <a:effectLst/>
-                <a:latin typeface="+mj-lt"/>
-                <a:ea typeface="Calibri" panose="020F0502020204030204" pitchFamily="34" charset="0"/>
-              </a:rPr>
-              <a:t>which</a:t>
-            </a:r>
-            <a:r>
-              <a:rPr lang="es-ES" dirty="0">
-                <a:effectLst/>
-                <a:latin typeface="+mj-lt"/>
-                <a:ea typeface="Calibri" panose="020F0502020204030204" pitchFamily="34" charset="0"/>
+              <a:rPr lang="tr-TR" sz="1800" dirty="0" err="1">
+                <a:effectLst/>
+                <a:latin typeface="Times New Roman" panose="02020603050405020304" pitchFamily="18" charset="0"/>
+                <a:ea typeface="SimSun" panose="02010600030101010101" pitchFamily="2" charset="-122"/>
+              </a:rPr>
+              <a:t>more</a:t>
+            </a:r>
+            <a:r>
+              <a:rPr lang="tr-TR" sz="1800" dirty="0">
+                <a:effectLst/>
+                <a:latin typeface="Times New Roman" panose="02020603050405020304" pitchFamily="18" charset="0"/>
+                <a:ea typeface="SimSun" panose="02010600030101010101" pitchFamily="2" charset="-122"/>
               </a:rPr>
               <a:t> </a:t>
             </a:r>
             <a:r>
-              <a:rPr lang="es-ES" dirty="0" err="1">
-                <a:effectLst/>
-                <a:latin typeface="+mj-lt"/>
-                <a:ea typeface="Calibri" panose="020F0502020204030204" pitchFamily="34" charset="0"/>
-              </a:rPr>
-              <a:t>means</a:t>
-            </a:r>
-            <a:r>
-              <a:rPr lang="es-ES" dirty="0">
-                <a:effectLst/>
-                <a:latin typeface="+mj-lt"/>
-                <a:ea typeface="Calibri" panose="020F0502020204030204" pitchFamily="34" charset="0"/>
-              </a:rPr>
-              <a:t> </a:t>
-            </a:r>
-            <a:r>
-              <a:rPr lang="es-ES" dirty="0" err="1">
-                <a:effectLst/>
-                <a:latin typeface="+mj-lt"/>
-                <a:ea typeface="Calibri" panose="020F0502020204030204" pitchFamily="34" charset="0"/>
-              </a:rPr>
-              <a:t>we</a:t>
-            </a:r>
-            <a:r>
-              <a:rPr lang="es-ES" dirty="0">
-                <a:effectLst/>
-                <a:latin typeface="+mj-lt"/>
-                <a:ea typeface="Calibri" panose="020F0502020204030204" pitchFamily="34" charset="0"/>
-              </a:rPr>
-              <a:t> </a:t>
-            </a:r>
-            <a:r>
-              <a:rPr lang="es-ES" dirty="0" err="1">
-                <a:effectLst/>
-                <a:latin typeface="+mj-lt"/>
-                <a:ea typeface="Calibri" panose="020F0502020204030204" pitchFamily="34" charset="0"/>
-              </a:rPr>
-              <a:t>have</a:t>
-            </a:r>
-            <a:r>
-              <a:rPr lang="es-ES" dirty="0">
-                <a:effectLst/>
-                <a:latin typeface="+mj-lt"/>
-                <a:ea typeface="Calibri" panose="020F0502020204030204" pitchFamily="34" charset="0"/>
-              </a:rPr>
-              <a:t> </a:t>
-            </a:r>
-            <a:r>
-              <a:rPr lang="es-ES" dirty="0" err="1">
-                <a:effectLst/>
-                <a:latin typeface="+mj-lt"/>
-                <a:ea typeface="Calibri" panose="020F0502020204030204" pitchFamily="34" charset="0"/>
-              </a:rPr>
-              <a:t>methods</a:t>
-            </a:r>
-            <a:r>
-              <a:rPr lang="es-ES" dirty="0">
-                <a:effectLst/>
-                <a:latin typeface="+mj-lt"/>
-                <a:ea typeface="Calibri" panose="020F0502020204030204" pitchFamily="34" charset="0"/>
-              </a:rPr>
-              <a:t> </a:t>
-            </a:r>
-            <a:r>
-              <a:rPr lang="es-ES" dirty="0" err="1">
-                <a:effectLst/>
-                <a:latin typeface="+mj-lt"/>
-                <a:ea typeface="Calibri" panose="020F0502020204030204" pitchFamily="34" charset="0"/>
-              </a:rPr>
-              <a:t>with</a:t>
-            </a:r>
-            <a:r>
-              <a:rPr lang="es-ES" dirty="0">
-                <a:effectLst/>
-                <a:latin typeface="+mj-lt"/>
-                <a:ea typeface="Calibri" panose="020F0502020204030204" pitchFamily="34" charset="0"/>
-              </a:rPr>
-              <a:t> </a:t>
-            </a:r>
-            <a:r>
-              <a:rPr lang="es-ES" dirty="0" err="1">
-                <a:effectLst/>
-                <a:latin typeface="+mj-lt"/>
-                <a:ea typeface="Calibri" panose="020F0502020204030204" pitchFamily="34" charset="0"/>
-              </a:rPr>
-              <a:t>the</a:t>
-            </a:r>
-            <a:r>
-              <a:rPr lang="es-ES" dirty="0">
-                <a:effectLst/>
-                <a:latin typeface="+mj-lt"/>
-                <a:ea typeface="Calibri" panose="020F0502020204030204" pitchFamily="34" charset="0"/>
-              </a:rPr>
-              <a:t> </a:t>
-            </a:r>
-            <a:r>
-              <a:rPr lang="es-ES" dirty="0" err="1">
-                <a:effectLst/>
-                <a:latin typeface="+mj-lt"/>
-                <a:ea typeface="Calibri" panose="020F0502020204030204" pitchFamily="34" charset="0"/>
-              </a:rPr>
-              <a:t>same</a:t>
-            </a:r>
-            <a:r>
-              <a:rPr lang="es-ES" dirty="0">
-                <a:effectLst/>
-                <a:latin typeface="+mj-lt"/>
-                <a:ea typeface="Calibri" panose="020F0502020204030204" pitchFamily="34" charset="0"/>
-              </a:rPr>
-              <a:t> </a:t>
-            </a:r>
-            <a:r>
-              <a:rPr lang="es-ES" dirty="0" err="1">
-                <a:effectLst/>
-                <a:latin typeface="+mj-lt"/>
-                <a:ea typeface="Calibri" panose="020F0502020204030204" pitchFamily="34" charset="0"/>
-              </a:rPr>
-              <a:t>name</a:t>
-            </a:r>
-            <a:r>
-              <a:rPr lang="es-ES" dirty="0">
-                <a:effectLst/>
-                <a:latin typeface="+mj-lt"/>
-                <a:ea typeface="Calibri" panose="020F0502020204030204" pitchFamily="34" charset="0"/>
-              </a:rPr>
-              <a:t>, </a:t>
-            </a:r>
-            <a:r>
-              <a:rPr lang="es-ES" dirty="0" err="1">
-                <a:effectLst/>
-                <a:latin typeface="+mj-lt"/>
-                <a:ea typeface="Calibri" panose="020F0502020204030204" pitchFamily="34" charset="0"/>
-              </a:rPr>
-              <a:t>for</a:t>
-            </a:r>
-            <a:r>
-              <a:rPr lang="es-ES" dirty="0">
-                <a:effectLst/>
-                <a:latin typeface="+mj-lt"/>
-                <a:ea typeface="Calibri" panose="020F0502020204030204" pitchFamily="34" charset="0"/>
-              </a:rPr>
-              <a:t> </a:t>
-            </a:r>
-            <a:r>
-              <a:rPr lang="es-ES" dirty="0" err="1">
-                <a:effectLst/>
-                <a:latin typeface="+mj-lt"/>
-                <a:ea typeface="Calibri" panose="020F0502020204030204" pitchFamily="34" charset="0"/>
-              </a:rPr>
-              <a:t>example</a:t>
-            </a:r>
-            <a:r>
-              <a:rPr lang="es-ES" dirty="0">
-                <a:effectLst/>
-                <a:latin typeface="+mj-lt"/>
-                <a:ea typeface="Calibri" panose="020F0502020204030204" pitchFamily="34" charset="0"/>
-              </a:rPr>
-              <a:t> </a:t>
-            </a:r>
-            <a:r>
-              <a:rPr lang="es-ES" dirty="0" err="1">
-                <a:effectLst/>
-                <a:latin typeface="+mj-lt"/>
-                <a:ea typeface="Calibri" panose="020F0502020204030204" pitchFamily="34" charset="0"/>
-              </a:rPr>
-              <a:t>SerializeValue</a:t>
-            </a:r>
-            <a:r>
-              <a:rPr lang="es-ES" dirty="0">
-                <a:effectLst/>
-                <a:latin typeface="+mj-lt"/>
-                <a:ea typeface="Calibri" panose="020F0502020204030204" pitchFamily="34" charset="0"/>
-              </a:rPr>
-              <a:t> </a:t>
-            </a:r>
-            <a:r>
-              <a:rPr lang="es-ES" dirty="0" err="1">
-                <a:effectLst/>
-                <a:latin typeface="+mj-lt"/>
-                <a:ea typeface="Calibri" panose="020F0502020204030204" pitchFamily="34" charset="0"/>
-              </a:rPr>
-              <a:t>but</a:t>
-            </a:r>
-            <a:r>
-              <a:rPr lang="es-ES" dirty="0">
-                <a:effectLst/>
-                <a:latin typeface="+mj-lt"/>
-                <a:ea typeface="Calibri" panose="020F0502020204030204" pitchFamily="34" charset="0"/>
-              </a:rPr>
-              <a:t> </a:t>
-            </a:r>
-            <a:r>
-              <a:rPr lang="es-ES" dirty="0" err="1">
-                <a:effectLst/>
-                <a:latin typeface="+mj-lt"/>
-                <a:ea typeface="Calibri" panose="020F0502020204030204" pitchFamily="34" charset="0"/>
-              </a:rPr>
-              <a:t>each</a:t>
-            </a:r>
-            <a:r>
-              <a:rPr lang="es-ES" dirty="0">
-                <a:effectLst/>
-                <a:latin typeface="+mj-lt"/>
-                <a:ea typeface="Calibri" panose="020F0502020204030204" pitchFamily="34" charset="0"/>
-              </a:rPr>
-              <a:t> </a:t>
-            </a:r>
-            <a:r>
-              <a:rPr lang="es-ES" dirty="0" err="1">
-                <a:effectLst/>
-                <a:latin typeface="+mj-lt"/>
-                <a:ea typeface="Calibri" panose="020F0502020204030204" pitchFamily="34" charset="0"/>
-              </a:rPr>
-              <a:t>of</a:t>
-            </a:r>
-            <a:r>
-              <a:rPr lang="es-ES" dirty="0">
-                <a:effectLst/>
-                <a:latin typeface="+mj-lt"/>
-                <a:ea typeface="Calibri" panose="020F0502020204030204" pitchFamily="34" charset="0"/>
-              </a:rPr>
-              <a:t> </a:t>
-            </a:r>
-            <a:r>
-              <a:rPr lang="es-ES" dirty="0" err="1">
-                <a:effectLst/>
-                <a:latin typeface="+mj-lt"/>
-                <a:ea typeface="Calibri" panose="020F0502020204030204" pitchFamily="34" charset="0"/>
-              </a:rPr>
-              <a:t>them</a:t>
-            </a:r>
-            <a:r>
-              <a:rPr lang="es-ES" dirty="0">
-                <a:effectLst/>
-                <a:latin typeface="+mj-lt"/>
-                <a:ea typeface="Calibri" panose="020F0502020204030204" pitchFamily="34" charset="0"/>
-              </a:rPr>
-              <a:t> </a:t>
-            </a:r>
-            <a:r>
-              <a:rPr lang="es-ES" dirty="0" err="1">
-                <a:effectLst/>
-                <a:latin typeface="+mj-lt"/>
-                <a:ea typeface="Calibri" panose="020F0502020204030204" pitchFamily="34" charset="0"/>
-              </a:rPr>
-              <a:t>takes</a:t>
-            </a:r>
-            <a:r>
-              <a:rPr lang="es-ES" dirty="0">
-                <a:effectLst/>
-                <a:latin typeface="+mj-lt"/>
-                <a:ea typeface="Calibri" panose="020F0502020204030204" pitchFamily="34" charset="0"/>
-              </a:rPr>
-              <a:t> </a:t>
-            </a:r>
-            <a:r>
-              <a:rPr lang="es-ES" dirty="0" err="1">
-                <a:effectLst/>
-                <a:latin typeface="+mj-lt"/>
-                <a:ea typeface="Calibri" panose="020F0502020204030204" pitchFamily="34" charset="0"/>
+              <a:rPr lang="tr-TR" sz="1800" dirty="0" err="1">
+                <a:effectLst/>
+                <a:latin typeface="Times New Roman" panose="02020603050405020304" pitchFamily="18" charset="0"/>
+                <a:ea typeface="SimSun" panose="02010600030101010101" pitchFamily="2" charset="-122"/>
               </a:rPr>
               <a:t>different</a:t>
             </a:r>
             <a:r>
-              <a:rPr lang="es-ES" dirty="0">
-                <a:effectLst/>
-                <a:latin typeface="+mj-lt"/>
-                <a:ea typeface="Calibri" panose="020F0502020204030204" pitchFamily="34" charset="0"/>
-              </a:rPr>
-              <a:t> </a:t>
-            </a:r>
-            <a:r>
-              <a:rPr lang="es-ES" dirty="0" err="1">
-                <a:effectLst/>
-                <a:latin typeface="+mj-lt"/>
-                <a:ea typeface="Calibri" panose="020F0502020204030204" pitchFamily="34" charset="0"/>
-              </a:rPr>
-              <a:t>parameters</a:t>
-            </a:r>
-            <a:r>
-              <a:rPr lang="es-ES" dirty="0">
-                <a:effectLst/>
-                <a:latin typeface="+mj-lt"/>
-                <a:ea typeface="Calibri" panose="020F0502020204030204" pitchFamily="34" charset="0"/>
-              </a:rPr>
-              <a:t>. </a:t>
-            </a:r>
-            <a:r>
-              <a:rPr lang="es-ES" dirty="0" err="1">
-                <a:effectLst/>
-                <a:latin typeface="+mj-lt"/>
-                <a:ea typeface="Calibri" panose="020F0502020204030204" pitchFamily="34" charset="0"/>
-              </a:rPr>
-              <a:t>Because</a:t>
-            </a:r>
-            <a:r>
-              <a:rPr lang="es-ES" dirty="0">
-                <a:effectLst/>
-                <a:latin typeface="+mj-lt"/>
-                <a:ea typeface="Calibri" panose="020F0502020204030204" pitchFamily="34" charset="0"/>
-              </a:rPr>
-              <a:t> </a:t>
-            </a:r>
-            <a:r>
-              <a:rPr lang="es-ES" dirty="0" err="1">
-                <a:effectLst/>
-                <a:latin typeface="+mj-lt"/>
-                <a:ea typeface="Calibri" panose="020F0502020204030204" pitchFamily="34" charset="0"/>
-              </a:rPr>
-              <a:t>we</a:t>
-            </a:r>
-            <a:r>
-              <a:rPr lang="es-ES" dirty="0">
-                <a:effectLst/>
-                <a:latin typeface="+mj-lt"/>
-                <a:ea typeface="Calibri" panose="020F0502020204030204" pitchFamily="34" charset="0"/>
-              </a:rPr>
-              <a:t> </a:t>
-            </a:r>
-            <a:r>
-              <a:rPr lang="es-ES" dirty="0" err="1">
-                <a:effectLst/>
-                <a:latin typeface="+mj-lt"/>
-                <a:ea typeface="Calibri" panose="020F0502020204030204" pitchFamily="34" charset="0"/>
-              </a:rPr>
-              <a:t>had</a:t>
-            </a:r>
-            <a:r>
-              <a:rPr lang="es-ES" dirty="0">
-                <a:effectLst/>
-                <a:latin typeface="+mj-lt"/>
-                <a:ea typeface="Calibri" panose="020F0502020204030204" pitchFamily="34" charset="0"/>
-              </a:rPr>
-              <a:t> </a:t>
-            </a:r>
-            <a:r>
-              <a:rPr lang="es-ES" dirty="0" err="1">
-                <a:effectLst/>
-                <a:latin typeface="+mj-lt"/>
-                <a:ea typeface="Calibri" panose="020F0502020204030204" pitchFamily="34" charset="0"/>
-              </a:rPr>
-              <a:t>lots</a:t>
-            </a:r>
-            <a:r>
-              <a:rPr lang="es-ES" dirty="0">
-                <a:effectLst/>
-                <a:latin typeface="+mj-lt"/>
-                <a:ea typeface="Calibri" panose="020F0502020204030204" pitchFamily="34" charset="0"/>
-              </a:rPr>
-              <a:t> </a:t>
-            </a:r>
-            <a:r>
-              <a:rPr lang="es-ES" dirty="0" err="1">
-                <a:effectLst/>
-                <a:latin typeface="+mj-lt"/>
-                <a:ea typeface="Calibri" panose="020F0502020204030204" pitchFamily="34" charset="0"/>
-              </a:rPr>
-              <a:t>of</a:t>
-            </a:r>
-            <a:r>
-              <a:rPr lang="es-ES" dirty="0">
-                <a:effectLst/>
-                <a:latin typeface="+mj-lt"/>
-                <a:ea typeface="Calibri" panose="020F0502020204030204" pitchFamily="34" charset="0"/>
-              </a:rPr>
-              <a:t> </a:t>
-            </a:r>
-            <a:r>
-              <a:rPr lang="es-ES" dirty="0" err="1">
-                <a:effectLst/>
-                <a:latin typeface="+mj-lt"/>
-                <a:ea typeface="Calibri" panose="020F0502020204030204" pitchFamily="34" charset="0"/>
-              </a:rPr>
-              <a:t>methods</a:t>
-            </a:r>
-            <a:r>
-              <a:rPr lang="es-ES" dirty="0">
-                <a:effectLst/>
-                <a:latin typeface="+mj-lt"/>
-                <a:ea typeface="Calibri" panose="020F0502020204030204" pitchFamily="34" charset="0"/>
-              </a:rPr>
-              <a:t> </a:t>
-            </a:r>
-            <a:r>
-              <a:rPr lang="es-ES" dirty="0" err="1">
-                <a:effectLst/>
-                <a:latin typeface="+mj-lt"/>
-                <a:ea typeface="Calibri" panose="020F0502020204030204" pitchFamily="34" charset="0"/>
-              </a:rPr>
-              <a:t>called</a:t>
-            </a:r>
-            <a:r>
-              <a:rPr lang="es-ES" dirty="0">
-                <a:effectLst/>
-                <a:latin typeface="+mj-lt"/>
-                <a:ea typeface="Calibri" panose="020F0502020204030204" pitchFamily="34" charset="0"/>
-              </a:rPr>
-              <a:t> </a:t>
-            </a:r>
-            <a:r>
-              <a:rPr lang="es-ES" dirty="0" err="1">
-                <a:effectLst/>
-                <a:latin typeface="+mj-lt"/>
-                <a:ea typeface="Calibri" panose="020F0502020204030204" pitchFamily="34" charset="0"/>
-              </a:rPr>
-              <a:t>SerializeValue</a:t>
-            </a:r>
-            <a:r>
-              <a:rPr lang="es-ES" dirty="0">
-                <a:effectLst/>
-                <a:latin typeface="+mj-lt"/>
-                <a:ea typeface="Calibri" panose="020F0502020204030204" pitchFamily="34" charset="0"/>
-              </a:rPr>
-              <a:t>, </a:t>
-            </a:r>
-            <a:r>
-              <a:rPr lang="es-ES" dirty="0" err="1">
-                <a:effectLst/>
-                <a:latin typeface="+mj-lt"/>
-                <a:ea typeface="Calibri" panose="020F0502020204030204" pitchFamily="34" charset="0"/>
-              </a:rPr>
-              <a:t>an</a:t>
-            </a:r>
-            <a:r>
-              <a:rPr lang="es-ES" dirty="0">
-                <a:effectLst/>
-                <a:latin typeface="+mj-lt"/>
-                <a:ea typeface="Calibri" panose="020F0502020204030204" pitchFamily="34" charset="0"/>
-              </a:rPr>
-              <a:t> </a:t>
-            </a:r>
-            <a:r>
-              <a:rPr lang="es-ES" dirty="0" err="1">
-                <a:effectLst/>
-                <a:latin typeface="+mj-lt"/>
-                <a:ea typeface="Calibri" panose="020F0502020204030204" pitchFamily="34" charset="0"/>
-              </a:rPr>
-              <a:t>implementation</a:t>
-            </a:r>
-            <a:r>
-              <a:rPr lang="es-ES" dirty="0">
-                <a:effectLst/>
-                <a:latin typeface="+mj-lt"/>
-                <a:ea typeface="Calibri" panose="020F0502020204030204" pitchFamily="34" charset="0"/>
-              </a:rPr>
-              <a:t> </a:t>
-            </a:r>
-            <a:r>
-              <a:rPr lang="es-ES" dirty="0" err="1">
-                <a:effectLst/>
-                <a:latin typeface="+mj-lt"/>
-                <a:ea typeface="Calibri" panose="020F0502020204030204" pitchFamily="34" charset="0"/>
-              </a:rPr>
-              <a:t>we</a:t>
-            </a:r>
-            <a:r>
-              <a:rPr lang="es-ES" dirty="0">
-                <a:effectLst/>
-                <a:latin typeface="+mj-lt"/>
-                <a:ea typeface="Calibri" panose="020F0502020204030204" pitchFamily="34" charset="0"/>
-              </a:rPr>
-              <a:t> </a:t>
-            </a:r>
-            <a:r>
-              <a:rPr lang="es-ES" dirty="0" err="1">
-                <a:effectLst/>
-                <a:latin typeface="+mj-lt"/>
-                <a:ea typeface="Calibri" panose="020F0502020204030204" pitchFamily="34" charset="0"/>
-              </a:rPr>
-              <a:t>did</a:t>
-            </a:r>
-            <a:r>
-              <a:rPr lang="es-ES" dirty="0">
-                <a:effectLst/>
-                <a:latin typeface="+mj-lt"/>
-                <a:ea typeface="Calibri" panose="020F0502020204030204" pitchFamily="34" charset="0"/>
-              </a:rPr>
-              <a:t>, </a:t>
-            </a:r>
-            <a:r>
-              <a:rPr lang="es-ES" dirty="0" err="1">
-                <a:effectLst/>
-                <a:latin typeface="+mj-lt"/>
-                <a:ea typeface="Calibri" panose="020F0502020204030204" pitchFamily="34" charset="0"/>
-              </a:rPr>
-              <a:t>was</a:t>
-            </a:r>
-            <a:r>
-              <a:rPr lang="es-ES" dirty="0">
-                <a:effectLst/>
-                <a:latin typeface="+mj-lt"/>
-                <a:ea typeface="Calibri" panose="020F0502020204030204" pitchFamily="34" charset="0"/>
-              </a:rPr>
-              <a:t> in </a:t>
-            </a:r>
-            <a:r>
-              <a:rPr lang="es-ES" dirty="0" err="1">
-                <a:effectLst/>
-                <a:latin typeface="+mj-lt"/>
-                <a:ea typeface="Calibri" panose="020F0502020204030204" pitchFamily="34" charset="0"/>
-              </a:rPr>
-              <a:t>the</a:t>
-            </a:r>
-            <a:r>
-              <a:rPr lang="es-ES" dirty="0">
-                <a:effectLst/>
-                <a:latin typeface="+mj-lt"/>
-                <a:ea typeface="Calibri" panose="020F0502020204030204" pitchFamily="34" charset="0"/>
-              </a:rPr>
-              <a:t> </a:t>
-            </a:r>
-            <a:r>
-              <a:rPr lang="es-ES" dirty="0" err="1">
-                <a:effectLst/>
-                <a:latin typeface="+mj-lt"/>
-                <a:ea typeface="Calibri" panose="020F0502020204030204" pitchFamily="34" charset="0"/>
-              </a:rPr>
-              <a:t>example</a:t>
-            </a:r>
-            <a:r>
-              <a:rPr lang="es-ES" dirty="0">
-                <a:effectLst/>
-                <a:latin typeface="+mj-lt"/>
-                <a:ea typeface="Calibri" panose="020F0502020204030204" pitchFamily="34" charset="0"/>
-              </a:rPr>
-              <a:t> </a:t>
-            </a:r>
-            <a:r>
-              <a:rPr lang="es-ES" dirty="0" err="1">
-                <a:effectLst/>
-                <a:latin typeface="+mj-lt"/>
-                <a:ea typeface="Calibri" panose="020F0502020204030204" pitchFamily="34" charset="0"/>
-              </a:rPr>
-              <a:t>of</a:t>
-            </a:r>
-            <a:r>
-              <a:rPr lang="es-ES" dirty="0">
-                <a:effectLst/>
-                <a:latin typeface="+mj-lt"/>
-                <a:ea typeface="Calibri" panose="020F0502020204030204" pitchFamily="34" charset="0"/>
-              </a:rPr>
-              <a:t> </a:t>
-            </a:r>
-            <a:r>
-              <a:rPr lang="es-ES" dirty="0" err="1">
-                <a:effectLst/>
-                <a:latin typeface="+mj-lt"/>
-                <a:ea typeface="Calibri" panose="020F0502020204030204" pitchFamily="34" charset="0"/>
-              </a:rPr>
-              <a:t>create</a:t>
-            </a:r>
-            <a:r>
-              <a:rPr lang="es-ES" dirty="0">
-                <a:effectLst/>
-                <a:latin typeface="+mj-lt"/>
-                <a:ea typeface="Calibri" panose="020F0502020204030204" pitchFamily="34" charset="0"/>
-              </a:rPr>
-              <a:t> </a:t>
-            </a:r>
-            <a:r>
-              <a:rPr lang="es-ES" dirty="0" err="1">
-                <a:effectLst/>
-                <a:latin typeface="+mj-lt"/>
-                <a:ea typeface="Calibri" panose="020F0502020204030204" pitchFamily="34" charset="0"/>
-              </a:rPr>
-              <a:t>one</a:t>
-            </a:r>
-            <a:r>
-              <a:rPr lang="es-ES" dirty="0">
-                <a:effectLst/>
-                <a:latin typeface="+mj-lt"/>
-                <a:ea typeface="Calibri" panose="020F0502020204030204" pitchFamily="34" charset="0"/>
-              </a:rPr>
-              <a:t> </a:t>
-            </a:r>
-            <a:r>
-              <a:rPr lang="es-ES" dirty="0" err="1">
-                <a:effectLst/>
-                <a:latin typeface="+mj-lt"/>
-                <a:ea typeface="Calibri" panose="020F0502020204030204" pitchFamily="34" charset="0"/>
-              </a:rPr>
-              <a:t>generic</a:t>
-            </a:r>
-            <a:r>
-              <a:rPr lang="es-ES" dirty="0">
-                <a:effectLst/>
-                <a:latin typeface="+mj-lt"/>
-                <a:ea typeface="Calibri" panose="020F0502020204030204" pitchFamily="34" charset="0"/>
-              </a:rPr>
-              <a:t> </a:t>
-            </a:r>
-            <a:r>
-              <a:rPr lang="es-ES" dirty="0" err="1">
-                <a:effectLst/>
-                <a:latin typeface="+mj-lt"/>
-                <a:ea typeface="Calibri" panose="020F0502020204030204" pitchFamily="34" charset="0"/>
-              </a:rPr>
-              <a:t>SerializeValue</a:t>
-            </a:r>
-            <a:r>
-              <a:rPr lang="es-ES" dirty="0">
-                <a:effectLst/>
-                <a:latin typeface="+mj-lt"/>
-                <a:ea typeface="Calibri" panose="020F0502020204030204" pitchFamily="34" charset="0"/>
-              </a:rPr>
-              <a:t> </a:t>
-            </a:r>
-            <a:r>
-              <a:rPr lang="en-US" b="0" i="0" dirty="0">
-                <a:solidFill>
-                  <a:srgbClr val="1F2328"/>
-                </a:solidFill>
-                <a:effectLst/>
-                <a:latin typeface="ui-monospace"/>
-              </a:rPr>
-              <a:t>regardless of the type of parameter. </a:t>
-            </a:r>
-            <a:endParaRPr lang="es-ES" dirty="0">
+              <a:rPr lang="tr-TR" sz="1800" dirty="0">
+                <a:effectLst/>
+                <a:latin typeface="Times New Roman" panose="02020603050405020304" pitchFamily="18" charset="0"/>
+                <a:ea typeface="SimSun" panose="02010600030101010101" pitchFamily="2" charset="-122"/>
+              </a:rPr>
+              <a:t>…</a:t>
+            </a:r>
+            <a:endParaRPr lang="en-GB" sz="1800" dirty="0">
               <a:effectLst/>
-              <a:latin typeface="+mj-lt"/>
-              <a:ea typeface="Calibri" panose="020F0502020204030204" pitchFamily="34" charset="0"/>
+              <a:latin typeface="Times New Roman" panose="02020603050405020304" pitchFamily="18" charset="0"/>
+              <a:ea typeface="SimSun" panose="02010600030101010101" pitchFamily="2" charset="-122"/>
             </a:endParaRPr>
-          </a:p>
-          <a:p>
-            <a:endParaRPr lang="en-US" dirty="0"/>
-          </a:p>
-          <a:p>
-            <a:r>
-              <a:rPr lang="en-US" dirty="0"/>
-              <a:t>Refactoring could be compared to editing a book: the final product of the correction is not a new book, but the same text, but more understandable. Thus, just as in book editing procedures such as rephrasing and sentence restructuring or deletion are used, in code refactoring methods such as encapsulation, reformatting or extraction are applied to optimize the code without changing its content. </a:t>
-            </a:r>
           </a:p>
           <a:p>
             <a:endParaRPr lang="es-ES" dirty="0"/>
@@ -5467,1042 +5559,423 @@
             <a:endParaRPr lang="en-US" dirty="0"/>
           </a:p>
           <a:p>
+            <a:pPr algn="just"/>
+            <a:r>
+              <a:rPr lang="en-US" b="1" dirty="0"/>
+              <a:t>Refactoring:</a:t>
+            </a:r>
             <a:r>
               <a:rPr lang="en-US" dirty="0"/>
-              <a:t>So, what have we done to achieve this?</a:t>
-            </a:r>
-          </a:p>
-          <a:p>
+              <a:t> </a:t>
+            </a:r>
+            <a:r>
+              <a:rPr lang="en-US" sz="1800" dirty="0">
+                <a:effectLst/>
+                <a:latin typeface="Times New Roman" panose="02020603050405020304" pitchFamily="18" charset="0"/>
+                <a:ea typeface="SimSun" panose="02010600030101010101" pitchFamily="2" charset="-122"/>
+              </a:rPr>
+              <a:t>Refactoring a Hierarchical Temporal Memory (HTM) serializer would involve making improvements to the design, structure, or functionality of the serializer without changing its overall purpose. Refactoring is typically done to improve the code's maintainability, extensibility, and readability, and to reduce technical debt. </a:t>
+            </a:r>
+            <a:endParaRPr lang="en-GB" sz="1800" dirty="0">
+              <a:effectLst/>
+              <a:latin typeface="Times New Roman" panose="02020603050405020304" pitchFamily="18" charset="0"/>
+              <a:ea typeface="SimSun" panose="02010600030101010101" pitchFamily="2" charset="-122"/>
+            </a:endParaRPr>
+          </a:p>
+          <a:p>
+            <a:r>
+              <a:rPr lang="en-US" sz="1800" dirty="0">
+                <a:effectLst/>
+                <a:latin typeface="Times New Roman" panose="02020603050405020304" pitchFamily="18" charset="0"/>
+                <a:ea typeface="SimSun" panose="02010600030101010101" pitchFamily="2" charset="-122"/>
+              </a:rPr>
+              <a:t>       The goal of refactoring is to make the code easier to understand and modify while preserving its functionality. Our task is refactoring the code of the </a:t>
+            </a:r>
+            <a:r>
+              <a:rPr lang="en-US" sz="1800" dirty="0" err="1">
+                <a:effectLst/>
+                <a:latin typeface="Times New Roman" panose="02020603050405020304" pitchFamily="18" charset="0"/>
+                <a:ea typeface="SimSun" panose="02010600030101010101" pitchFamily="2" charset="-122"/>
+              </a:rPr>
+              <a:t>HTMSerializer</a:t>
+            </a:r>
+            <a:r>
+              <a:rPr lang="en-US" sz="1800" dirty="0">
+                <a:effectLst/>
+                <a:latin typeface="Times New Roman" panose="02020603050405020304" pitchFamily="18" charset="0"/>
+                <a:ea typeface="SimSun" panose="02010600030101010101" pitchFamily="2" charset="-122"/>
+              </a:rPr>
+              <a:t> File. This means making the code more legible and understandable. </a:t>
+            </a:r>
+            <a:r>
+              <a:rPr lang="tr-TR" sz="1800" dirty="0" err="1">
+                <a:effectLst/>
+                <a:latin typeface="Times New Roman" panose="02020603050405020304" pitchFamily="18" charset="0"/>
+                <a:ea typeface="SimSun" panose="02010600030101010101" pitchFamily="2" charset="-122"/>
+              </a:rPr>
+              <a:t>It</a:t>
+            </a:r>
+            <a:r>
+              <a:rPr lang="tr-TR" sz="1800" dirty="0">
+                <a:effectLst/>
+                <a:latin typeface="Times New Roman" panose="02020603050405020304" pitchFamily="18" charset="0"/>
+                <a:ea typeface="SimSun" panose="02010600030101010101" pitchFamily="2" charset="-122"/>
+              </a:rPr>
+              <a:t> </a:t>
+            </a:r>
             <a:r>
               <a:rPr lang="en-US" dirty="0"/>
-              <a:t>In our case what we did was first classify the </a:t>
-            </a:r>
-            <a:r>
-              <a:rPr lang="en-US" dirty="0" err="1"/>
-              <a:t>mehods</a:t>
-            </a:r>
-            <a:r>
-              <a:rPr lang="en-US" dirty="0"/>
-              <a:t> we have in two: </a:t>
-            </a:r>
-            <a:r>
-              <a:rPr lang="es-ES" dirty="0" err="1">
-                <a:effectLst/>
-                <a:latin typeface="+mj-lt"/>
-              </a:rPr>
-              <a:t>the</a:t>
-            </a:r>
-            <a:r>
-              <a:rPr lang="es-ES" dirty="0">
-                <a:effectLst/>
-                <a:latin typeface="+mj-lt"/>
-              </a:rPr>
+              <a:t>is the process of improving the structure and design of existing code without changing its external behavior.</a:t>
+            </a:r>
+            <a:r>
+              <a:rPr lang="tr-TR" dirty="0"/>
               <a:t> </a:t>
             </a:r>
             <a:r>
-              <a:rPr lang="es-ES" dirty="0" err="1">
-                <a:effectLst/>
-                <a:latin typeface="+mj-lt"/>
-              </a:rPr>
-              <a:t>methods</a:t>
-            </a:r>
-            <a:r>
-              <a:rPr lang="es-ES" dirty="0">
-                <a:effectLst/>
-                <a:latin typeface="+mj-lt"/>
-              </a:rPr>
-              <a:t> </a:t>
-            </a:r>
-            <a:r>
-              <a:rPr lang="es-ES" dirty="0" err="1">
-                <a:effectLst/>
-                <a:latin typeface="+mj-lt"/>
-              </a:rPr>
-              <a:t>that</a:t>
-            </a:r>
-            <a:r>
-              <a:rPr lang="es-ES" dirty="0">
-                <a:effectLst/>
-                <a:latin typeface="+mj-lt"/>
-              </a:rPr>
-              <a:t> </a:t>
-            </a:r>
-            <a:r>
-              <a:rPr lang="es-ES" dirty="0" err="1">
-                <a:effectLst/>
-                <a:latin typeface="+mj-lt"/>
-              </a:rPr>
-              <a:t>involve</a:t>
-            </a:r>
-            <a:r>
-              <a:rPr lang="es-ES" dirty="0">
-                <a:effectLst/>
-                <a:latin typeface="+mj-lt"/>
-                <a:ea typeface="Calibri" panose="020F0502020204030204" pitchFamily="34" charset="0"/>
-              </a:rPr>
-              <a:t> </a:t>
-            </a:r>
-            <a:r>
-              <a:rPr lang="es-ES" sz="1200" dirty="0" err="1">
-                <a:effectLst/>
-                <a:latin typeface="Calibri" panose="020F0502020204030204" pitchFamily="34" charset="0"/>
-                <a:ea typeface="Calibri" panose="020F0502020204030204" pitchFamily="34" charset="0"/>
-                <a:cs typeface="Arial" panose="020B0604020202020204" pitchFamily="34" charset="0"/>
-              </a:rPr>
-              <a:t>serialization</a:t>
-            </a:r>
-            <a:r>
-              <a:rPr lang="es-ES" sz="1200" dirty="0">
-                <a:effectLst/>
-                <a:latin typeface="Calibri" panose="020F0502020204030204" pitchFamily="34" charset="0"/>
-                <a:ea typeface="Calibri" panose="020F0502020204030204" pitchFamily="34" charset="0"/>
-                <a:cs typeface="Arial" panose="020B0604020202020204" pitchFamily="34" charset="0"/>
-              </a:rPr>
-              <a:t> </a:t>
-            </a:r>
-            <a:r>
-              <a:rPr lang="es-ES" sz="1200" dirty="0" err="1">
-                <a:effectLst/>
-                <a:latin typeface="Calibri" panose="020F0502020204030204" pitchFamily="34" charset="0"/>
-                <a:ea typeface="Calibri" panose="020F0502020204030204" pitchFamily="34" charset="0"/>
-                <a:cs typeface="Arial" panose="020B0604020202020204" pitchFamily="34" charset="0"/>
-              </a:rPr>
-              <a:t>logic</a:t>
-            </a:r>
-            <a:r>
-              <a:rPr lang="es-ES" sz="1200" dirty="0">
-                <a:effectLst/>
-                <a:latin typeface="Calibri" panose="020F0502020204030204" pitchFamily="34" charset="0"/>
-                <a:ea typeface="Calibri" panose="020F0502020204030204" pitchFamily="34" charset="0"/>
-                <a:cs typeface="Arial" panose="020B0604020202020204" pitchFamily="34" charset="0"/>
-              </a:rPr>
-              <a:t> </a:t>
-            </a:r>
-            <a:r>
-              <a:rPr lang="es-ES" sz="1200" dirty="0" err="1">
-                <a:effectLst/>
-                <a:latin typeface="Calibri" panose="020F0502020204030204" pitchFamily="34" charset="0"/>
-                <a:ea typeface="Calibri" panose="020F0502020204030204" pitchFamily="34" charset="0"/>
-                <a:cs typeface="Arial" panose="020B0604020202020204" pitchFamily="34" charset="0"/>
-              </a:rPr>
-              <a:t>code</a:t>
-            </a:r>
-            <a:r>
-              <a:rPr lang="es-ES" sz="1200" dirty="0">
-                <a:effectLst/>
-                <a:latin typeface="Calibri" panose="020F0502020204030204" pitchFamily="34" charset="0"/>
-                <a:ea typeface="Calibri" panose="020F0502020204030204" pitchFamily="34" charset="0"/>
-                <a:cs typeface="Arial" panose="020B0604020202020204" pitchFamily="34" charset="0"/>
-              </a:rPr>
-              <a:t> (i.e., </a:t>
-            </a:r>
-            <a:r>
-              <a:rPr lang="es-ES" sz="1200" dirty="0" err="1">
-                <a:effectLst/>
-                <a:latin typeface="Calibri" panose="020F0502020204030204" pitchFamily="34" charset="0"/>
-                <a:ea typeface="Calibri" panose="020F0502020204030204" pitchFamily="34" charset="0"/>
-                <a:cs typeface="Arial" panose="020B0604020202020204" pitchFamily="34" charset="0"/>
-              </a:rPr>
-              <a:t>method</a:t>
-            </a:r>
-            <a:r>
-              <a:rPr lang="es-ES" sz="1200" dirty="0">
-                <a:effectLst/>
-                <a:latin typeface="Calibri" panose="020F0502020204030204" pitchFamily="34" charset="0"/>
-                <a:ea typeface="Calibri" panose="020F0502020204030204" pitchFamily="34" charset="0"/>
-                <a:cs typeface="Arial" panose="020B0604020202020204" pitchFamily="34" charset="0"/>
-              </a:rPr>
-              <a:t> </a:t>
-            </a:r>
-            <a:r>
-              <a:rPr lang="es-ES" sz="1200" dirty="0">
-                <a:solidFill>
-                  <a:srgbClr val="000000"/>
-                </a:solidFill>
-                <a:effectLst/>
-                <a:latin typeface="Cascadia Mono" panose="020B0609020000020004" pitchFamily="49" charset="0"/>
-                <a:ea typeface="Calibri" panose="020F0502020204030204" pitchFamily="34" charset="0"/>
-              </a:rPr>
-              <a:t>Serialize1()</a:t>
-            </a:r>
-            <a:r>
-              <a:rPr lang="es-ES" sz="1200" dirty="0">
-                <a:effectLst/>
-                <a:latin typeface="Calibri" panose="020F0502020204030204" pitchFamily="34" charset="0"/>
-                <a:ea typeface="Calibri" panose="020F0502020204030204" pitchFamily="34" charset="0"/>
-                <a:cs typeface="Arial" panose="020B0604020202020204" pitchFamily="34" charset="0"/>
-              </a:rPr>
-              <a:t>) and </a:t>
-            </a:r>
-            <a:r>
-              <a:rPr lang="es-ES" sz="1200" dirty="0" err="1">
-                <a:effectLst/>
-                <a:latin typeface="Calibri" panose="020F0502020204030204" pitchFamily="34" charset="0"/>
-                <a:ea typeface="Calibri" panose="020F0502020204030204" pitchFamily="34" charset="0"/>
-                <a:cs typeface="Arial" panose="020B0604020202020204" pitchFamily="34" charset="0"/>
-              </a:rPr>
-              <a:t>the</a:t>
-            </a:r>
-            <a:r>
-              <a:rPr lang="es-ES" sz="1200" dirty="0">
-                <a:effectLst/>
-                <a:latin typeface="Calibri" panose="020F0502020204030204" pitchFamily="34" charset="0"/>
-                <a:ea typeface="Calibri" panose="020F0502020204030204" pitchFamily="34" charset="0"/>
-                <a:cs typeface="Arial" panose="020B0604020202020204" pitchFamily="34" charset="0"/>
-              </a:rPr>
-              <a:t> </a:t>
-            </a:r>
-            <a:r>
-              <a:rPr lang="es-ES" sz="1200" dirty="0" err="1">
-                <a:effectLst/>
-                <a:latin typeface="Calibri" panose="020F0502020204030204" pitchFamily="34" charset="0"/>
-                <a:ea typeface="Calibri" panose="020F0502020204030204" pitchFamily="34" charset="0"/>
-                <a:cs typeface="Arial" panose="020B0604020202020204" pitchFamily="34" charset="0"/>
-              </a:rPr>
-              <a:t>ones</a:t>
-            </a:r>
-            <a:r>
-              <a:rPr lang="es-ES" sz="1200" dirty="0">
-                <a:effectLst/>
-                <a:latin typeface="Calibri" panose="020F0502020204030204" pitchFamily="34" charset="0"/>
-                <a:ea typeface="Calibri" panose="020F0502020204030204" pitchFamily="34" charset="0"/>
-                <a:cs typeface="Arial" panose="020B0604020202020204" pitchFamily="34" charset="0"/>
-              </a:rPr>
-              <a:t> </a:t>
-            </a:r>
-            <a:r>
-              <a:rPr lang="es-ES" sz="1200" dirty="0" err="1">
-                <a:effectLst/>
-                <a:latin typeface="Calibri" panose="020F0502020204030204" pitchFamily="34" charset="0"/>
-                <a:ea typeface="Calibri" panose="020F0502020204030204" pitchFamily="34" charset="0"/>
-                <a:cs typeface="Arial" panose="020B0604020202020204" pitchFamily="34" charset="0"/>
-              </a:rPr>
-              <a:t>that</a:t>
-            </a:r>
-            <a:r>
-              <a:rPr lang="es-ES" sz="1200" dirty="0">
-                <a:effectLst/>
-                <a:latin typeface="Calibri" panose="020F0502020204030204" pitchFamily="34" charset="0"/>
-                <a:ea typeface="Calibri" panose="020F0502020204030204" pitchFamily="34" charset="0"/>
-                <a:cs typeface="Arial" panose="020B0604020202020204" pitchFamily="34" charset="0"/>
-              </a:rPr>
-              <a:t> </a:t>
-            </a:r>
-            <a:r>
-              <a:rPr lang="es-ES" sz="1200" dirty="0" err="1">
-                <a:effectLst/>
-                <a:latin typeface="Calibri" panose="020F0502020204030204" pitchFamily="34" charset="0"/>
-                <a:ea typeface="Calibri" panose="020F0502020204030204" pitchFamily="34" charset="0"/>
-                <a:cs typeface="Arial" panose="020B0604020202020204" pitchFamily="34" charset="0"/>
-              </a:rPr>
-              <a:t>serialization</a:t>
-            </a:r>
-            <a:r>
-              <a:rPr lang="es-ES" sz="1200" dirty="0">
-                <a:effectLst/>
-                <a:latin typeface="Calibri" panose="020F0502020204030204" pitchFamily="34" charset="0"/>
-                <a:ea typeface="Calibri" panose="020F0502020204030204" pitchFamily="34" charset="0"/>
-                <a:cs typeface="Arial" panose="020B0604020202020204" pitchFamily="34" charset="0"/>
-              </a:rPr>
-              <a:t> </a:t>
-            </a:r>
-            <a:r>
-              <a:rPr lang="es-ES" sz="1200" dirty="0" err="1">
-                <a:effectLst/>
-                <a:latin typeface="Calibri" panose="020F0502020204030204" pitchFamily="34" charset="0"/>
-                <a:ea typeface="Calibri" panose="020F0502020204030204" pitchFamily="34" charset="0"/>
-                <a:cs typeface="Arial" panose="020B0604020202020204" pitchFamily="34" charset="0"/>
-              </a:rPr>
-              <a:t>formatting</a:t>
-            </a:r>
-            <a:r>
-              <a:rPr lang="es-ES" sz="1200" dirty="0">
-                <a:effectLst/>
-                <a:latin typeface="Calibri" panose="020F0502020204030204" pitchFamily="34" charset="0"/>
-                <a:ea typeface="Calibri" panose="020F0502020204030204" pitchFamily="34" charset="0"/>
-                <a:cs typeface="Arial" panose="020B0604020202020204" pitchFamily="34" charset="0"/>
-              </a:rPr>
-              <a:t> </a:t>
-            </a:r>
-            <a:r>
-              <a:rPr lang="es-ES" sz="1200" dirty="0" err="1">
-                <a:effectLst/>
-                <a:latin typeface="Calibri" panose="020F0502020204030204" pitchFamily="34" charset="0"/>
-                <a:ea typeface="Calibri" panose="020F0502020204030204" pitchFamily="34" charset="0"/>
-                <a:cs typeface="Arial" panose="020B0604020202020204" pitchFamily="34" charset="0"/>
-              </a:rPr>
-              <a:t>code</a:t>
-            </a:r>
-            <a:r>
-              <a:rPr lang="es-ES" sz="1200" dirty="0">
-                <a:effectLst/>
-                <a:latin typeface="Calibri" panose="020F0502020204030204" pitchFamily="34" charset="0"/>
-                <a:ea typeface="Calibri" panose="020F0502020204030204" pitchFamily="34" charset="0"/>
-                <a:cs typeface="Arial" panose="020B0604020202020204" pitchFamily="34" charset="0"/>
-              </a:rPr>
-              <a:t>. </a:t>
-            </a:r>
-            <a:r>
-              <a:rPr lang="es-ES" sz="1200" dirty="0" err="1">
-                <a:effectLst/>
-                <a:latin typeface="Calibri" panose="020F0502020204030204" pitchFamily="34" charset="0"/>
-                <a:ea typeface="Calibri" panose="020F0502020204030204" pitchFamily="34" charset="0"/>
-                <a:cs typeface="Arial" panose="020B0604020202020204" pitchFamily="34" charset="0"/>
-              </a:rPr>
-              <a:t>The</a:t>
-            </a:r>
-            <a:r>
-              <a:rPr lang="es-ES" sz="1200" dirty="0">
-                <a:effectLst/>
-                <a:latin typeface="Calibri" panose="020F0502020204030204" pitchFamily="34" charset="0"/>
-                <a:ea typeface="Calibri" panose="020F0502020204030204" pitchFamily="34" charset="0"/>
-                <a:cs typeface="Arial" panose="020B0604020202020204" pitchFamily="34" charset="0"/>
-              </a:rPr>
-              <a:t> </a:t>
-            </a:r>
-            <a:r>
-              <a:rPr lang="es-ES" sz="1200" dirty="0" err="1">
-                <a:effectLst/>
-                <a:latin typeface="Calibri" panose="020F0502020204030204" pitchFamily="34" charset="0"/>
-                <a:ea typeface="Calibri" panose="020F0502020204030204" pitchFamily="34" charset="0"/>
-                <a:cs typeface="Arial" panose="020B0604020202020204" pitchFamily="34" charset="0"/>
-              </a:rPr>
-              <a:t>formatting</a:t>
-            </a:r>
-            <a:r>
-              <a:rPr lang="es-ES" sz="1200" dirty="0">
-                <a:effectLst/>
-                <a:latin typeface="Calibri" panose="020F0502020204030204" pitchFamily="34" charset="0"/>
-                <a:ea typeface="Calibri" panose="020F0502020204030204" pitchFamily="34" charset="0"/>
-                <a:cs typeface="Arial" panose="020B0604020202020204" pitchFamily="34" charset="0"/>
-              </a:rPr>
-              <a:t> </a:t>
-            </a:r>
-            <a:r>
-              <a:rPr lang="es-ES" sz="1200" dirty="0" err="1">
-                <a:effectLst/>
-                <a:latin typeface="Calibri" panose="020F0502020204030204" pitchFamily="34" charset="0"/>
-                <a:ea typeface="Calibri" panose="020F0502020204030204" pitchFamily="34" charset="0"/>
-                <a:cs typeface="Arial" panose="020B0604020202020204" pitchFamily="34" charset="0"/>
-              </a:rPr>
-              <a:t>code</a:t>
-            </a:r>
-            <a:r>
-              <a:rPr lang="es-ES" sz="1200" dirty="0">
-                <a:effectLst/>
-                <a:latin typeface="Calibri" panose="020F0502020204030204" pitchFamily="34" charset="0"/>
-                <a:ea typeface="Calibri" panose="020F0502020204030204" pitchFamily="34" charset="0"/>
-                <a:cs typeface="Arial" panose="020B0604020202020204" pitchFamily="34" charset="0"/>
-              </a:rPr>
-              <a:t> </a:t>
-            </a:r>
-            <a:r>
-              <a:rPr lang="es-ES" sz="1200" dirty="0" err="1">
-                <a:effectLst/>
-                <a:latin typeface="Calibri" panose="020F0502020204030204" pitchFamily="34" charset="0"/>
-                <a:ea typeface="Calibri" panose="020F0502020204030204" pitchFamily="34" charset="0"/>
-                <a:cs typeface="Arial" panose="020B0604020202020204" pitchFamily="34" charset="0"/>
-              </a:rPr>
-              <a:t>involves</a:t>
-            </a:r>
-            <a:r>
-              <a:rPr lang="es-ES" sz="1200" dirty="0">
-                <a:effectLst/>
-                <a:latin typeface="Calibri" panose="020F0502020204030204" pitchFamily="34" charset="0"/>
-                <a:ea typeface="Calibri" panose="020F0502020204030204" pitchFamily="34" charset="0"/>
-                <a:cs typeface="Arial" panose="020B0604020202020204" pitchFamily="34" charset="0"/>
-              </a:rPr>
-              <a:t> </a:t>
-            </a:r>
-            <a:r>
-              <a:rPr lang="es-ES" sz="1200" dirty="0" err="1">
-                <a:effectLst/>
-                <a:latin typeface="Calibri" panose="020F0502020204030204" pitchFamily="34" charset="0"/>
-                <a:ea typeface="Calibri" panose="020F0502020204030204" pitchFamily="34" charset="0"/>
-                <a:cs typeface="Arial" panose="020B0604020202020204" pitchFamily="34" charset="0"/>
-              </a:rPr>
-              <a:t>all</a:t>
-            </a:r>
-            <a:r>
-              <a:rPr lang="es-ES" sz="1200" dirty="0">
-                <a:effectLst/>
-                <a:latin typeface="Calibri" panose="020F0502020204030204" pitchFamily="34" charset="0"/>
-                <a:ea typeface="Calibri" panose="020F0502020204030204" pitchFamily="34" charset="0"/>
-                <a:cs typeface="Arial" panose="020B0604020202020204" pitchFamily="34" charset="0"/>
-              </a:rPr>
-              <a:t> </a:t>
-            </a:r>
-            <a:r>
-              <a:rPr lang="es-ES" sz="1200" dirty="0" err="1">
-                <a:effectLst/>
-                <a:latin typeface="Calibri" panose="020F0502020204030204" pitchFamily="34" charset="0"/>
-                <a:ea typeface="Calibri" panose="020F0502020204030204" pitchFamily="34" charset="0"/>
-                <a:cs typeface="Arial" panose="020B0604020202020204" pitchFamily="34" charset="0"/>
-              </a:rPr>
-              <a:t>the</a:t>
-            </a:r>
-            <a:r>
-              <a:rPr lang="es-ES" sz="1200" dirty="0">
-                <a:effectLst/>
-                <a:latin typeface="Calibri" panose="020F0502020204030204" pitchFamily="34" charset="0"/>
-                <a:ea typeface="Calibri" panose="020F0502020204030204" pitchFamily="34" charset="0"/>
-                <a:cs typeface="Arial" panose="020B0604020202020204" pitchFamily="34" charset="0"/>
-              </a:rPr>
-              <a:t> </a:t>
-            </a:r>
-            <a:r>
-              <a:rPr lang="es-ES" sz="1200" dirty="0" err="1">
-                <a:effectLst/>
-                <a:latin typeface="Calibri" panose="020F0502020204030204" pitchFamily="34" charset="0"/>
-                <a:ea typeface="Calibri" panose="020F0502020204030204" pitchFamily="34" charset="0"/>
-                <a:cs typeface="Arial" panose="020B0604020202020204" pitchFamily="34" charset="0"/>
-              </a:rPr>
-              <a:t>methods</a:t>
-            </a:r>
-            <a:r>
-              <a:rPr lang="es-ES" sz="1200" dirty="0">
-                <a:effectLst/>
-                <a:latin typeface="Calibri" panose="020F0502020204030204" pitchFamily="34" charset="0"/>
-                <a:ea typeface="Calibri" panose="020F0502020204030204" pitchFamily="34" charset="0"/>
-                <a:cs typeface="Arial" panose="020B0604020202020204" pitchFamily="34" charset="0"/>
-              </a:rPr>
-              <a:t> </a:t>
-            </a:r>
-            <a:r>
-              <a:rPr lang="es-ES" sz="1200" dirty="0" err="1">
-                <a:effectLst/>
-                <a:latin typeface="Calibri" panose="020F0502020204030204" pitchFamily="34" charset="0"/>
-                <a:ea typeface="Calibri" panose="020F0502020204030204" pitchFamily="34" charset="0"/>
-                <a:cs typeface="Arial" panose="020B0604020202020204" pitchFamily="34" charset="0"/>
-              </a:rPr>
-              <a:t>that</a:t>
-            </a:r>
-            <a:r>
-              <a:rPr lang="es-ES" sz="1200" dirty="0">
-                <a:effectLst/>
-                <a:latin typeface="Calibri" panose="020F0502020204030204" pitchFamily="34" charset="0"/>
-                <a:ea typeface="Calibri" panose="020F0502020204030204" pitchFamily="34" charset="0"/>
-                <a:cs typeface="Arial" panose="020B0604020202020204" pitchFamily="34" charset="0"/>
-              </a:rPr>
-              <a:t> use </a:t>
-            </a:r>
-            <a:r>
-              <a:rPr lang="es-ES" sz="1200" dirty="0" err="1">
-                <a:effectLst/>
-                <a:latin typeface="Calibri" panose="020F0502020204030204" pitchFamily="34" charset="0"/>
-                <a:ea typeface="Calibri" panose="020F0502020204030204" pitchFamily="34" charset="0"/>
-                <a:cs typeface="Arial" panose="020B0604020202020204" pitchFamily="34" charset="0"/>
-              </a:rPr>
-              <a:t>the</a:t>
-            </a:r>
-            <a:r>
-              <a:rPr lang="es-ES" sz="1200" dirty="0">
-                <a:effectLst/>
-                <a:latin typeface="Calibri" panose="020F0502020204030204" pitchFamily="34" charset="0"/>
-                <a:ea typeface="Calibri" panose="020F0502020204030204" pitchFamily="34" charset="0"/>
-                <a:cs typeface="Arial" panose="020B0604020202020204" pitchFamily="34" charset="0"/>
-              </a:rPr>
-              <a:t> </a:t>
-            </a:r>
-            <a:r>
-              <a:rPr lang="es-ES" sz="1200" dirty="0" err="1">
-                <a:effectLst/>
-                <a:latin typeface="Calibri" panose="020F0502020204030204" pitchFamily="34" charset="0"/>
-                <a:ea typeface="Calibri" panose="020F0502020204030204" pitchFamily="34" charset="0"/>
-                <a:cs typeface="Arial" panose="020B0604020202020204" pitchFamily="34" charset="0"/>
-              </a:rPr>
-              <a:t>StreamWriter</a:t>
-            </a:r>
-            <a:r>
-              <a:rPr lang="es-ES" sz="1200" dirty="0">
-                <a:effectLst/>
-                <a:latin typeface="Calibri" panose="020F0502020204030204" pitchFamily="34" charset="0"/>
-                <a:ea typeface="Calibri" panose="020F0502020204030204" pitchFamily="34" charset="0"/>
-                <a:cs typeface="Arial" panose="020B0604020202020204" pitchFamily="34" charset="0"/>
-              </a:rPr>
-              <a:t> </a:t>
-            </a:r>
-            <a:r>
-              <a:rPr lang="es-ES" sz="1200" dirty="0" err="1">
-                <a:effectLst/>
-                <a:latin typeface="Calibri" panose="020F0502020204030204" pitchFamily="34" charset="0"/>
-                <a:ea typeface="Calibri" panose="020F0502020204030204" pitchFamily="34" charset="0"/>
-                <a:cs typeface="Arial" panose="020B0604020202020204" pitchFamily="34" charset="0"/>
-              </a:rPr>
-              <a:t>or</a:t>
-            </a:r>
-            <a:r>
-              <a:rPr lang="es-ES" sz="1200" dirty="0">
-                <a:effectLst/>
-                <a:latin typeface="Calibri" panose="020F0502020204030204" pitchFamily="34" charset="0"/>
-                <a:ea typeface="Calibri" panose="020F0502020204030204" pitchFamily="34" charset="0"/>
-                <a:cs typeface="Arial" panose="020B0604020202020204" pitchFamily="34" charset="0"/>
-              </a:rPr>
-              <a:t> Reader. (</a:t>
-            </a:r>
-            <a:r>
-              <a:rPr lang="es-ES" sz="1200" dirty="0" err="1">
-                <a:effectLst/>
-                <a:latin typeface="Calibri" panose="020F0502020204030204" pitchFamily="34" charset="0"/>
-                <a:ea typeface="Calibri" panose="020F0502020204030204" pitchFamily="34" charset="0"/>
-                <a:cs typeface="Arial" panose="020B0604020202020204" pitchFamily="34" charset="0"/>
-              </a:rPr>
-              <a:t>Some</a:t>
-            </a:r>
-            <a:r>
-              <a:rPr lang="es-ES" sz="1200" dirty="0">
-                <a:effectLst/>
-                <a:latin typeface="Calibri" panose="020F0502020204030204" pitchFamily="34" charset="0"/>
-                <a:ea typeface="Calibri" panose="020F0502020204030204" pitchFamily="34" charset="0"/>
-                <a:cs typeface="Arial" panose="020B0604020202020204" pitchFamily="34" charset="0"/>
-              </a:rPr>
-              <a:t> </a:t>
-            </a:r>
-            <a:r>
-              <a:rPr lang="es-ES" sz="1200" dirty="0" err="1">
-                <a:effectLst/>
-                <a:latin typeface="Calibri" panose="020F0502020204030204" pitchFamily="34" charset="0"/>
-                <a:ea typeface="Calibri" panose="020F0502020204030204" pitchFamily="34" charset="0"/>
-                <a:cs typeface="Arial" panose="020B0604020202020204" pitchFamily="34" charset="0"/>
-              </a:rPr>
-              <a:t>methods</a:t>
-            </a:r>
-            <a:r>
-              <a:rPr lang="es-ES" sz="1200" dirty="0">
-                <a:effectLst/>
-                <a:latin typeface="Calibri" panose="020F0502020204030204" pitchFamily="34" charset="0"/>
-                <a:ea typeface="Calibri" panose="020F0502020204030204" pitchFamily="34" charset="0"/>
-                <a:cs typeface="Arial" panose="020B0604020202020204" pitchFamily="34" charset="0"/>
-              </a:rPr>
-              <a:t> </a:t>
-            </a:r>
-            <a:r>
-              <a:rPr lang="es-ES" sz="1200" dirty="0" err="1">
-                <a:effectLst/>
-                <a:latin typeface="Calibri" panose="020F0502020204030204" pitchFamily="34" charset="0"/>
-                <a:ea typeface="Calibri" panose="020F0502020204030204" pitchFamily="34" charset="0"/>
-                <a:cs typeface="Arial" panose="020B0604020202020204" pitchFamily="34" charset="0"/>
-              </a:rPr>
-              <a:t>have</a:t>
-            </a:r>
-            <a:r>
-              <a:rPr lang="es-ES" sz="1200" dirty="0">
-                <a:effectLst/>
-                <a:latin typeface="Calibri" panose="020F0502020204030204" pitchFamily="34" charset="0"/>
-                <a:ea typeface="Calibri" panose="020F0502020204030204" pitchFamily="34" charset="0"/>
-                <a:cs typeface="Arial" panose="020B0604020202020204" pitchFamily="34" charset="0"/>
-              </a:rPr>
-              <a:t> as a </a:t>
-            </a:r>
-            <a:r>
-              <a:rPr lang="es-ES" sz="1200" dirty="0" err="1">
-                <a:effectLst/>
-                <a:latin typeface="Calibri" panose="020F0502020204030204" pitchFamily="34" charset="0"/>
-                <a:ea typeface="Calibri" panose="020F0502020204030204" pitchFamily="34" charset="0"/>
-                <a:cs typeface="Arial" panose="020B0604020202020204" pitchFamily="34" charset="0"/>
-              </a:rPr>
-              <a:t>parameter</a:t>
-            </a:r>
-            <a:r>
-              <a:rPr lang="es-ES" sz="1200" dirty="0">
-                <a:effectLst/>
-                <a:latin typeface="Calibri" panose="020F0502020204030204" pitchFamily="34" charset="0"/>
-                <a:ea typeface="Calibri" panose="020F0502020204030204" pitchFamily="34" charset="0"/>
-                <a:cs typeface="Arial" panose="020B0604020202020204" pitchFamily="34" charset="0"/>
-              </a:rPr>
-              <a:t> </a:t>
-            </a:r>
-            <a:r>
-              <a:rPr lang="es-ES" sz="1200" dirty="0" err="1">
-                <a:effectLst/>
-                <a:latin typeface="Calibri" panose="020F0502020204030204" pitchFamily="34" charset="0"/>
-                <a:ea typeface="Calibri" panose="020F0502020204030204" pitchFamily="34" charset="0"/>
-                <a:cs typeface="Arial" panose="020B0604020202020204" pitchFamily="34" charset="0"/>
-              </a:rPr>
-              <a:t>the</a:t>
-            </a:r>
-            <a:r>
-              <a:rPr lang="es-ES" sz="1200" dirty="0">
-                <a:effectLst/>
-                <a:latin typeface="Calibri" panose="020F0502020204030204" pitchFamily="34" charset="0"/>
-                <a:ea typeface="Calibri" panose="020F0502020204030204" pitchFamily="34" charset="0"/>
-                <a:cs typeface="Arial" panose="020B0604020202020204" pitchFamily="34" charset="0"/>
-              </a:rPr>
-              <a:t> </a:t>
-            </a:r>
-            <a:r>
-              <a:rPr lang="es-ES" sz="1200" dirty="0" err="1">
-                <a:effectLst/>
-                <a:latin typeface="Calibri" panose="020F0502020204030204" pitchFamily="34" charset="0"/>
-                <a:ea typeface="Calibri" panose="020F0502020204030204" pitchFamily="34" charset="0"/>
-                <a:cs typeface="Arial" panose="020B0604020202020204" pitchFamily="34" charset="0"/>
-              </a:rPr>
-              <a:t>Streamwriter</a:t>
-            </a:r>
-            <a:r>
-              <a:rPr lang="es-ES" sz="1200" dirty="0">
-                <a:effectLst/>
-                <a:latin typeface="Calibri" panose="020F0502020204030204" pitchFamily="34" charset="0"/>
-                <a:ea typeface="Calibri" panose="020F0502020204030204" pitchFamily="34" charset="0"/>
-                <a:cs typeface="Arial" panose="020B0604020202020204" pitchFamily="34" charset="0"/>
-              </a:rPr>
-              <a:t> </a:t>
-            </a:r>
-            <a:r>
-              <a:rPr lang="es-ES" sz="1200" dirty="0" err="1">
-                <a:effectLst/>
-                <a:latin typeface="Calibri" panose="020F0502020204030204" pitchFamily="34" charset="0"/>
-                <a:ea typeface="Calibri" panose="020F0502020204030204" pitchFamily="34" charset="0"/>
-                <a:cs typeface="Arial" panose="020B0604020202020204" pitchFamily="34" charset="0"/>
-              </a:rPr>
-              <a:t>but</a:t>
-            </a:r>
-            <a:r>
-              <a:rPr lang="es-ES" sz="1200" dirty="0">
-                <a:effectLst/>
-                <a:latin typeface="Calibri" panose="020F0502020204030204" pitchFamily="34" charset="0"/>
-                <a:ea typeface="Calibri" panose="020F0502020204030204" pitchFamily="34" charset="0"/>
-                <a:cs typeface="Arial" panose="020B0604020202020204" pitchFamily="34" charset="0"/>
-              </a:rPr>
-              <a:t> do </a:t>
-            </a:r>
-            <a:r>
-              <a:rPr lang="es-ES" sz="1200" dirty="0" err="1">
-                <a:effectLst/>
-                <a:latin typeface="Calibri" panose="020F0502020204030204" pitchFamily="34" charset="0"/>
-                <a:ea typeface="Calibri" panose="020F0502020204030204" pitchFamily="34" charset="0"/>
-                <a:cs typeface="Arial" panose="020B0604020202020204" pitchFamily="34" charset="0"/>
-              </a:rPr>
-              <a:t>not</a:t>
-            </a:r>
-            <a:r>
-              <a:rPr lang="es-ES" sz="1200" dirty="0">
-                <a:effectLst/>
-                <a:latin typeface="Calibri" panose="020F0502020204030204" pitchFamily="34" charset="0"/>
-                <a:ea typeface="Calibri" panose="020F0502020204030204" pitchFamily="34" charset="0"/>
-                <a:cs typeface="Arial" panose="020B0604020202020204" pitchFamily="34" charset="0"/>
-              </a:rPr>
-              <a:t> use </a:t>
-            </a:r>
-            <a:r>
-              <a:rPr lang="es-ES" sz="1200" dirty="0" err="1">
-                <a:effectLst/>
-                <a:latin typeface="Calibri" panose="020F0502020204030204" pitchFamily="34" charset="0"/>
-                <a:ea typeface="Calibri" panose="020F0502020204030204" pitchFamily="34" charset="0"/>
-                <a:cs typeface="Arial" panose="020B0604020202020204" pitchFamily="34" charset="0"/>
-              </a:rPr>
-              <a:t>it</a:t>
-            </a:r>
-            <a:r>
-              <a:rPr lang="es-ES" sz="1200" dirty="0">
-                <a:effectLst/>
-                <a:latin typeface="Calibri" panose="020F0502020204030204" pitchFamily="34" charset="0"/>
-                <a:ea typeface="Calibri" panose="020F0502020204030204" pitchFamily="34" charset="0"/>
-                <a:cs typeface="Arial" panose="020B0604020202020204" pitchFamily="34" charset="0"/>
-              </a:rPr>
-              <a:t> </a:t>
-            </a:r>
-            <a:r>
-              <a:rPr lang="es-ES" sz="1200" dirty="0" err="1">
-                <a:effectLst/>
-                <a:latin typeface="Calibri" panose="020F0502020204030204" pitchFamily="34" charset="0"/>
-                <a:ea typeface="Calibri" panose="020F0502020204030204" pitchFamily="34" charset="0"/>
-                <a:cs typeface="Arial" panose="020B0604020202020204" pitchFamily="34" charset="0"/>
-              </a:rPr>
-              <a:t>inside</a:t>
-            </a:r>
-            <a:r>
-              <a:rPr lang="es-ES" sz="1200" dirty="0">
-                <a:effectLst/>
-                <a:latin typeface="Calibri" panose="020F0502020204030204" pitchFamily="34" charset="0"/>
-                <a:ea typeface="Calibri" panose="020F0502020204030204" pitchFamily="34" charset="0"/>
-                <a:cs typeface="Arial" panose="020B0604020202020204" pitchFamily="34" charset="0"/>
-                <a:sym typeface="Wingdings" panose="05000000000000000000" pitchFamily="2" charset="2"/>
-              </a:rPr>
-              <a:t> </a:t>
-            </a:r>
-            <a:r>
-              <a:rPr lang="es-ES" sz="1200" dirty="0" err="1">
-                <a:effectLst/>
-                <a:latin typeface="Calibri" panose="020F0502020204030204" pitchFamily="34" charset="0"/>
-                <a:ea typeface="Calibri" panose="020F0502020204030204" pitchFamily="34" charset="0"/>
-                <a:cs typeface="Arial" panose="020B0604020202020204" pitchFamily="34" charset="0"/>
-                <a:sym typeface="Wingdings" panose="05000000000000000000" pitchFamily="2" charset="2"/>
-              </a:rPr>
-              <a:t>then</a:t>
-            </a:r>
-            <a:r>
-              <a:rPr lang="es-ES" sz="1200" dirty="0">
-                <a:effectLst/>
-                <a:latin typeface="Calibri" panose="020F0502020204030204" pitchFamily="34" charset="0"/>
-                <a:ea typeface="Calibri" panose="020F0502020204030204" pitchFamily="34" charset="0"/>
-                <a:cs typeface="Arial" panose="020B0604020202020204" pitchFamily="34" charset="0"/>
-                <a:sym typeface="Wingdings" panose="05000000000000000000" pitchFamily="2" charset="2"/>
-              </a:rPr>
-              <a:t> </a:t>
-            </a:r>
-            <a:r>
-              <a:rPr lang="es-ES" sz="1200" dirty="0" err="1">
-                <a:effectLst/>
-                <a:latin typeface="Calibri" panose="020F0502020204030204" pitchFamily="34" charset="0"/>
-                <a:ea typeface="Calibri" panose="020F0502020204030204" pitchFamily="34" charset="0"/>
-                <a:cs typeface="Arial" panose="020B0604020202020204" pitchFamily="34" charset="0"/>
-                <a:sym typeface="Wingdings" panose="05000000000000000000" pitchFamily="2" charset="2"/>
-              </a:rPr>
-              <a:t>not</a:t>
-            </a:r>
-            <a:r>
-              <a:rPr lang="es-ES" sz="1200" dirty="0">
-                <a:effectLst/>
-                <a:latin typeface="Calibri" panose="020F0502020204030204" pitchFamily="34" charset="0"/>
-                <a:ea typeface="Calibri" panose="020F0502020204030204" pitchFamily="34" charset="0"/>
-                <a:cs typeface="Arial" panose="020B0604020202020204" pitchFamily="34" charset="0"/>
-                <a:sym typeface="Wingdings" panose="05000000000000000000" pitchFamily="2" charset="2"/>
-              </a:rPr>
-              <a:t> </a:t>
-            </a:r>
-            <a:r>
-              <a:rPr lang="es-ES" sz="1200" dirty="0" err="1">
-                <a:effectLst/>
-                <a:latin typeface="Calibri" panose="020F0502020204030204" pitchFamily="34" charset="0"/>
-                <a:ea typeface="Calibri" panose="020F0502020204030204" pitchFamily="34" charset="0"/>
-                <a:cs typeface="Arial" panose="020B0604020202020204" pitchFamily="34" charset="0"/>
-                <a:sym typeface="Wingdings" panose="05000000000000000000" pitchFamily="2" charset="2"/>
-              </a:rPr>
-              <a:t>includede</a:t>
-            </a:r>
-            <a:r>
-              <a:rPr lang="es-ES" sz="1200" dirty="0">
-                <a:effectLst/>
-                <a:latin typeface="Calibri" panose="020F0502020204030204" pitchFamily="34" charset="0"/>
-                <a:ea typeface="Calibri" panose="020F0502020204030204" pitchFamily="34" charset="0"/>
-                <a:cs typeface="Arial" panose="020B0604020202020204" pitchFamily="34" charset="0"/>
-                <a:sym typeface="Wingdings" panose="05000000000000000000" pitchFamily="2" charset="2"/>
-              </a:rPr>
-              <a:t>)</a:t>
-            </a:r>
-          </a:p>
-          <a:p>
-            <a:r>
-              <a:rPr lang="en-US" dirty="0"/>
-              <a:t>That's what we have done here, we have created an Interface </a:t>
-            </a:r>
-            <a:r>
-              <a:rPr lang="en-US" dirty="0" err="1"/>
+              <a:rPr lang="tr-TR" dirty="0" err="1"/>
+              <a:t>It</a:t>
+            </a:r>
+            <a:r>
+              <a:rPr lang="tr-TR" dirty="0"/>
+              <a:t> has two main </a:t>
+            </a:r>
+            <a:r>
+              <a:rPr lang="tr-TR" dirty="0" err="1"/>
+              <a:t>steps</a:t>
+            </a:r>
+            <a:r>
+              <a:rPr lang="tr-TR" dirty="0"/>
+              <a:t>;</a:t>
+            </a:r>
+          </a:p>
+          <a:p>
+            <a:r>
+              <a:rPr lang="tr-TR" dirty="0"/>
+              <a:t> 1) </a:t>
+            </a:r>
+            <a:r>
+              <a:rPr lang="en-US" sz="1200" dirty="0">
+                <a:effectLst/>
+                <a:latin typeface="Times New Roman" panose="02020603050405020304" pitchFamily="18" charset="0"/>
+                <a:ea typeface="SimSun" panose="02010600030101010101" pitchFamily="2" charset="-122"/>
+              </a:rPr>
+              <a:t>Firstly, create an interface </a:t>
+            </a:r>
+            <a:r>
+              <a:rPr lang="en-US" sz="1200" b="1" dirty="0" err="1">
+                <a:effectLst/>
+                <a:latin typeface="Times New Roman" panose="02020603050405020304" pitchFamily="18" charset="0"/>
+                <a:ea typeface="SimSun" panose="02010600030101010101" pitchFamily="2" charset="-122"/>
+              </a:rPr>
+              <a:t>HtmSerializationFormatter</a:t>
+            </a:r>
+            <a:r>
+              <a:rPr lang="en-US" sz="1200" dirty="0">
+                <a:effectLst/>
+                <a:latin typeface="Times New Roman" panose="02020603050405020304" pitchFamily="18" charset="0"/>
+                <a:ea typeface="SimSun" panose="02010600030101010101" pitchFamily="2" charset="-122"/>
+              </a:rPr>
+              <a:t> that contains all formatting methods</a:t>
+            </a:r>
+            <a:r>
+              <a:rPr lang="tr-TR" sz="1200" dirty="0">
+                <a:effectLst/>
+                <a:latin typeface="Times New Roman" panose="02020603050405020304" pitchFamily="18" charset="0"/>
+                <a:ea typeface="SimSun" panose="02010600030101010101" pitchFamily="2" charset="-122"/>
+              </a:rPr>
+              <a:t>.</a:t>
+            </a:r>
+          </a:p>
+          <a:p>
+            <a:pPr algn="l"/>
+            <a:r>
+              <a:rPr lang="tr-TR" dirty="0">
+                <a:latin typeface="Times New Roman" panose="02020603050405020304" pitchFamily="18" charset="0"/>
+                <a:ea typeface="SimSun" panose="02010600030101010101" pitchFamily="2" charset="-122"/>
+              </a:rPr>
+              <a:t> 2) </a:t>
+            </a:r>
+            <a:r>
+              <a:rPr lang="en-US" sz="1200" dirty="0">
+                <a:effectLst/>
+                <a:latin typeface="Times New Roman" panose="02020603050405020304" pitchFamily="18" charset="0"/>
+                <a:ea typeface="SimSun" panose="02010600030101010101" pitchFamily="2" charset="-122"/>
+              </a:rPr>
+              <a:t>create the class </a:t>
+            </a:r>
+            <a:r>
+              <a:rPr lang="en-US" sz="1200" b="1" dirty="0" err="1">
+                <a:effectLst/>
+                <a:latin typeface="Times New Roman" panose="02020603050405020304" pitchFamily="18" charset="0"/>
+                <a:ea typeface="SimSun" panose="02010600030101010101" pitchFamily="2" charset="-122"/>
+              </a:rPr>
+              <a:t>HtmDefaultTextFormatter</a:t>
+            </a:r>
+            <a:r>
+              <a:rPr lang="en-US" sz="1200" dirty="0">
+                <a:effectLst/>
+                <a:latin typeface="Times New Roman" panose="02020603050405020304" pitchFamily="18" charset="0"/>
+                <a:ea typeface="SimSun" panose="02010600030101010101" pitchFamily="2" charset="-122"/>
+              </a:rPr>
+              <a:t> that implements all formatting methods</a:t>
+            </a:r>
+            <a:r>
+              <a:rPr lang="tr-TR" sz="1200" dirty="0">
+                <a:effectLst/>
+                <a:latin typeface="Times New Roman" panose="02020603050405020304" pitchFamily="18" charset="0"/>
+                <a:ea typeface="SimSun" panose="02010600030101010101" pitchFamily="2" charset="-122"/>
+              </a:rPr>
+              <a:t>.</a:t>
+            </a:r>
+          </a:p>
+          <a:p>
+            <a:pPr algn="just"/>
+            <a:r>
+              <a:rPr lang="en-US" sz="1800" dirty="0">
+                <a:effectLst/>
+                <a:latin typeface="Times New Roman" panose="02020603050405020304" pitchFamily="18" charset="0"/>
+                <a:ea typeface="SimSun" panose="02010600030101010101" pitchFamily="2" charset="-122"/>
+              </a:rPr>
+              <a:t>The </a:t>
+            </a:r>
+            <a:r>
+              <a:rPr lang="en-US" sz="1800" dirty="0" err="1">
+                <a:effectLst/>
+                <a:latin typeface="Times New Roman" panose="02020603050405020304" pitchFamily="18" charset="0"/>
+                <a:ea typeface="SimSun" panose="02010600030101010101" pitchFamily="2" charset="-122"/>
+              </a:rPr>
+              <a:t>HtmDefaultTextFormatter</a:t>
+            </a:r>
+            <a:r>
+              <a:rPr lang="en-US" sz="1800" dirty="0">
+                <a:effectLst/>
+                <a:latin typeface="Times New Roman" panose="02020603050405020304" pitchFamily="18" charset="0"/>
+                <a:ea typeface="SimSun" panose="02010600030101010101" pitchFamily="2" charset="-122"/>
+              </a:rPr>
+              <a:t> class is an implementation of the </a:t>
+            </a:r>
+            <a:r>
+              <a:rPr lang="en-US" sz="1800" dirty="0" err="1">
+                <a:effectLst/>
+                <a:latin typeface="Times New Roman" panose="02020603050405020304" pitchFamily="18" charset="0"/>
+                <a:ea typeface="SimSun" panose="02010600030101010101" pitchFamily="2" charset="-122"/>
+              </a:rPr>
               <a:t>IHtmSerializationFormatter</a:t>
             </a:r>
             <a:r>
-              <a:rPr lang="en-US" dirty="0"/>
-              <a:t>  which included all formatting methods using Stream writer or stream read</a:t>
-            </a:r>
-            <a:endParaRPr lang="es-ES" sz="1200" dirty="0">
+              <a:rPr lang="en-US" sz="1800" dirty="0">
+                <a:effectLst/>
+                <a:latin typeface="Times New Roman" panose="02020603050405020304" pitchFamily="18" charset="0"/>
+                <a:ea typeface="SimSun" panose="02010600030101010101" pitchFamily="2" charset="-122"/>
+              </a:rPr>
+              <a:t> interface, which is used for serializing and deserializing objects to and from HTML-formatted text. The </a:t>
+            </a:r>
+            <a:r>
+              <a:rPr lang="en-US" sz="1800" dirty="0" err="1">
+                <a:effectLst/>
+                <a:latin typeface="Times New Roman" panose="02020603050405020304" pitchFamily="18" charset="0"/>
+                <a:ea typeface="SimSun" panose="02010600030101010101" pitchFamily="2" charset="-122"/>
+              </a:rPr>
+              <a:t>HtmDefaultTextFormatter</a:t>
+            </a:r>
+            <a:r>
+              <a:rPr lang="en-US" sz="1800" dirty="0">
+                <a:effectLst/>
+                <a:latin typeface="Times New Roman" panose="02020603050405020304" pitchFamily="18" charset="0"/>
+                <a:ea typeface="SimSun" panose="02010600030101010101" pitchFamily="2" charset="-122"/>
+              </a:rPr>
+              <a:t> class provides a default implementation of the </a:t>
+            </a:r>
+            <a:r>
+              <a:rPr lang="en-US" sz="1800" dirty="0" err="1">
+                <a:effectLst/>
+                <a:latin typeface="Times New Roman" panose="02020603050405020304" pitchFamily="18" charset="0"/>
+                <a:ea typeface="SimSun" panose="02010600030101010101" pitchFamily="2" charset="-122"/>
+              </a:rPr>
+              <a:t>IHtmSerializationFormatter</a:t>
+            </a:r>
+            <a:r>
+              <a:rPr lang="en-US" sz="1800" dirty="0">
+                <a:effectLst/>
+                <a:latin typeface="Times New Roman" panose="02020603050405020304" pitchFamily="18" charset="0"/>
+                <a:ea typeface="SimSun" panose="02010600030101010101" pitchFamily="2" charset="-122"/>
+              </a:rPr>
+              <a:t> interface.</a:t>
+            </a:r>
+            <a:endParaRPr lang="en-GB" sz="1800" dirty="0">
               <a:effectLst/>
-              <a:latin typeface="Calibri" panose="020F0502020204030204" pitchFamily="34" charset="0"/>
-              <a:cs typeface="Arial" panose="020B0604020202020204" pitchFamily="34" charset="0"/>
-              <a:sym typeface="Wingdings" panose="05000000000000000000" pitchFamily="2" charset="2"/>
+              <a:latin typeface="Times New Roman" panose="02020603050405020304" pitchFamily="18" charset="0"/>
+              <a:ea typeface="SimSun" panose="02010600030101010101" pitchFamily="2" charset="-122"/>
             </a:endParaRPr>
           </a:p>
           <a:p>
-            <a:endParaRPr lang="es-ES" sz="1200" dirty="0">
+            <a:pPr algn="just"/>
+            <a:r>
+              <a:rPr lang="en-US" sz="1800" dirty="0">
+                <a:effectLst/>
+                <a:latin typeface="Times New Roman" panose="02020603050405020304" pitchFamily="18" charset="0"/>
+                <a:ea typeface="SimSun" panose="02010600030101010101" pitchFamily="2" charset="-122"/>
+              </a:rPr>
+              <a:t> The </a:t>
+            </a:r>
+            <a:r>
+              <a:rPr lang="en-US" sz="1800" dirty="0" err="1">
+                <a:effectLst/>
+                <a:latin typeface="Times New Roman" panose="02020603050405020304" pitchFamily="18" charset="0"/>
+                <a:ea typeface="SimSun" panose="02010600030101010101" pitchFamily="2" charset="-122"/>
+              </a:rPr>
+              <a:t>HtmSerializer</a:t>
+            </a:r>
+            <a:r>
+              <a:rPr lang="en-US" sz="1800" dirty="0">
+                <a:effectLst/>
+                <a:latin typeface="Times New Roman" panose="02020603050405020304" pitchFamily="18" charset="0"/>
+                <a:ea typeface="SimSun" panose="02010600030101010101" pitchFamily="2" charset="-122"/>
+              </a:rPr>
+              <a:t> class is a utility class for serializing and deserializing objects to and from HTML-formatted text. It uses an </a:t>
+            </a:r>
+            <a:r>
+              <a:rPr lang="en-US" sz="1800" dirty="0" err="1">
+                <a:effectLst/>
+                <a:latin typeface="Times New Roman" panose="02020603050405020304" pitchFamily="18" charset="0"/>
+                <a:ea typeface="SimSun" panose="02010600030101010101" pitchFamily="2" charset="-122"/>
+              </a:rPr>
+              <a:t>IHtmSerializationFormatter</a:t>
+            </a:r>
+            <a:r>
+              <a:rPr lang="en-US" sz="1800" dirty="0">
+                <a:effectLst/>
+                <a:latin typeface="Times New Roman" panose="02020603050405020304" pitchFamily="18" charset="0"/>
+                <a:ea typeface="SimSun" panose="02010600030101010101" pitchFamily="2" charset="-122"/>
+              </a:rPr>
+              <a:t> implementation to perform the serialization and deserialization. The </a:t>
+            </a:r>
+            <a:r>
+              <a:rPr lang="en-US" sz="1800" dirty="0" err="1">
+                <a:effectLst/>
+                <a:latin typeface="Times New Roman" panose="02020603050405020304" pitchFamily="18" charset="0"/>
+                <a:ea typeface="SimSun" panose="02010600030101010101" pitchFamily="2" charset="-122"/>
+              </a:rPr>
+              <a:t>HtmSerializer</a:t>
+            </a:r>
+            <a:r>
+              <a:rPr lang="en-US" sz="1800" dirty="0">
+                <a:effectLst/>
+                <a:latin typeface="Times New Roman" panose="02020603050405020304" pitchFamily="18" charset="0"/>
+                <a:ea typeface="SimSun" panose="02010600030101010101" pitchFamily="2" charset="-122"/>
+              </a:rPr>
+              <a:t> class provides methods for serializing and deserializing objects, as well as methods for serializing and deserializing individual values.</a:t>
+            </a:r>
+            <a:endParaRPr lang="en-GB" sz="1800" dirty="0">
               <a:effectLst/>
-              <a:latin typeface="Calibri" panose="020F0502020204030204" pitchFamily="34" charset="0"/>
-              <a:cs typeface="Arial" panose="020B0604020202020204" pitchFamily="34" charset="0"/>
-              <a:sym typeface="Wingdings" panose="05000000000000000000" pitchFamily="2" charset="2"/>
+              <a:latin typeface="Times New Roman" panose="02020603050405020304" pitchFamily="18" charset="0"/>
+              <a:ea typeface="SimSun" panose="02010600030101010101" pitchFamily="2" charset="-122"/>
             </a:endParaRPr>
           </a:p>
           <a:p>
-            <a:r>
-              <a:rPr lang="en-US" sz="1200" dirty="0">
-                <a:effectLst/>
-                <a:latin typeface="Calibri" panose="020F0502020204030204" pitchFamily="34" charset="0"/>
-                <a:cs typeface="Arial" panose="020B0604020202020204" pitchFamily="34" charset="0"/>
-                <a:sym typeface="Wingdings" panose="05000000000000000000" pitchFamily="2" charset="2"/>
-              </a:rPr>
-              <a:t>Improved testability: Static methods can be difficult to test, as they often have hidden dependencies, Removing static methods and replacing them with instance methods can make code easier to test. By removing static methods and using instance methods, you can create more flexible and extensible code.</a:t>
-            </a:r>
-            <a:endParaRPr lang="es-ES" sz="1200" dirty="0">
+            <a:pPr algn="just"/>
+            <a:r>
+              <a:rPr lang="en-US" sz="1800" dirty="0">
+                <a:effectLst/>
+                <a:latin typeface="Times New Roman" panose="02020603050405020304" pitchFamily="18" charset="0"/>
+                <a:ea typeface="SimSun" panose="02010600030101010101" pitchFamily="2" charset="-122"/>
+              </a:rPr>
+              <a:t> Default implementation of the `</a:t>
+            </a:r>
+            <a:r>
+              <a:rPr lang="en-US" sz="1800" dirty="0" err="1">
+                <a:effectLst/>
+                <a:latin typeface="Times New Roman" panose="02020603050405020304" pitchFamily="18" charset="0"/>
+                <a:ea typeface="SimSun" panose="02010600030101010101" pitchFamily="2" charset="-122"/>
+              </a:rPr>
+              <a:t>IHtmSerializationFormatter</a:t>
+            </a:r>
+            <a:r>
+              <a:rPr lang="en-US" sz="1800" dirty="0">
+                <a:effectLst/>
+                <a:latin typeface="Times New Roman" panose="02020603050405020304" pitchFamily="18" charset="0"/>
+                <a:ea typeface="SimSun" panose="02010600030101010101" pitchFamily="2" charset="-122"/>
+              </a:rPr>
+              <a:t>` interface for serializing and deserializing objects to and from HTML-formatted text.</a:t>
+            </a:r>
+          </a:p>
+          <a:p>
+            <a:pPr algn="just"/>
+            <a:endParaRPr lang="en-US" sz="1800" dirty="0">
               <a:effectLst/>
-              <a:latin typeface="Calibri" panose="020F0502020204030204" pitchFamily="34" charset="0"/>
-              <a:cs typeface="Arial" panose="020B0604020202020204" pitchFamily="34" charset="0"/>
-              <a:sym typeface="Wingdings" panose="05000000000000000000" pitchFamily="2" charset="2"/>
+              <a:latin typeface="Times New Roman" panose="02020603050405020304" pitchFamily="18" charset="0"/>
+              <a:ea typeface="SimSun" panose="02010600030101010101" pitchFamily="2" charset="-122"/>
             </a:endParaRPr>
           </a:p>
           <a:p>
-            <a:r>
-              <a:rPr lang="es-ES" sz="1200" dirty="0" err="1">
-                <a:effectLst/>
-                <a:latin typeface="Calibri" panose="020F0502020204030204" pitchFamily="34" charset="0"/>
-                <a:cs typeface="Arial" panose="020B0604020202020204" pitchFamily="34" charset="0"/>
-                <a:sym typeface="Wingdings" panose="05000000000000000000" pitchFamily="2" charset="2"/>
-              </a:rPr>
-              <a:t>Now</a:t>
-            </a:r>
-            <a:r>
-              <a:rPr lang="es-ES" sz="1200" dirty="0">
-                <a:effectLst/>
-                <a:latin typeface="Calibri" panose="020F0502020204030204" pitchFamily="34" charset="0"/>
-                <a:cs typeface="Arial" panose="020B0604020202020204" pitchFamily="34" charset="0"/>
-                <a:sym typeface="Wingdings" panose="05000000000000000000" pitchFamily="2" charset="2"/>
-              </a:rPr>
-              <a:t> </a:t>
-            </a:r>
-            <a:r>
-              <a:rPr lang="es-ES" sz="1200" dirty="0" err="1">
-                <a:effectLst/>
-                <a:latin typeface="Calibri" panose="020F0502020204030204" pitchFamily="34" charset="0"/>
-                <a:cs typeface="Arial" panose="020B0604020202020204" pitchFamily="34" charset="0"/>
-                <a:sym typeface="Wingdings" panose="05000000000000000000" pitchFamily="2" charset="2"/>
-              </a:rPr>
-              <a:t>th</a:t>
-            </a:r>
-            <a:r>
-              <a:rPr lang="es-ES" sz="1800" dirty="0" err="1">
-                <a:effectLst/>
-                <a:latin typeface="Calibri" panose="020F0502020204030204" pitchFamily="34" charset="0"/>
-                <a:ea typeface="Calibri" panose="020F0502020204030204" pitchFamily="34" charset="0"/>
-                <a:cs typeface="Arial" panose="020B0604020202020204" pitchFamily="34" charset="0"/>
-              </a:rPr>
-              <a:t>e</a:t>
-            </a:r>
-            <a:r>
-              <a:rPr lang="es-ES" sz="1800" dirty="0">
-                <a:effectLst/>
-                <a:latin typeface="Calibri" panose="020F0502020204030204" pitchFamily="34" charset="0"/>
-                <a:ea typeface="Calibri" panose="020F0502020204030204" pitchFamily="34" charset="0"/>
-                <a:cs typeface="Arial" panose="020B0604020202020204" pitchFamily="34" charset="0"/>
-              </a:rPr>
-              <a:t> new </a:t>
-            </a:r>
-            <a:r>
-              <a:rPr lang="es-ES" sz="1800" dirty="0" err="1">
-                <a:effectLst/>
-                <a:latin typeface="Calibri" panose="020F0502020204030204" pitchFamily="34" charset="0"/>
-                <a:ea typeface="Calibri" panose="020F0502020204030204" pitchFamily="34" charset="0"/>
-                <a:cs typeface="Arial" panose="020B0604020202020204" pitchFamily="34" charset="0"/>
-              </a:rPr>
-              <a:t>HtmSerializer</a:t>
-            </a:r>
-            <a:r>
-              <a:rPr lang="es-ES" sz="1800" dirty="0">
-                <a:effectLst/>
-                <a:latin typeface="Calibri" panose="020F0502020204030204" pitchFamily="34" charset="0"/>
-                <a:ea typeface="Calibri" panose="020F0502020204030204" pitchFamily="34" charset="0"/>
-                <a:cs typeface="Arial" panose="020B0604020202020204" pitchFamily="34" charset="0"/>
-              </a:rPr>
-              <a:t>  </a:t>
-            </a:r>
-            <a:r>
-              <a:rPr lang="es-ES" sz="1800" dirty="0" err="1">
-                <a:effectLst/>
-                <a:latin typeface="Calibri" panose="020F0502020204030204" pitchFamily="34" charset="0"/>
-                <a:ea typeface="Calibri" panose="020F0502020204030204" pitchFamily="34" charset="0"/>
-                <a:cs typeface="Arial" panose="020B0604020202020204" pitchFamily="34" charset="0"/>
-              </a:rPr>
-              <a:t>will</a:t>
-            </a:r>
-            <a:r>
-              <a:rPr lang="es-ES" sz="1800" dirty="0">
-                <a:effectLst/>
-                <a:latin typeface="Calibri" panose="020F0502020204030204" pitchFamily="34" charset="0"/>
-                <a:ea typeface="Calibri" panose="020F0502020204030204" pitchFamily="34" charset="0"/>
-                <a:cs typeface="Arial" panose="020B0604020202020204" pitchFamily="34" charset="0"/>
-              </a:rPr>
-              <a:t> be </a:t>
-            </a:r>
-            <a:r>
-              <a:rPr lang="es-ES" sz="1800" dirty="0" err="1">
-                <a:effectLst/>
-                <a:latin typeface="Calibri" panose="020F0502020204030204" pitchFamily="34" charset="0"/>
-                <a:ea typeface="Calibri" panose="020F0502020204030204" pitchFamily="34" charset="0"/>
-                <a:cs typeface="Arial" panose="020B0604020202020204" pitchFamily="34" charset="0"/>
-              </a:rPr>
-              <a:t>instantiated</a:t>
-            </a:r>
-            <a:r>
-              <a:rPr lang="es-ES" sz="1800" dirty="0">
-                <a:effectLst/>
-                <a:latin typeface="Calibri" panose="020F0502020204030204" pitchFamily="34" charset="0"/>
-                <a:ea typeface="Calibri" panose="020F0502020204030204" pitchFamily="34" charset="0"/>
-                <a:cs typeface="Arial" panose="020B0604020202020204" pitchFamily="34" charset="0"/>
-              </a:rPr>
-              <a:t> </a:t>
-            </a:r>
-            <a:r>
-              <a:rPr lang="es-ES" sz="1800" dirty="0" err="1">
-                <a:effectLst/>
-                <a:latin typeface="Calibri" panose="020F0502020204030204" pitchFamily="34" charset="0"/>
-                <a:ea typeface="Calibri" panose="020F0502020204030204" pitchFamily="34" charset="0"/>
-                <a:cs typeface="Arial" panose="020B0604020202020204" pitchFamily="34" charset="0"/>
-              </a:rPr>
-              <a:t>with</a:t>
-            </a:r>
-            <a:r>
-              <a:rPr lang="es-ES" sz="1800" dirty="0">
-                <a:effectLst/>
-                <a:latin typeface="Calibri" panose="020F0502020204030204" pitchFamily="34" charset="0"/>
-                <a:ea typeface="Calibri" panose="020F0502020204030204" pitchFamily="34" charset="0"/>
-                <a:cs typeface="Arial" panose="020B0604020202020204" pitchFamily="34" charset="0"/>
-              </a:rPr>
-              <a:t>:</a:t>
-            </a:r>
-            <a:br>
-              <a:rPr lang="es-ES" sz="1800" dirty="0">
-                <a:effectLst/>
-                <a:latin typeface="Calibri" panose="020F0502020204030204" pitchFamily="34" charset="0"/>
-                <a:ea typeface="Calibri" panose="020F0502020204030204" pitchFamily="34" charset="0"/>
-                <a:cs typeface="Arial" panose="020B0604020202020204" pitchFamily="34" charset="0"/>
-              </a:rPr>
-            </a:br>
-            <a:r>
-              <a:rPr lang="es-ES" sz="1800" dirty="0">
-                <a:effectLst/>
-                <a:latin typeface="Calibri" panose="020F0502020204030204" pitchFamily="34" charset="0"/>
-                <a:ea typeface="Calibri" panose="020F0502020204030204" pitchFamily="34" charset="0"/>
-                <a:cs typeface="Arial" panose="020B0604020202020204" pitchFamily="34" charset="0"/>
-              </a:rPr>
-              <a:t> </a:t>
-            </a:r>
-            <a:r>
-              <a:rPr lang="es-ES" sz="1800" dirty="0" err="1">
-                <a:effectLst/>
-                <a:latin typeface="Calibri" panose="020F0502020204030204" pitchFamily="34" charset="0"/>
-                <a:ea typeface="Calibri" panose="020F0502020204030204" pitchFamily="34" charset="0"/>
-                <a:cs typeface="Arial" panose="020B0604020202020204" pitchFamily="34" charset="0"/>
-              </a:rPr>
-              <a:t>var</a:t>
-            </a:r>
-            <a:r>
-              <a:rPr lang="es-ES" sz="1800" dirty="0">
-                <a:effectLst/>
-                <a:latin typeface="Calibri" panose="020F0502020204030204" pitchFamily="34" charset="0"/>
-                <a:ea typeface="Calibri" panose="020F0502020204030204" pitchFamily="34" charset="0"/>
-                <a:cs typeface="Arial" panose="020B0604020202020204" pitchFamily="34" charset="0"/>
-              </a:rPr>
-              <a:t> </a:t>
-            </a:r>
-            <a:r>
-              <a:rPr lang="es-ES" sz="1800" dirty="0" err="1">
-                <a:effectLst/>
-                <a:latin typeface="Calibri" panose="020F0502020204030204" pitchFamily="34" charset="0"/>
-                <a:ea typeface="Calibri" panose="020F0502020204030204" pitchFamily="34" charset="0"/>
-                <a:cs typeface="Arial" panose="020B0604020202020204" pitchFamily="34" charset="0"/>
-              </a:rPr>
-              <a:t>serializer</a:t>
-            </a:r>
-            <a:r>
-              <a:rPr lang="es-ES" sz="1800" dirty="0">
-                <a:effectLst/>
-                <a:latin typeface="Calibri" panose="020F0502020204030204" pitchFamily="34" charset="0"/>
-                <a:ea typeface="Calibri" panose="020F0502020204030204" pitchFamily="34" charset="0"/>
-                <a:cs typeface="Arial" panose="020B0604020202020204" pitchFamily="34" charset="0"/>
-              </a:rPr>
-              <a:t> = </a:t>
-            </a:r>
-            <a:r>
-              <a:rPr lang="es-ES" sz="1800" dirty="0" err="1">
-                <a:effectLst/>
-                <a:latin typeface="Calibri" panose="020F0502020204030204" pitchFamily="34" charset="0"/>
-                <a:ea typeface="Calibri" panose="020F0502020204030204" pitchFamily="34" charset="0"/>
-                <a:cs typeface="Arial" panose="020B0604020202020204" pitchFamily="34" charset="0"/>
-              </a:rPr>
-              <a:t>HtmSerializer</a:t>
-            </a:r>
-            <a:r>
-              <a:rPr lang="es-ES" sz="1800" dirty="0">
-                <a:effectLst/>
-                <a:latin typeface="Calibri" panose="020F0502020204030204" pitchFamily="34" charset="0"/>
-                <a:ea typeface="Calibri" panose="020F0502020204030204" pitchFamily="34" charset="0"/>
-                <a:cs typeface="Arial" panose="020B0604020202020204" pitchFamily="34" charset="0"/>
-              </a:rPr>
-              <a:t>(</a:t>
-            </a:r>
-            <a:r>
-              <a:rPr lang="es-ES" sz="1800" dirty="0" err="1">
-                <a:effectLst/>
-                <a:latin typeface="Calibri" panose="020F0502020204030204" pitchFamily="34" charset="0"/>
-                <a:ea typeface="Calibri" panose="020F0502020204030204" pitchFamily="34" charset="0"/>
-                <a:cs typeface="Arial" panose="020B0604020202020204" pitchFamily="34" charset="0"/>
-              </a:rPr>
-              <a:t>formatter</a:t>
-            </a:r>
-            <a:r>
-              <a:rPr lang="es-ES" sz="1800" dirty="0">
-                <a:effectLst/>
-                <a:latin typeface="Calibri" panose="020F0502020204030204" pitchFamily="34" charset="0"/>
-                <a:ea typeface="Calibri" panose="020F0502020204030204" pitchFamily="34" charset="0"/>
-                <a:cs typeface="Arial" panose="020B0604020202020204" pitchFamily="34" charset="0"/>
-              </a:rPr>
-              <a:t> = new </a:t>
-            </a:r>
-            <a:r>
-              <a:rPr lang="es-ES" sz="1800" dirty="0" err="1">
-                <a:effectLst/>
-                <a:latin typeface="Calibri" panose="020F0502020204030204" pitchFamily="34" charset="0"/>
-                <a:ea typeface="Calibri" panose="020F0502020204030204" pitchFamily="34" charset="0"/>
-                <a:cs typeface="Arial" panose="020B0604020202020204" pitchFamily="34" charset="0"/>
-              </a:rPr>
-              <a:t>HtmDefaultTextFormatter</a:t>
-            </a:r>
-            <a:r>
-              <a:rPr lang="es-ES" sz="1800" dirty="0">
-                <a:effectLst/>
-                <a:latin typeface="Calibri" panose="020F0502020204030204" pitchFamily="34" charset="0"/>
-                <a:ea typeface="Calibri" panose="020F0502020204030204" pitchFamily="34" charset="0"/>
-                <a:cs typeface="Arial" panose="020B0604020202020204" pitchFamily="34" charset="0"/>
-              </a:rPr>
-              <a:t> (..))</a:t>
-            </a:r>
-          </a:p>
-          <a:p>
-            <a:pPr marL="457200">
-              <a:lnSpc>
-                <a:spcPct val="107000"/>
-              </a:lnSpc>
-              <a:spcAft>
-                <a:spcPts val="800"/>
-              </a:spcAft>
-            </a:pPr>
-            <a:endParaRPr lang="es-ES" sz="1800" dirty="0">
+            <a:pPr algn="just"/>
+            <a:endParaRPr lang="en-US" sz="1800" dirty="0">
               <a:effectLst/>
-              <a:latin typeface="Calibri" panose="020F0502020204030204" pitchFamily="34" charset="0"/>
-              <a:ea typeface="Calibri" panose="020F0502020204030204" pitchFamily="34" charset="0"/>
-              <a:cs typeface="Arial" panose="020B0604020202020204" pitchFamily="34" charset="0"/>
+              <a:latin typeface="Times New Roman" panose="02020603050405020304" pitchFamily="18" charset="0"/>
+              <a:ea typeface="SimSun" panose="02010600030101010101" pitchFamily="2" charset="-122"/>
             </a:endParaRPr>
           </a:p>
           <a:p>
-            <a:r>
-              <a:rPr lang="en-US" dirty="0"/>
-              <a:t>After finishing the refactoring part we had a lot of errors in the </a:t>
-            </a:r>
-            <a:r>
-              <a:rPr lang="en-US" dirty="0" err="1"/>
-              <a:t>UnitTest</a:t>
-            </a:r>
-            <a:r>
-              <a:rPr lang="en-US" dirty="0"/>
-              <a:t>, so the last of our task was fixing these </a:t>
-            </a:r>
-            <a:r>
-              <a:rPr lang="en-US" dirty="0" err="1"/>
-              <a:t>UnitTests</a:t>
-            </a:r>
-            <a:r>
-              <a:rPr lang="en-US" dirty="0"/>
-              <a:t>.</a:t>
-            </a:r>
-          </a:p>
-          <a:p>
-            <a:endParaRPr lang="en-US" dirty="0"/>
-          </a:p>
-          <a:p>
-            <a:r>
-              <a:rPr lang="en-US" dirty="0"/>
-              <a:t>To sum up, we have documented all the methods, explaining how they operate, and their parameters, with expected their output and we have made the code more understandable by doing </a:t>
-            </a:r>
-            <a:r>
-              <a:rPr lang="en-US" dirty="0" err="1"/>
-              <a:t>refractoring</a:t>
-            </a:r>
+            <a:pPr algn="just"/>
+            <a:r>
+              <a:rPr lang="en-US" sz="1800" dirty="0">
+                <a:effectLst/>
+                <a:latin typeface="Times New Roman" panose="02020603050405020304" pitchFamily="18" charset="0"/>
+                <a:ea typeface="SimSun" panose="02010600030101010101" pitchFamily="2" charset="-122"/>
+              </a:rPr>
+              <a:t>Unit testing, an important aspect of software testing, entails inspecting individual units or components of a software system individually to ensure their intended functionality. The overall goal of this refactoring work is to improve the quality, efficiency, and maintainability of C# code bases. Using unit tests and serialization-deserialization methods, the project creates a solid and tested codebase that is both understandable and adaptive over time.</a:t>
+            </a:r>
+            <a:endParaRPr lang="en-GB" sz="1800" dirty="0">
+              <a:effectLst/>
+              <a:latin typeface="Times New Roman" panose="02020603050405020304" pitchFamily="18" charset="0"/>
+              <a:ea typeface="SimSun" panose="02010600030101010101" pitchFamily="2" charset="-122"/>
+            </a:endParaRPr>
+          </a:p>
+          <a:p>
+            <a:pPr algn="just"/>
+            <a:endParaRPr lang="tr-TR" sz="1800" dirty="0">
+              <a:effectLst/>
+              <a:latin typeface="Times New Roman" panose="02020603050405020304" pitchFamily="18" charset="0"/>
+              <a:ea typeface="SimSun" panose="02010600030101010101" pitchFamily="2" charset="-122"/>
+            </a:endParaRPr>
+          </a:p>
+          <a:p>
+            <a:pPr algn="just"/>
+            <a:endParaRPr lang="tr-TR" sz="1800" dirty="0">
+              <a:effectLst/>
+              <a:latin typeface="Times New Roman" panose="02020603050405020304" pitchFamily="18" charset="0"/>
+              <a:ea typeface="SimSun" panose="02010600030101010101" pitchFamily="2" charset="-122"/>
+            </a:endParaRPr>
+          </a:p>
+          <a:p>
+            <a:pPr algn="just"/>
+            <a:r>
+              <a:rPr lang="en-US" sz="1800" dirty="0">
+                <a:effectLst/>
+                <a:latin typeface="Times New Roman" panose="02020603050405020304" pitchFamily="18" charset="0"/>
+                <a:ea typeface="SimSun" panose="02010600030101010101" pitchFamily="2" charset="-122"/>
+              </a:rPr>
+              <a:t>In conclusion, refactoring the </a:t>
+            </a:r>
+            <a:r>
+              <a:rPr lang="en-US" sz="1800" dirty="0" err="1">
+                <a:effectLst/>
+                <a:latin typeface="Times New Roman" panose="02020603050405020304" pitchFamily="18" charset="0"/>
+                <a:ea typeface="SimSun" panose="02010600030101010101" pitchFamily="2" charset="-122"/>
+              </a:rPr>
+              <a:t>HTMSerialization</a:t>
+            </a:r>
+            <a:r>
+              <a:rPr lang="en-US" sz="1800" dirty="0">
+                <a:effectLst/>
+                <a:latin typeface="Times New Roman" panose="02020603050405020304" pitchFamily="18" charset="0"/>
+                <a:ea typeface="SimSun" panose="02010600030101010101" pitchFamily="2" charset="-122"/>
+              </a:rPr>
+              <a:t> code was a worthwhile exercise that resulted in significant improvements to the codebase. It has made the code more maintainable, extensible, and testable, making it easier to work with and reducing the likelihood of introducing new bugs. Refactoring should be an ongoing process, and we should always strive to improve the quality of our code to ensure that it remains robust and easy to work with.</a:t>
+            </a:r>
+          </a:p>
+          <a:p>
+            <a:pPr algn="l"/>
             <a:endParaRPr lang="en-US" dirty="0"/>
           </a:p>
         </p:txBody>
@@ -7265,7 +6738,7 @@
           <a:p>
             <a:fld id="{02AC24A9-CCB6-4F8D-B8DB-C2F3692CFA5A}" type="datetimeFigureOut">
               <a:rPr lang="en-US" smtClean="0"/>
-              <a:t>3/29/2023</a:t>
+              <a:t>2/2/2024</a:t>
             </a:fld>
             <a:endParaRPr lang="en-US"/>
           </a:p>
@@ -7307,7 +6780,7 @@
           <a:p>
             <a:fld id="{B2DC25EE-239B-4C5F-AAD1-255A7D5F1EE2}" type="slidenum">
               <a:rPr lang="en-US" smtClean="0"/>
-              <a:t>‹Nº›</a:t>
+              <a:t>‹#›</a:t>
             </a:fld>
             <a:endParaRPr lang="en-US"/>
           </a:p>
@@ -7516,7 +6989,7 @@
           <a:p>
             <a:fld id="{02AC24A9-CCB6-4F8D-B8DB-C2F3692CFA5A}" type="datetimeFigureOut">
               <a:rPr lang="en-US" smtClean="0"/>
-              <a:t>3/29/2023</a:t>
+              <a:t>2/2/2024</a:t>
             </a:fld>
             <a:endParaRPr lang="en-US"/>
           </a:p>
@@ -7558,7 +7031,7 @@
           <a:p>
             <a:fld id="{B2DC25EE-239B-4C5F-AAD1-255A7D5F1EE2}" type="slidenum">
               <a:rPr lang="en-US" smtClean="0"/>
-              <a:t>‹Nº›</a:t>
+              <a:t>‹#›</a:t>
             </a:fld>
             <a:endParaRPr lang="en-US"/>
           </a:p>
@@ -7830,7 +7303,7 @@
           <a:p>
             <a:fld id="{02AC24A9-CCB6-4F8D-B8DB-C2F3692CFA5A}" type="datetimeFigureOut">
               <a:rPr lang="en-US" smtClean="0"/>
-              <a:t>3/29/2023</a:t>
+              <a:t>2/2/2024</a:t>
             </a:fld>
             <a:endParaRPr lang="en-US"/>
           </a:p>
@@ -7872,7 +7345,7 @@
           <a:p>
             <a:fld id="{B2DC25EE-239B-4C5F-AAD1-255A7D5F1EE2}" type="slidenum">
               <a:rPr lang="en-US" smtClean="0"/>
-              <a:t>‹Nº›</a:t>
+              <a:t>‹#›</a:t>
             </a:fld>
             <a:endParaRPr lang="en-US"/>
           </a:p>
@@ -8171,7 +7644,7 @@
           <a:p>
             <a:fld id="{02AC24A9-CCB6-4F8D-B8DB-C2F3692CFA5A}" type="datetimeFigureOut">
               <a:rPr lang="en-US" smtClean="0"/>
-              <a:t>3/29/2023</a:t>
+              <a:t>2/2/2024</a:t>
             </a:fld>
             <a:endParaRPr lang="en-US"/>
           </a:p>
@@ -8213,7 +7686,7 @@
           <a:p>
             <a:fld id="{B2DC25EE-239B-4C5F-AAD1-255A7D5F1EE2}" type="slidenum">
               <a:rPr lang="en-US" smtClean="0"/>
-              <a:t>‹Nº›</a:t>
+              <a:t>‹#›</a:t>
             </a:fld>
             <a:endParaRPr lang="en-US"/>
           </a:p>
@@ -8485,7 +7958,7 @@
           <a:p>
             <a:fld id="{02AC24A9-CCB6-4F8D-B8DB-C2F3692CFA5A}" type="datetimeFigureOut">
               <a:rPr lang="en-US" smtClean="0"/>
-              <a:t>3/29/2023</a:t>
+              <a:t>2/2/2024</a:t>
             </a:fld>
             <a:endParaRPr lang="en-US"/>
           </a:p>
@@ -8527,7 +8000,7 @@
           <a:p>
             <a:fld id="{B2DC25EE-239B-4C5F-AAD1-255A7D5F1EE2}" type="slidenum">
               <a:rPr lang="en-US" smtClean="0"/>
-              <a:t>‹Nº›</a:t>
+              <a:t>‹#›</a:t>
             </a:fld>
             <a:endParaRPr lang="en-US"/>
           </a:p>
@@ -8878,7 +8351,7 @@
           <a:p>
             <a:fld id="{02AC24A9-CCB6-4F8D-B8DB-C2F3692CFA5A}" type="datetimeFigureOut">
               <a:rPr lang="en-US" smtClean="0"/>
-              <a:t>3/29/2023</a:t>
+              <a:t>2/2/2024</a:t>
             </a:fld>
             <a:endParaRPr lang="en-US"/>
           </a:p>
@@ -8920,7 +8393,7 @@
           <a:p>
             <a:fld id="{B2DC25EE-239B-4C5F-AAD1-255A7D5F1EE2}" type="slidenum">
               <a:rPr lang="en-US" smtClean="0"/>
-              <a:t>‹Nº›</a:t>
+              <a:t>‹#›</a:t>
             </a:fld>
             <a:endParaRPr lang="en-US"/>
           </a:p>
@@ -9048,7 +8521,7 @@
           <a:p>
             <a:fld id="{02AC24A9-CCB6-4F8D-B8DB-C2F3692CFA5A}" type="datetimeFigureOut">
               <a:rPr lang="en-US" smtClean="0"/>
-              <a:t>3/29/2023</a:t>
+              <a:t>2/2/2024</a:t>
             </a:fld>
             <a:endParaRPr lang="en-US"/>
           </a:p>
@@ -9090,7 +8563,7 @@
           <a:p>
             <a:fld id="{B2DC25EE-239B-4C5F-AAD1-255A7D5F1EE2}" type="slidenum">
               <a:rPr lang="en-US" smtClean="0"/>
-              <a:t>‹Nº›</a:t>
+              <a:t>‹#›</a:t>
             </a:fld>
             <a:endParaRPr lang="en-US"/>
           </a:p>
@@ -9228,7 +8701,7 @@
           <a:p>
             <a:fld id="{02AC24A9-CCB6-4F8D-B8DB-C2F3692CFA5A}" type="datetimeFigureOut">
               <a:rPr lang="en-US" smtClean="0"/>
-              <a:t>3/29/2023</a:t>
+              <a:t>2/2/2024</a:t>
             </a:fld>
             <a:endParaRPr lang="en-US"/>
           </a:p>
@@ -9270,7 +8743,7 @@
           <a:p>
             <a:fld id="{B2DC25EE-239B-4C5F-AAD1-255A7D5F1EE2}" type="slidenum">
               <a:rPr lang="en-US" smtClean="0"/>
-              <a:t>‹Nº›</a:t>
+              <a:t>‹#›</a:t>
             </a:fld>
             <a:endParaRPr lang="en-US"/>
           </a:p>
@@ -9404,7 +8877,7 @@
           <a:p>
             <a:fld id="{02AC24A9-CCB6-4F8D-B8DB-C2F3692CFA5A}" type="datetimeFigureOut">
               <a:rPr lang="en-US" smtClean="0"/>
-              <a:t>3/29/2023</a:t>
+              <a:t>2/2/2024</a:t>
             </a:fld>
             <a:endParaRPr lang="en-US"/>
           </a:p>
@@ -9446,7 +8919,7 @@
           <a:p>
             <a:fld id="{B2DC25EE-239B-4C5F-AAD1-255A7D5F1EE2}" type="slidenum">
               <a:rPr lang="en-US" smtClean="0"/>
-              <a:t>‹Nº›</a:t>
+              <a:t>‹#›</a:t>
             </a:fld>
             <a:endParaRPr lang="en-US"/>
           </a:p>
@@ -9651,7 +9124,7 @@
           <a:p>
             <a:fld id="{02AC24A9-CCB6-4F8D-B8DB-C2F3692CFA5A}" type="datetimeFigureOut">
               <a:rPr lang="en-US" smtClean="0"/>
-              <a:t>3/29/2023</a:t>
+              <a:t>2/2/2024</a:t>
             </a:fld>
             <a:endParaRPr lang="en-US"/>
           </a:p>
@@ -9693,7 +9166,7 @@
           <a:p>
             <a:fld id="{B2DC25EE-239B-4C5F-AAD1-255A7D5F1EE2}" type="slidenum">
               <a:rPr lang="en-US" smtClean="0"/>
-              <a:t>‹Nº›</a:t>
+              <a:t>‹#›</a:t>
             </a:fld>
             <a:endParaRPr lang="en-US"/>
           </a:p>
@@ -9883,7 +9356,7 @@
           <a:p>
             <a:fld id="{02AC24A9-CCB6-4F8D-B8DB-C2F3692CFA5A}" type="datetimeFigureOut">
               <a:rPr lang="en-US" smtClean="0"/>
-              <a:t>3/29/2023</a:t>
+              <a:t>2/2/2024</a:t>
             </a:fld>
             <a:endParaRPr lang="en-US"/>
           </a:p>
@@ -9925,7 +9398,7 @@
           <a:p>
             <a:fld id="{B2DC25EE-239B-4C5F-AAD1-255A7D5F1EE2}" type="slidenum">
               <a:rPr lang="en-US" smtClean="0"/>
-              <a:t>‹Nº›</a:t>
+              <a:t>‹#›</a:t>
             </a:fld>
             <a:endParaRPr lang="en-US"/>
           </a:p>
@@ -10257,7 +9730,7 @@
           <a:p>
             <a:fld id="{02AC24A9-CCB6-4F8D-B8DB-C2F3692CFA5A}" type="datetimeFigureOut">
               <a:rPr lang="en-US" smtClean="0"/>
-              <a:t>3/29/2023</a:t>
+              <a:t>2/2/2024</a:t>
             </a:fld>
             <a:endParaRPr lang="en-US"/>
           </a:p>
@@ -10299,7 +9772,7 @@
           <a:p>
             <a:fld id="{B2DC25EE-239B-4C5F-AAD1-255A7D5F1EE2}" type="slidenum">
               <a:rPr lang="en-US" smtClean="0"/>
-              <a:t>‹Nº›</a:t>
+              <a:t>‹#›</a:t>
             </a:fld>
             <a:endParaRPr lang="en-US"/>
           </a:p>
@@ -10380,7 +9853,7 @@
           <a:p>
             <a:fld id="{02AC24A9-CCB6-4F8D-B8DB-C2F3692CFA5A}" type="datetimeFigureOut">
               <a:rPr lang="en-US" smtClean="0"/>
-              <a:t>3/29/2023</a:t>
+              <a:t>2/2/2024</a:t>
             </a:fld>
             <a:endParaRPr lang="en-US"/>
           </a:p>
@@ -10422,7 +9895,7 @@
           <a:p>
             <a:fld id="{B2DC25EE-239B-4C5F-AAD1-255A7D5F1EE2}" type="slidenum">
               <a:rPr lang="en-US" smtClean="0"/>
-              <a:t>‹Nº›</a:t>
+              <a:t>‹#›</a:t>
             </a:fld>
             <a:endParaRPr lang="en-US"/>
           </a:p>
@@ -10475,7 +9948,7 @@
           <a:p>
             <a:fld id="{02AC24A9-CCB6-4F8D-B8DB-C2F3692CFA5A}" type="datetimeFigureOut">
               <a:rPr lang="en-US" smtClean="0"/>
-              <a:t>3/29/2023</a:t>
+              <a:t>2/2/2024</a:t>
             </a:fld>
             <a:endParaRPr lang="en-US"/>
           </a:p>
@@ -10517,7 +9990,7 @@
           <a:p>
             <a:fld id="{B2DC25EE-239B-4C5F-AAD1-255A7D5F1EE2}" type="slidenum">
               <a:rPr lang="en-US" smtClean="0"/>
-              <a:t>‹Nº›</a:t>
+              <a:t>‹#›</a:t>
             </a:fld>
             <a:endParaRPr lang="en-US"/>
           </a:p>
@@ -10730,7 +10203,7 @@
           <a:p>
             <a:fld id="{02AC24A9-CCB6-4F8D-B8DB-C2F3692CFA5A}" type="datetimeFigureOut">
               <a:rPr lang="en-US" smtClean="0"/>
-              <a:t>3/29/2023</a:t>
+              <a:t>2/2/2024</a:t>
             </a:fld>
             <a:endParaRPr lang="en-US"/>
           </a:p>
@@ -10772,7 +10245,7 @@
           <a:p>
             <a:fld id="{B2DC25EE-239B-4C5F-AAD1-255A7D5F1EE2}" type="slidenum">
               <a:rPr lang="en-US" smtClean="0"/>
-              <a:t>‹Nº›</a:t>
+              <a:t>‹#›</a:t>
             </a:fld>
             <a:endParaRPr lang="en-US"/>
           </a:p>
@@ -10993,7 +10466,7 @@
           <a:p>
             <a:fld id="{02AC24A9-CCB6-4F8D-B8DB-C2F3692CFA5A}" type="datetimeFigureOut">
               <a:rPr lang="en-US" smtClean="0"/>
-              <a:t>3/29/2023</a:t>
+              <a:t>2/2/2024</a:t>
             </a:fld>
             <a:endParaRPr lang="en-US"/>
           </a:p>
@@ -11035,7 +10508,7 @@
           <a:p>
             <a:fld id="{B2DC25EE-239B-4C5F-AAD1-255A7D5F1EE2}" type="slidenum">
               <a:rPr lang="en-US" smtClean="0"/>
-              <a:t>‹Nº›</a:t>
+              <a:t>‹#›</a:t>
             </a:fld>
             <a:endParaRPr lang="en-US"/>
           </a:p>
@@ -11736,7 +11209,7 @@
           <a:p>
             <a:fld id="{02AC24A9-CCB6-4F8D-B8DB-C2F3692CFA5A}" type="datetimeFigureOut">
               <a:rPr lang="en-US" smtClean="0"/>
-              <a:t>3/29/2023</a:t>
+              <a:t>2/2/2024</a:t>
             </a:fld>
             <a:endParaRPr lang="en-US"/>
           </a:p>
@@ -11812,7 +11285,7 @@
           <a:p>
             <a:fld id="{B2DC25EE-239B-4C5F-AAD1-255A7D5F1EE2}" type="slidenum">
               <a:rPr lang="en-US" smtClean="0"/>
-              <a:t>‹Nº›</a:t>
+              <a:t>‹#›</a:t>
             </a:fld>
             <a:endParaRPr lang="en-US"/>
           </a:p>
@@ -12315,39 +11788,104 @@
         </p:nvSpPr>
         <p:spPr>
           <a:xfrm>
-            <a:off x="8668512" y="1122363"/>
-            <a:ext cx="3203448" cy="3204134"/>
+            <a:off x="8668512" y="1301115"/>
+            <a:ext cx="3523468" cy="3240647"/>
           </a:xfrm>
         </p:spPr>
         <p:txBody>
           <a:bodyPr anchor="b">
-            <a:normAutofit/>
+            <a:normAutofit fontScale="90000"/>
           </a:bodyPr>
           <a:lstStyle/>
           <a:p>
-            <a:r>
-              <a:rPr lang="tr-TR" sz="3600" dirty="0" err="1">
+            <a:pPr algn="ctr"/>
+            <a:br>
+              <a:rPr lang="en-US" sz="3600" dirty="0">
                 <a:solidFill>
                   <a:schemeClr val="tx1"/>
                 </a:solidFill>
               </a:rPr>
-              <a:t>Refactoring</a:t>
-            </a:r>
+            </a:br>
+            <a:br>
+              <a:rPr lang="en-US" sz="3600" dirty="0">
+                <a:solidFill>
+                  <a:schemeClr val="tx1"/>
+                </a:solidFill>
+              </a:rPr>
+            </a:br>
+            <a:r>
+              <a:rPr lang="en-US" sz="3600" dirty="0">
+                <a:solidFill>
+                  <a:schemeClr val="tx1"/>
+                </a:solidFill>
+              </a:rPr>
+              <a:t>Software Engineering</a:t>
+            </a:r>
+            <a:br>
+              <a:rPr lang="en-US" sz="3600" dirty="0">
+                <a:solidFill>
+                  <a:schemeClr val="tx1"/>
+                </a:solidFill>
+              </a:rPr>
+            </a:br>
+            <a:br>
+              <a:rPr lang="en-US" sz="3600" dirty="0">
+                <a:solidFill>
+                  <a:schemeClr val="tx1"/>
+                </a:solidFill>
+              </a:rPr>
+            </a:br>
+            <a:r>
+              <a:rPr lang="en-US" sz="3600" dirty="0">
+                <a:solidFill>
+                  <a:schemeClr val="tx1"/>
+                </a:solidFill>
+              </a:rPr>
+              <a:t>Presentation On</a:t>
+            </a:r>
+            <a:br>
+              <a:rPr lang="en-US" sz="3600" dirty="0">
+                <a:solidFill>
+                  <a:schemeClr val="tx1"/>
+                </a:solidFill>
+              </a:rPr>
+            </a:br>
+            <a:br>
+              <a:rPr lang="en-US" sz="3600" dirty="0">
+                <a:solidFill>
+                  <a:schemeClr val="tx1"/>
+                </a:solidFill>
+              </a:rPr>
+            </a:br>
             <a:r>
               <a:rPr lang="tr-TR" sz="3600" dirty="0">
                 <a:solidFill>
                   <a:schemeClr val="tx1"/>
                 </a:solidFill>
               </a:rPr>
-              <a:t> </a:t>
-            </a:r>
-            <a:r>
-              <a:rPr lang="tr-TR" sz="3600" dirty="0" err="1">
+              <a:t>Refactoring HtmSerializer</a:t>
+            </a:r>
+            <a:br>
+              <a:rPr lang="en-US" sz="3600" dirty="0">
                 <a:solidFill>
                   <a:schemeClr val="tx1"/>
                 </a:solidFill>
               </a:rPr>
-              <a:t>HtmSerializer</a:t>
+            </a:br>
+            <a:br>
+              <a:rPr lang="en-US" sz="3600" dirty="0">
+                <a:solidFill>
+                  <a:schemeClr val="tx1"/>
+                </a:solidFill>
+              </a:rPr>
+            </a:br>
+            <a:r>
+              <a:rPr lang="en-US" sz="3600" dirty="0">
+                <a:solidFill>
+                  <a:schemeClr val="tx1"/>
+                </a:solidFill>
+              </a:rPr>
+              <a:t>Presented by</a:t>
             </a:r>
             <a:endParaRPr lang="en-IN" sz="3600" dirty="0">
               <a:solidFill>
@@ -12371,8 +11909,8 @@
         </p:nvSpPr>
         <p:spPr>
           <a:xfrm>
-            <a:off x="9749643" y="4572000"/>
-            <a:ext cx="1864426" cy="923330"/>
+            <a:off x="10073493" y="5064442"/>
+            <a:ext cx="1864426" cy="984885"/>
           </a:xfrm>
           <a:prstGeom prst="rect">
             <a:avLst/>
@@ -12386,37 +11924,34 @@
           <a:lstStyle/>
           <a:p>
             <a:r>
-              <a:rPr lang="es-ES" dirty="0" err="1"/>
+              <a:rPr lang="es-ES" sz="2000" b="1" dirty="0" err="1"/>
               <a:t>Khaled</a:t>
             </a:r>
             <a:r>
-              <a:rPr lang="es-ES" dirty="0"/>
+              <a:rPr lang="es-ES" sz="2000" b="1" dirty="0"/>
               <a:t> </a:t>
             </a:r>
             <a:r>
-              <a:rPr lang="es-ES" dirty="0" err="1"/>
+              <a:rPr lang="es-ES" sz="2000" b="1" dirty="0" err="1"/>
               <a:t>Kandil</a:t>
             </a:r>
             <a:r>
-              <a:rPr lang="es-ES" dirty="0"/>
+              <a:rPr lang="es-ES" sz="2000" b="1" dirty="0"/>
               <a:t> </a:t>
             </a:r>
           </a:p>
           <a:p>
             <a:r>
-              <a:rPr lang="es-ES" dirty="0" err="1"/>
+              <a:rPr lang="es-ES" sz="2000" b="1" dirty="0" err="1"/>
               <a:t>Erdi</a:t>
             </a:r>
             <a:r>
-              <a:rPr lang="es-ES" dirty="0"/>
+              <a:rPr lang="es-ES" sz="2000" b="1" dirty="0"/>
               <a:t> Tras</a:t>
             </a:r>
           </a:p>
           <a:p>
-            <a:r>
-              <a:rPr lang="es-ES" dirty="0"/>
-              <a:t>María Sanz Piña</a:t>
-            </a:r>
+            <a:endParaRPr lang="es-ES" dirty="0"/>
           </a:p>
         </p:txBody>
       </p:sp>
@@ -12775,66 +12310,471 @@
           </a:p>
         </p:txBody>
       </p:sp>
-      <p:pic>
-        <p:nvPicPr>
-          <p:cNvPr id="9" name="Imagen 8">
+      <p:sp>
+        <p:nvSpPr>
+          <p:cNvPr id="5" name="Metin kutusu 4">
             <a:extLst>
               <a:ext uri="{FF2B5EF4-FFF2-40B4-BE49-F238E27FC236}">
-                <a16:creationId xmlns:a16="http://schemas.microsoft.com/office/drawing/2014/main" id="{6E1A9323-CCB9-1867-D7C4-CF555259EC20}"/>
+                <a16:creationId xmlns:a16="http://schemas.microsoft.com/office/drawing/2014/main" id="{4A8AE693-1DE4-E580-544D-51103B4CBD58}"/>
               </a:ext>
             </a:extLst>
           </p:cNvPr>
-          <p:cNvPicPr>
-            <a:picLocks noChangeAspect="1"/>
-          </p:cNvPicPr>
+          <p:cNvSpPr txBox="1"/>
           <p:nvPr/>
-        </p:nvPicPr>
-        <p:blipFill>
-          <a:blip r:embed="rId3"/>
-          <a:stretch>
-            <a:fillRect/>
-          </a:stretch>
-        </p:blipFill>
+        </p:nvSpPr>
         <p:spPr>
           <a:xfrm>
-            <a:off x="6199632" y="2561565"/>
-            <a:ext cx="5689892" cy="3168813"/>
+            <a:off x="677334" y="4785331"/>
+            <a:ext cx="8596668" cy="1354217"/>
           </a:xfrm>
           <a:prstGeom prst="rect">
             <a:avLst/>
           </a:prstGeom>
+          <a:noFill/>
         </p:spPr>
-      </p:pic>
-      <p:pic>
-        <p:nvPicPr>
-          <p:cNvPr id="4" name="Imagen 3">
+        <p:txBody>
+          <a:bodyPr wrap="square" rtlCol="0">
+            <a:spAutoFit/>
+          </a:bodyPr>
+          <a:lstStyle/>
+          <a:p>
+            <a:r>
+              <a:rPr lang="tr-TR" sz="1800" dirty="0">
+                <a:effectLst/>
+                <a:latin typeface="Times New Roman" panose="02020603050405020304" pitchFamily="18" charset="0"/>
+                <a:ea typeface="SimSun" panose="02010600030101010101" pitchFamily="2" charset="-122"/>
+                <a:sym typeface="Wingdings" panose="05000000000000000000" pitchFamily="2" charset="2"/>
+              </a:rPr>
+              <a:t> </a:t>
+            </a:r>
+            <a:r>
+              <a:rPr lang="tr-TR" sz="1600" dirty="0">
+                <a:effectLst/>
+                <a:latin typeface="Times New Roman" panose="02020603050405020304" pitchFamily="18" charset="0"/>
+                <a:ea typeface="SimSun" panose="02010600030101010101" pitchFamily="2" charset="-122"/>
+              </a:rPr>
+              <a:t>Class</a:t>
+            </a:r>
+            <a:r>
+              <a:rPr lang="en-US" sz="1600" dirty="0">
+                <a:effectLst/>
+                <a:latin typeface="Times New Roman" panose="02020603050405020304" pitchFamily="18" charset="0"/>
+                <a:ea typeface="SimSun" panose="02010600030101010101" pitchFamily="2" charset="-122"/>
+              </a:rPr>
+              <a:t> is used to serialize and deserialize various data types, such as primitive types, dictionaries, lists, and custom objects. The class provides methods for serializing and deserializing values of different types, such as int, double, string, long, bool, and arrays. It also provides methods for serializing and deserializing custom objects, such as Synapse, </a:t>
+            </a:r>
+            <a:r>
+              <a:rPr lang="en-US" sz="1600" dirty="0" err="1">
+                <a:effectLst/>
+                <a:latin typeface="Times New Roman" panose="02020603050405020304" pitchFamily="18" charset="0"/>
+                <a:ea typeface="SimSun" panose="02010600030101010101" pitchFamily="2" charset="-122"/>
+              </a:rPr>
+              <a:t>DistalDendrite</a:t>
+            </a:r>
+            <a:r>
+              <a:rPr lang="en-US" sz="1600" dirty="0">
+                <a:effectLst/>
+                <a:latin typeface="Times New Roman" panose="02020603050405020304" pitchFamily="18" charset="0"/>
+                <a:ea typeface="SimSun" panose="02010600030101010101" pitchFamily="2" charset="-122"/>
+              </a:rPr>
+              <a:t>, Cell, and dictionaries with custom keys and values. The class also includes a method for checking if two objects are equal.</a:t>
+            </a:r>
+            <a:endParaRPr lang="en-GB" sz="1600" dirty="0"/>
+          </a:p>
+        </p:txBody>
+      </p:sp>
+      <p:sp>
+        <p:nvSpPr>
+          <p:cNvPr id="6" name="Metin kutusu 5">
             <a:extLst>
               <a:ext uri="{FF2B5EF4-FFF2-40B4-BE49-F238E27FC236}">
-                <a16:creationId xmlns:a16="http://schemas.microsoft.com/office/drawing/2014/main" id="{742EB2B9-952D-624B-DE9F-037F9166750D}"/>
+                <a16:creationId xmlns:a16="http://schemas.microsoft.com/office/drawing/2014/main" id="{473B0AC3-5475-5389-EBA7-C63C4AD44A7C}"/>
               </a:ext>
             </a:extLst>
           </p:cNvPr>
-          <p:cNvPicPr>
-            <a:picLocks noChangeAspect="1"/>
-          </p:cNvPicPr>
+          <p:cNvSpPr txBox="1"/>
           <p:nvPr/>
-        </p:nvPicPr>
-        <p:blipFill>
-          <a:blip r:embed="rId4"/>
-          <a:stretch>
-            <a:fillRect/>
-          </a:stretch>
-        </p:blipFill>
+        </p:nvSpPr>
         <p:spPr>
           <a:xfrm>
-            <a:off x="302476" y="2525280"/>
-            <a:ext cx="5895631" cy="3262050"/>
+            <a:off x="677334" y="1403166"/>
+            <a:ext cx="8596668" cy="1815882"/>
           </a:xfrm>
           <a:prstGeom prst="rect">
             <a:avLst/>
           </a:prstGeom>
+          <a:noFill/>
         </p:spPr>
-      </p:pic>
+        <p:txBody>
+          <a:bodyPr wrap="square" rtlCol="0">
+            <a:spAutoFit/>
+          </a:bodyPr>
+          <a:lstStyle/>
+          <a:p>
+            <a:pPr algn="just"/>
+            <a:r>
+              <a:rPr lang="tr-TR" sz="1600" dirty="0">
+                <a:effectLst/>
+                <a:latin typeface="Times New Roman" panose="02020603050405020304" pitchFamily="18" charset="0"/>
+                <a:ea typeface="SimSun" panose="02010600030101010101" pitchFamily="2" charset="-122"/>
+                <a:sym typeface="Wingdings" panose="05000000000000000000" pitchFamily="2" charset="2"/>
+              </a:rPr>
+              <a:t></a:t>
+            </a:r>
+            <a:r>
+              <a:rPr lang="en-US" sz="1600" dirty="0">
+                <a:effectLst/>
+                <a:latin typeface="Times New Roman" panose="02020603050405020304" pitchFamily="18" charset="0"/>
+                <a:ea typeface="SimSun" panose="02010600030101010101" pitchFamily="2" charset="-122"/>
+              </a:rPr>
+              <a:t>Two methods named Serialize() and Deserialize have been implemented under </a:t>
+            </a:r>
+            <a:r>
+              <a:rPr lang="en-US" sz="1600" dirty="0" err="1">
+                <a:effectLst/>
+                <a:latin typeface="Times New Roman" panose="02020603050405020304" pitchFamily="18" charset="0"/>
+                <a:ea typeface="SimSun" panose="02010600030101010101" pitchFamily="2" charset="-122"/>
+              </a:rPr>
+              <a:t>NeoCortexApi</a:t>
+            </a:r>
+            <a:r>
+              <a:rPr lang="en-US" sz="1600" dirty="0">
+                <a:effectLst/>
+                <a:latin typeface="Times New Roman" panose="02020603050405020304" pitchFamily="18" charset="0"/>
+                <a:ea typeface="SimSun" panose="02010600030101010101" pitchFamily="2" charset="-122"/>
+              </a:rPr>
+              <a:t> directory in HTM and they are the two main methods of our project. This </a:t>
+            </a:r>
+            <a:r>
+              <a:rPr lang="en-US" sz="1600" dirty="0" err="1">
+                <a:effectLst/>
+                <a:latin typeface="Times New Roman" panose="02020603050405020304" pitchFamily="18" charset="0"/>
+                <a:ea typeface="SimSun" panose="02010600030101010101" pitchFamily="2" charset="-122"/>
+              </a:rPr>
+              <a:t>Seralize</a:t>
+            </a:r>
+            <a:r>
+              <a:rPr lang="en-US" sz="1600" dirty="0">
+                <a:effectLst/>
+                <a:latin typeface="Times New Roman" panose="02020603050405020304" pitchFamily="18" charset="0"/>
+                <a:ea typeface="SimSun" panose="02010600030101010101" pitchFamily="2" charset="-122"/>
+              </a:rPr>
+              <a:t> function creates an instance of the </a:t>
+            </a:r>
+            <a:r>
+              <a:rPr lang="en-US" sz="1600" dirty="0" err="1">
+                <a:effectLst/>
+                <a:latin typeface="Times New Roman" panose="02020603050405020304" pitchFamily="18" charset="0"/>
+                <a:ea typeface="SimSun" panose="02010600030101010101" pitchFamily="2" charset="-122"/>
+              </a:rPr>
+              <a:t>HtmSerializer</a:t>
+            </a:r>
+            <a:r>
+              <a:rPr lang="en-US" sz="1600" dirty="0">
+                <a:effectLst/>
+                <a:latin typeface="Times New Roman" panose="02020603050405020304" pitchFamily="18" charset="0"/>
+                <a:ea typeface="SimSun" panose="02010600030101010101" pitchFamily="2" charset="-122"/>
+              </a:rPr>
+              <a:t> class and initiates functions called </a:t>
+            </a:r>
+            <a:r>
+              <a:rPr lang="en-US" sz="1600" dirty="0" err="1">
+                <a:effectLst/>
+                <a:latin typeface="Times New Roman" panose="02020603050405020304" pitchFamily="18" charset="0"/>
+                <a:ea typeface="SimSun" panose="02010600030101010101" pitchFamily="2" charset="-122"/>
+              </a:rPr>
+              <a:t>SerializeBegin</a:t>
+            </a:r>
+            <a:r>
+              <a:rPr lang="en-US" sz="1600" dirty="0">
+                <a:effectLst/>
+                <a:latin typeface="Times New Roman" panose="02020603050405020304" pitchFamily="18" charset="0"/>
+                <a:ea typeface="SimSun" panose="02010600030101010101" pitchFamily="2" charset="-122"/>
+              </a:rPr>
+              <a:t> and </a:t>
+            </a:r>
+            <a:r>
+              <a:rPr lang="en-US" sz="1600" dirty="0" err="1">
+                <a:effectLst/>
+                <a:latin typeface="Times New Roman" panose="02020603050405020304" pitchFamily="18" charset="0"/>
+                <a:ea typeface="SimSun" panose="02010600030101010101" pitchFamily="2" charset="-122"/>
+              </a:rPr>
+              <a:t>SerializeEnd</a:t>
+            </a:r>
+            <a:r>
+              <a:rPr lang="en-US" sz="1600" dirty="0">
+                <a:effectLst/>
+                <a:latin typeface="Times New Roman" panose="02020603050405020304" pitchFamily="18" charset="0"/>
+                <a:ea typeface="SimSun" panose="02010600030101010101" pitchFamily="2" charset="-122"/>
+              </a:rPr>
+              <a:t>.</a:t>
+            </a:r>
+            <a:endParaRPr lang="en-GB" sz="1600" dirty="0">
+              <a:effectLst/>
+              <a:latin typeface="Times New Roman" panose="02020603050405020304" pitchFamily="18" charset="0"/>
+              <a:ea typeface="SimSun" panose="02010600030101010101" pitchFamily="2" charset="-122"/>
+            </a:endParaRPr>
+          </a:p>
+          <a:p>
+            <a:pPr algn="just"/>
+            <a:r>
+              <a:rPr lang="en-US" sz="1600" dirty="0">
+                <a:effectLst/>
+                <a:latin typeface="Times New Roman" panose="02020603050405020304" pitchFamily="18" charset="0"/>
+                <a:ea typeface="SimSun" panose="02010600030101010101" pitchFamily="2" charset="-122"/>
+              </a:rPr>
+              <a:t> </a:t>
+            </a:r>
+            <a:r>
+              <a:rPr lang="tr-TR" sz="1600" dirty="0">
+                <a:effectLst/>
+                <a:latin typeface="Times New Roman" panose="02020603050405020304" pitchFamily="18" charset="0"/>
+                <a:ea typeface="SimSun" panose="02010600030101010101" pitchFamily="2" charset="-122"/>
+                <a:sym typeface="Wingdings" panose="05000000000000000000" pitchFamily="2" charset="2"/>
+              </a:rPr>
+              <a:t></a:t>
+            </a:r>
+            <a:r>
+              <a:rPr lang="en-US" sz="1600" dirty="0">
+                <a:effectLst/>
+                <a:latin typeface="Times New Roman" panose="02020603050405020304" pitchFamily="18" charset="0"/>
+                <a:ea typeface="SimSun" panose="02010600030101010101" pitchFamily="2" charset="-122"/>
+              </a:rPr>
+              <a:t>The methods Serialize Begin and Serialize End are both formatting methods and indicate the start and end respectively of the serialize object.</a:t>
+            </a:r>
+            <a:r>
+              <a:rPr lang="tr-TR" sz="1600" dirty="0">
+                <a:latin typeface="Times New Roman" panose="02020603050405020304" pitchFamily="18" charset="0"/>
+                <a:ea typeface="SimSun" panose="02010600030101010101" pitchFamily="2" charset="-122"/>
+              </a:rPr>
+              <a:t> </a:t>
+            </a:r>
+          </a:p>
+          <a:p>
+            <a:pPr algn="just"/>
+            <a:r>
+              <a:rPr lang="tr-TR" sz="1600" dirty="0">
+                <a:effectLst/>
+                <a:latin typeface="Times New Roman" panose="02020603050405020304" pitchFamily="18" charset="0"/>
+                <a:ea typeface="SimSun" panose="02010600030101010101" pitchFamily="2" charset="-122"/>
+                <a:sym typeface="Wingdings" panose="05000000000000000000" pitchFamily="2" charset="2"/>
+              </a:rPr>
+              <a:t> </a:t>
+            </a:r>
+            <a:r>
+              <a:rPr lang="en-US" sz="1600" dirty="0">
+                <a:effectLst/>
+                <a:latin typeface="Times New Roman" panose="02020603050405020304" pitchFamily="18" charset="0"/>
+                <a:ea typeface="SimSun" panose="02010600030101010101" pitchFamily="2" charset="-122"/>
+              </a:rPr>
+              <a:t>The Serialize method is used to serialize an object to a string, and the Deserialize method is used to deserialize a string to an object. </a:t>
+            </a:r>
+            <a:endParaRPr lang="en-GB" sz="1600" dirty="0"/>
+          </a:p>
+        </p:txBody>
+      </p:sp>
+      <p:sp>
+        <p:nvSpPr>
+          <p:cNvPr id="7" name="Metin kutusu 6">
+            <a:extLst>
+              <a:ext uri="{FF2B5EF4-FFF2-40B4-BE49-F238E27FC236}">
+                <a16:creationId xmlns:a16="http://schemas.microsoft.com/office/drawing/2014/main" id="{5A3876F0-2D84-EFE2-A4D2-8DB73367E160}"/>
+              </a:ext>
+            </a:extLst>
+          </p:cNvPr>
+          <p:cNvSpPr txBox="1"/>
+          <p:nvPr/>
+        </p:nvSpPr>
+        <p:spPr>
+          <a:xfrm>
+            <a:off x="677334" y="3534036"/>
+            <a:ext cx="8596668" cy="830997"/>
+          </a:xfrm>
+          <a:prstGeom prst="rect">
+            <a:avLst/>
+          </a:prstGeom>
+          <a:noFill/>
+        </p:spPr>
+        <p:txBody>
+          <a:bodyPr wrap="square" rtlCol="0">
+            <a:spAutoFit/>
+          </a:bodyPr>
+          <a:lstStyle/>
+          <a:p>
+            <a:pPr algn="just"/>
+            <a:r>
+              <a:rPr lang="tr-TR" sz="1600" dirty="0">
+                <a:effectLst/>
+                <a:latin typeface="Times New Roman" panose="02020603050405020304" pitchFamily="18" charset="0"/>
+                <a:ea typeface="SimSun" panose="02010600030101010101" pitchFamily="2" charset="-122"/>
+                <a:sym typeface="Wingdings" panose="05000000000000000000" pitchFamily="2" charset="2"/>
+              </a:rPr>
+              <a:t></a:t>
+            </a:r>
+            <a:r>
+              <a:rPr lang="en-US" sz="1600" dirty="0">
+                <a:effectLst/>
+                <a:latin typeface="Times New Roman" panose="02020603050405020304" pitchFamily="18" charset="0"/>
+                <a:ea typeface="SimSun" panose="02010600030101010101" pitchFamily="2" charset="-122"/>
+              </a:rPr>
+              <a:t>Here’s the </a:t>
+            </a:r>
+            <a:r>
+              <a:rPr lang="tr-TR" sz="1600" dirty="0" err="1">
+                <a:effectLst/>
+                <a:latin typeface="Times New Roman" panose="02020603050405020304" pitchFamily="18" charset="0"/>
+                <a:ea typeface="SimSun" panose="02010600030101010101" pitchFamily="2" charset="-122"/>
+              </a:rPr>
+              <a:t>some</a:t>
+            </a:r>
+            <a:r>
+              <a:rPr lang="tr-TR" sz="1600" dirty="0">
+                <a:effectLst/>
+                <a:latin typeface="Times New Roman" panose="02020603050405020304" pitchFamily="18" charset="0"/>
+                <a:ea typeface="SimSun" panose="02010600030101010101" pitchFamily="2" charset="-122"/>
+              </a:rPr>
+              <a:t> main </a:t>
+            </a:r>
+            <a:r>
+              <a:rPr lang="en-US" sz="1600" dirty="0">
+                <a:effectLst/>
+                <a:latin typeface="Times New Roman" panose="02020603050405020304" pitchFamily="18" charset="0"/>
+                <a:ea typeface="SimSun" panose="02010600030101010101" pitchFamily="2" charset="-122"/>
+              </a:rPr>
+              <a:t>refactored methods for Serialization Part</a:t>
+            </a:r>
+            <a:r>
+              <a:rPr lang="tr-TR" sz="1600" dirty="0">
+                <a:effectLst/>
+                <a:latin typeface="Times New Roman" panose="02020603050405020304" pitchFamily="18" charset="0"/>
+                <a:ea typeface="SimSun" panose="02010600030101010101" pitchFamily="2" charset="-122"/>
+              </a:rPr>
+              <a:t>. </a:t>
+            </a:r>
+            <a:r>
+              <a:rPr lang="en-US" sz="1600" dirty="0">
+                <a:effectLst/>
+                <a:latin typeface="Times New Roman" panose="02020603050405020304" pitchFamily="18" charset="0"/>
+                <a:ea typeface="SimSun" panose="02010600030101010101" pitchFamily="2" charset="-122"/>
+              </a:rPr>
+              <a:t>The interface contains the following methods:</a:t>
+            </a:r>
+            <a:endParaRPr lang="tr-TR" sz="1600" dirty="0">
+              <a:effectLst/>
+              <a:latin typeface="Times New Roman" panose="02020603050405020304" pitchFamily="18" charset="0"/>
+              <a:ea typeface="SimSun" panose="02010600030101010101" pitchFamily="2" charset="-122"/>
+            </a:endParaRPr>
+          </a:p>
+          <a:p>
+            <a:pPr algn="just"/>
+            <a:r>
+              <a:rPr lang="tr-TR" sz="1600" dirty="0">
+                <a:effectLst/>
+                <a:latin typeface="Times New Roman" panose="02020603050405020304" pitchFamily="18" charset="0"/>
+                <a:ea typeface="SimSun" panose="02010600030101010101" pitchFamily="2" charset="-122"/>
+              </a:rPr>
+              <a:t> </a:t>
+            </a:r>
+            <a:r>
+              <a:rPr lang="tr-TR" sz="1600" dirty="0" err="1">
+                <a:effectLst/>
+                <a:latin typeface="Times New Roman" panose="02020603050405020304" pitchFamily="18" charset="0"/>
+                <a:ea typeface="SimSun" panose="02010600030101010101" pitchFamily="2" charset="-122"/>
+              </a:rPr>
+              <a:t>Readbegin</a:t>
+            </a:r>
+            <a:r>
+              <a:rPr lang="tr-TR" sz="1600" dirty="0">
+                <a:effectLst/>
+                <a:latin typeface="Times New Roman" panose="02020603050405020304" pitchFamily="18" charset="0"/>
+                <a:ea typeface="SimSun" panose="02010600030101010101" pitchFamily="2" charset="-122"/>
+              </a:rPr>
+              <a:t>, </a:t>
+            </a:r>
+            <a:r>
+              <a:rPr lang="tr-TR" sz="1600" dirty="0" err="1">
+                <a:effectLst/>
+                <a:latin typeface="Times New Roman" panose="02020603050405020304" pitchFamily="18" charset="0"/>
+                <a:ea typeface="SimSun" panose="02010600030101010101" pitchFamily="2" charset="-122"/>
+              </a:rPr>
+              <a:t>ReadGenericBegin</a:t>
+            </a:r>
+            <a:r>
+              <a:rPr lang="tr-TR" sz="1600" dirty="0">
+                <a:effectLst/>
+                <a:latin typeface="Times New Roman" panose="02020603050405020304" pitchFamily="18" charset="0"/>
+                <a:ea typeface="SimSun" panose="02010600030101010101" pitchFamily="2" charset="-122"/>
+              </a:rPr>
+              <a:t>, </a:t>
+            </a:r>
+            <a:r>
+              <a:rPr lang="tr-TR" sz="1600" dirty="0" err="1">
+                <a:effectLst/>
+                <a:latin typeface="Times New Roman" panose="02020603050405020304" pitchFamily="18" charset="0"/>
+                <a:ea typeface="SimSun" panose="02010600030101010101" pitchFamily="2" charset="-122"/>
+              </a:rPr>
+              <a:t>ReadEnd</a:t>
+            </a:r>
+            <a:r>
+              <a:rPr lang="tr-TR" sz="1600" dirty="0">
+                <a:effectLst/>
+                <a:latin typeface="Times New Roman" panose="02020603050405020304" pitchFamily="18" charset="0"/>
+                <a:ea typeface="SimSun" panose="02010600030101010101" pitchFamily="2" charset="-122"/>
+              </a:rPr>
+              <a:t>, </a:t>
+            </a:r>
+            <a:r>
+              <a:rPr lang="tr-TR" sz="1600" dirty="0" err="1">
+                <a:effectLst/>
+                <a:latin typeface="Times New Roman" panose="02020603050405020304" pitchFamily="18" charset="0"/>
+                <a:ea typeface="SimSun" panose="02010600030101010101" pitchFamily="2" charset="-122"/>
+              </a:rPr>
+              <a:t>ReadGenericEnd</a:t>
+            </a:r>
+            <a:r>
+              <a:rPr lang="tr-TR" sz="1600" dirty="0">
+                <a:effectLst/>
+                <a:latin typeface="Times New Roman" panose="02020603050405020304" pitchFamily="18" charset="0"/>
+                <a:ea typeface="SimSun" panose="02010600030101010101" pitchFamily="2" charset="-122"/>
+              </a:rPr>
+              <a:t>, </a:t>
+            </a:r>
+            <a:r>
+              <a:rPr lang="tr-TR" sz="1600" dirty="0" err="1">
+                <a:effectLst/>
+                <a:latin typeface="Times New Roman" panose="02020603050405020304" pitchFamily="18" charset="0"/>
+                <a:ea typeface="SimSun" panose="02010600030101010101" pitchFamily="2" charset="-122"/>
+              </a:rPr>
+              <a:t>SerializeBegin</a:t>
+            </a:r>
+            <a:r>
+              <a:rPr lang="tr-TR" sz="1600" dirty="0">
+                <a:effectLst/>
+                <a:latin typeface="Times New Roman" panose="02020603050405020304" pitchFamily="18" charset="0"/>
+                <a:ea typeface="SimSun" panose="02010600030101010101" pitchFamily="2" charset="-122"/>
+              </a:rPr>
+              <a:t>, </a:t>
+            </a:r>
+            <a:r>
+              <a:rPr lang="tr-TR" sz="1600" dirty="0" err="1">
+                <a:effectLst/>
+                <a:latin typeface="Times New Roman" panose="02020603050405020304" pitchFamily="18" charset="0"/>
+                <a:ea typeface="SimSun" panose="02010600030101010101" pitchFamily="2" charset="-122"/>
+              </a:rPr>
+              <a:t>SerializeEnd</a:t>
+            </a:r>
+            <a:r>
+              <a:rPr lang="tr-TR" sz="1600" dirty="0">
+                <a:effectLst/>
+                <a:latin typeface="Times New Roman" panose="02020603050405020304" pitchFamily="18" charset="0"/>
+                <a:ea typeface="SimSun" panose="02010600030101010101" pitchFamily="2" charset="-122"/>
+              </a:rPr>
+              <a:t>..</a:t>
+            </a:r>
+            <a:endParaRPr lang="en-GB" sz="1600" dirty="0"/>
+          </a:p>
+        </p:txBody>
+      </p:sp>
     </p:spTree>
     <p:extLst>
       <p:ext uri="{BB962C8B-B14F-4D97-AF65-F5344CB8AC3E}">
@@ -12891,16 +12831,8 @@
               <a:t>Refactoring</a:t>
             </a:r>
             <a:r>
-              <a:rPr lang="en-IN" dirty="0"/>
-              <a:t> &amp; </a:t>
-            </a:r>
-            <a:r>
-              <a:rPr lang="tr-TR" dirty="0"/>
-              <a:t>Unit Tests</a:t>
-            </a:r>
-            <a:r>
-              <a:rPr lang="es-ES" dirty="0"/>
-              <a:t> </a:t>
+              <a:rPr lang="en-US" dirty="0"/>
+              <a:t> &amp; Unit Tests</a:t>
             </a:r>
             <a:endParaRPr lang="en-IN" dirty="0"/>
           </a:p>
@@ -12955,8 +12887,8 @@
         </p:nvSpPr>
         <p:spPr>
           <a:xfrm>
-            <a:off x="908304" y="2400979"/>
-            <a:ext cx="10375392" cy="646331"/>
+            <a:off x="800867" y="1488050"/>
+            <a:ext cx="10375392" cy="1077218"/>
           </a:xfrm>
           <a:prstGeom prst="rect">
             <a:avLst/>
@@ -12970,9 +12902,110 @@
           <a:lstStyle/>
           <a:p>
             <a:r>
-              <a:rPr lang="en-US" dirty="0"/>
+              <a:rPr lang="en-US" sz="1600" dirty="0"/>
               <a:t>Refactoring: is the process of improving the structure and design of existing code without changing its external behavior.</a:t>
             </a:r>
+            <a:r>
+              <a:rPr lang="tr-TR" sz="1600" dirty="0"/>
+              <a:t> </a:t>
+            </a:r>
+            <a:r>
+              <a:rPr lang="tr-TR" sz="1600" dirty="0" err="1"/>
+              <a:t>It</a:t>
+            </a:r>
+            <a:r>
+              <a:rPr lang="tr-TR" sz="1600" dirty="0"/>
+              <a:t> has two main </a:t>
+            </a:r>
+            <a:r>
+              <a:rPr lang="tr-TR" sz="1600" dirty="0" err="1"/>
+              <a:t>steps</a:t>
+            </a:r>
+            <a:r>
+              <a:rPr lang="tr-TR" sz="1600" dirty="0"/>
+              <a:t>; </a:t>
+            </a:r>
+          </a:p>
+          <a:p>
+            <a:r>
+              <a:rPr lang="tr-TR" sz="1600" dirty="0"/>
+              <a:t>1) </a:t>
+            </a:r>
+            <a:r>
+              <a:rPr lang="en-US" sz="1600" dirty="0">
+                <a:effectLst/>
+                <a:latin typeface="Times New Roman" panose="02020603050405020304" pitchFamily="18" charset="0"/>
+                <a:ea typeface="SimSun" panose="02010600030101010101" pitchFamily="2" charset="-122"/>
+              </a:rPr>
+              <a:t>Firstly, create an interface </a:t>
+            </a:r>
+            <a:r>
+              <a:rPr lang="en-US" sz="1600" b="1" dirty="0" err="1">
+                <a:effectLst/>
+                <a:latin typeface="Times New Roman" panose="02020603050405020304" pitchFamily="18" charset="0"/>
+                <a:ea typeface="SimSun" panose="02010600030101010101" pitchFamily="2" charset="-122"/>
+              </a:rPr>
+              <a:t>HtmSerializationFormatter</a:t>
+            </a:r>
+            <a:r>
+              <a:rPr lang="en-US" sz="1600" dirty="0">
+                <a:effectLst/>
+                <a:latin typeface="Times New Roman" panose="02020603050405020304" pitchFamily="18" charset="0"/>
+                <a:ea typeface="SimSun" panose="02010600030101010101" pitchFamily="2" charset="-122"/>
+              </a:rPr>
+              <a:t> that contains all formatting methods</a:t>
+            </a:r>
+            <a:r>
+              <a:rPr lang="tr-TR" sz="1600" dirty="0">
+                <a:effectLst/>
+                <a:latin typeface="Times New Roman" panose="02020603050405020304" pitchFamily="18" charset="0"/>
+                <a:ea typeface="SimSun" panose="02010600030101010101" pitchFamily="2" charset="-122"/>
+              </a:rPr>
+              <a:t>.</a:t>
+            </a:r>
+          </a:p>
+          <a:p>
+            <a:pPr algn="l"/>
+            <a:r>
+              <a:rPr lang="tr-TR" sz="1600" dirty="0">
+                <a:latin typeface="Times New Roman" panose="02020603050405020304" pitchFamily="18" charset="0"/>
+                <a:ea typeface="SimSun" panose="02010600030101010101" pitchFamily="2" charset="-122"/>
+              </a:rPr>
+              <a:t> 2) </a:t>
+            </a:r>
+            <a:r>
+              <a:rPr lang="en-US" sz="1600" dirty="0">
+                <a:effectLst/>
+                <a:latin typeface="Times New Roman" panose="02020603050405020304" pitchFamily="18" charset="0"/>
+                <a:ea typeface="SimSun" panose="02010600030101010101" pitchFamily="2" charset="-122"/>
+              </a:rPr>
+              <a:t>create the class </a:t>
+            </a:r>
+            <a:r>
+              <a:rPr lang="en-US" sz="1600" b="1" dirty="0" err="1">
+                <a:effectLst/>
+                <a:latin typeface="Times New Roman" panose="02020603050405020304" pitchFamily="18" charset="0"/>
+                <a:ea typeface="SimSun" panose="02010600030101010101" pitchFamily="2" charset="-122"/>
+              </a:rPr>
+              <a:t>HtmDefaultTextFormatter</a:t>
+            </a:r>
+            <a:r>
+              <a:rPr lang="en-US" sz="1600" dirty="0">
+                <a:effectLst/>
+                <a:latin typeface="Times New Roman" panose="02020603050405020304" pitchFamily="18" charset="0"/>
+                <a:ea typeface="SimSun" panose="02010600030101010101" pitchFamily="2" charset="-122"/>
+              </a:rPr>
+              <a:t> that implements all formatting methods</a:t>
+            </a:r>
+            <a:r>
+              <a:rPr lang="tr-TR" sz="1600" dirty="0">
+                <a:effectLst/>
+                <a:latin typeface="Times New Roman" panose="02020603050405020304" pitchFamily="18" charset="0"/>
+                <a:ea typeface="SimSun" panose="02010600030101010101" pitchFamily="2" charset="-122"/>
+              </a:rPr>
+              <a:t>.</a:t>
+            </a:r>
+            <a:endParaRPr lang="en-US" sz="1600" dirty="0"/>
           </a:p>
         </p:txBody>
       </p:sp>
@@ -12998,20 +13031,96 @@
         </p:blipFill>
         <p:spPr>
           <a:xfrm>
-            <a:off x="6453147" y="3325372"/>
-            <a:ext cx="4830549" cy="2687524"/>
+            <a:off x="5632576" y="2983116"/>
+            <a:ext cx="5740046" cy="3193532"/>
           </a:xfrm>
           <a:prstGeom prst="rect">
             <a:avLst/>
           </a:prstGeom>
         </p:spPr>
       </p:pic>
+      <p:sp>
+        <p:nvSpPr>
+          <p:cNvPr id="4" name="Metin kutusu 3">
+            <a:extLst>
+              <a:ext uri="{FF2B5EF4-FFF2-40B4-BE49-F238E27FC236}">
+                <a16:creationId xmlns:a16="http://schemas.microsoft.com/office/drawing/2014/main" id="{70DB1317-0097-A775-A6C9-82A34FFFBAD2}"/>
+              </a:ext>
+            </a:extLst>
+          </p:cNvPr>
+          <p:cNvSpPr txBox="1"/>
+          <p:nvPr/>
+        </p:nvSpPr>
+        <p:spPr>
+          <a:xfrm>
+            <a:off x="6657260" y="6248400"/>
+            <a:ext cx="4961107" cy="307777"/>
+          </a:xfrm>
+          <a:prstGeom prst="rect">
+            <a:avLst/>
+          </a:prstGeom>
+          <a:noFill/>
+        </p:spPr>
+        <p:txBody>
+          <a:bodyPr wrap="square" rtlCol="0">
+            <a:spAutoFit/>
+          </a:bodyPr>
+          <a:lstStyle/>
+          <a:p>
+            <a:r>
+              <a:rPr lang="tr-TR" sz="1400" dirty="0" err="1"/>
+              <a:t>Figure</a:t>
+            </a:r>
+            <a:r>
+              <a:rPr lang="tr-TR" sz="1400" dirty="0"/>
+              <a:t> 2: </a:t>
+            </a:r>
+            <a:r>
+              <a:rPr lang="tr-TR" sz="1400" dirty="0" err="1"/>
+              <a:t>Create</a:t>
+            </a:r>
+            <a:r>
+              <a:rPr lang="tr-TR" sz="1400" dirty="0"/>
+              <a:t> </a:t>
+            </a:r>
+            <a:r>
+              <a:rPr lang="tr-TR" sz="1400" dirty="0" err="1"/>
+              <a:t>the</a:t>
+            </a:r>
+            <a:r>
+              <a:rPr lang="tr-TR" sz="1400" dirty="0"/>
+              <a:t> </a:t>
+            </a:r>
+            <a:r>
+              <a:rPr lang="tr-TR" sz="1400" dirty="0" err="1"/>
+              <a:t>class</a:t>
+            </a:r>
+            <a:r>
+              <a:rPr lang="tr-TR" sz="1400" dirty="0"/>
+              <a:t> </a:t>
+            </a:r>
+            <a:r>
+              <a:rPr lang="tr-TR" sz="1400" dirty="0" err="1"/>
+              <a:t>for</a:t>
+            </a:r>
+            <a:r>
+              <a:rPr lang="tr-TR" sz="1400" dirty="0"/>
+              <a:t> </a:t>
+            </a:r>
+            <a:r>
+              <a:rPr lang="tr-TR" sz="1400" dirty="0" err="1"/>
+              <a:t>refactoring</a:t>
+            </a:r>
+            <a:endParaRPr lang="en-GB" sz="1400" dirty="0"/>
+          </a:p>
+        </p:txBody>
+      </p:sp>
       <p:pic>
         <p:nvPicPr>
-          <p:cNvPr id="12" name="Imagen 11">
+          <p:cNvPr id="5" name="Imagen 3">
             <a:extLst>
               <a:ext uri="{FF2B5EF4-FFF2-40B4-BE49-F238E27FC236}">
-                <a16:creationId xmlns:a16="http://schemas.microsoft.com/office/drawing/2014/main" id="{1A7221D1-CC61-4729-5FD5-532C5801D63C}"/>
+                <a16:creationId xmlns:a16="http://schemas.microsoft.com/office/drawing/2014/main" id="{971B5372-414F-9F91-5FE0-520031273AFB}"/>
               </a:ext>
             </a:extLst>
           </p:cNvPr>
@@ -13028,18 +13137,184 @@
         </p:blipFill>
         <p:spPr>
           <a:xfrm>
-            <a:off x="908304" y="3325372"/>
-            <a:ext cx="4768937" cy="2691161"/>
+            <a:off x="292748" y="3103587"/>
+            <a:ext cx="5035287" cy="3081486"/>
           </a:xfrm>
           <a:prstGeom prst="rect">
             <a:avLst/>
           </a:prstGeom>
         </p:spPr>
       </p:pic>
+      <p:sp>
+        <p:nvSpPr>
+          <p:cNvPr id="6" name="Metin kutusu 5">
+            <a:extLst>
+              <a:ext uri="{FF2B5EF4-FFF2-40B4-BE49-F238E27FC236}">
+                <a16:creationId xmlns:a16="http://schemas.microsoft.com/office/drawing/2014/main" id="{9BCE39F3-4995-D4C6-1E2F-193FC4366F79}"/>
+              </a:ext>
+            </a:extLst>
+          </p:cNvPr>
+          <p:cNvSpPr txBox="1"/>
+          <p:nvPr/>
+        </p:nvSpPr>
+        <p:spPr>
+          <a:xfrm>
+            <a:off x="982494" y="6248400"/>
+            <a:ext cx="4202349" cy="307777"/>
+          </a:xfrm>
+          <a:prstGeom prst="rect">
+            <a:avLst/>
+          </a:prstGeom>
+          <a:noFill/>
+        </p:spPr>
+        <p:txBody>
+          <a:bodyPr wrap="square" rtlCol="0">
+            <a:spAutoFit/>
+          </a:bodyPr>
+          <a:lstStyle/>
+          <a:p>
+            <a:r>
+              <a:rPr lang="tr-TR" sz="1400" dirty="0" err="1"/>
+              <a:t>Figure</a:t>
+            </a:r>
+            <a:r>
+              <a:rPr lang="tr-TR" sz="1400" dirty="0"/>
+              <a:t> 1: </a:t>
+            </a:r>
+            <a:r>
+              <a:rPr lang="tr-TR" sz="1400" dirty="0" err="1"/>
+              <a:t>Create</a:t>
+            </a:r>
+            <a:r>
+              <a:rPr lang="tr-TR" sz="1400" dirty="0"/>
+              <a:t> </a:t>
+            </a:r>
+            <a:r>
+              <a:rPr lang="tr-TR" sz="1400" dirty="0" err="1"/>
+              <a:t>the</a:t>
+            </a:r>
+            <a:r>
+              <a:rPr lang="tr-TR" sz="1400" dirty="0"/>
+              <a:t> </a:t>
+            </a:r>
+            <a:r>
+              <a:rPr lang="tr-TR" sz="1400" dirty="0" err="1"/>
+              <a:t>interface</a:t>
+            </a:r>
+            <a:r>
+              <a:rPr lang="tr-TR" sz="1400" dirty="0"/>
+              <a:t> </a:t>
+            </a:r>
+            <a:r>
+              <a:rPr lang="tr-TR" sz="1400" dirty="0" err="1"/>
+              <a:t>for</a:t>
+            </a:r>
+            <a:r>
+              <a:rPr lang="tr-TR" sz="1400" dirty="0"/>
+              <a:t> </a:t>
+            </a:r>
+            <a:r>
+              <a:rPr lang="tr-TR" sz="1400" dirty="0" err="1"/>
+              <a:t>refactoring</a:t>
+            </a:r>
+            <a:endParaRPr lang="en-GB" sz="1400" dirty="0"/>
+          </a:p>
+        </p:txBody>
+      </p:sp>
     </p:spTree>
     <p:extLst>
       <p:ext uri="{BB962C8B-B14F-4D97-AF65-F5344CB8AC3E}">
         <p14:creationId xmlns:p14="http://schemas.microsoft.com/office/powerpoint/2010/main" val="2012731257"/>
+      </p:ext>
+    </p:extLst>
+  </p:cSld>
+  <p:clrMapOvr>
+    <a:masterClrMapping/>
+  </p:clrMapOvr>
+</p:sld>
+</file>
+
+<file path=ppt/slides/slide6.xml><?xml version="1.0" encoding="utf-8"?>
+<p:sld xmlns:a="http://schemas.openxmlformats.org/drawingml/2006/main" xmlns:r="http://schemas.openxmlformats.org/officeDocument/2006/relationships" xmlns:p="http://schemas.openxmlformats.org/presentationml/2006/main">
+  <p:cSld>
+    <p:spTree>
+      <p:nvGrpSpPr>
+        <p:cNvPr id="1" name=""/>
+        <p:cNvGrpSpPr/>
+        <p:nvPr/>
+      </p:nvGrpSpPr>
+      <p:grpSpPr>
+        <a:xfrm>
+          <a:off x="0" y="0"/>
+          <a:ext cx="0" cy="0"/>
+          <a:chOff x="0" y="0"/>
+          <a:chExt cx="0" cy="0"/>
+        </a:xfrm>
+      </p:grpSpPr>
+      <p:sp>
+        <p:nvSpPr>
+          <p:cNvPr id="2" name="Title 1">
+            <a:extLst>
+              <a:ext uri="{FF2B5EF4-FFF2-40B4-BE49-F238E27FC236}">
+                <a16:creationId xmlns:a16="http://schemas.microsoft.com/office/drawing/2014/main" id="{1EBF4B32-A091-B1AE-86F6-ED5ADA6A2C17}"/>
+              </a:ext>
+            </a:extLst>
+          </p:cNvPr>
+          <p:cNvSpPr>
+            <a:spLocks noGrp="1"/>
+          </p:cNvSpPr>
+          <p:nvPr>
+            <p:ph type="title"/>
+          </p:nvPr>
+        </p:nvSpPr>
+        <p:spPr/>
+        <p:txBody>
+          <a:bodyPr/>
+          <a:lstStyle/>
+          <a:p>
+            <a:endParaRPr lang="en-US" dirty="0"/>
+          </a:p>
+        </p:txBody>
+      </p:sp>
+      <p:pic>
+        <p:nvPicPr>
+          <p:cNvPr id="5" name="Content Placeholder 4" descr="A cartoon characters holding pencils&#10;&#10;Description automatically generated">
+            <a:extLst>
+              <a:ext uri="{FF2B5EF4-FFF2-40B4-BE49-F238E27FC236}">
+                <a16:creationId xmlns:a16="http://schemas.microsoft.com/office/drawing/2014/main" id="{5473E626-E64A-1698-47FA-8A76DF9D924A}"/>
+              </a:ext>
+            </a:extLst>
+          </p:cNvPr>
+          <p:cNvPicPr>
+            <a:picLocks noGrp="1" noChangeAspect="1"/>
+          </p:cNvPicPr>
+          <p:nvPr>
+            <p:ph idx="1"/>
+          </p:nvPr>
+        </p:nvPicPr>
+        <p:blipFill>
+          <a:blip r:embed="rId2">
+            <a:extLst>
+              <a:ext uri="{28A0092B-C50C-407E-A947-70E740481C1C}">
+                <a14:useLocalDpi xmlns:a14="http://schemas.microsoft.com/office/drawing/2010/main" val="0"/>
+              </a:ext>
+            </a:extLst>
+          </a:blip>
+          <a:stretch>
+            <a:fillRect/>
+          </a:stretch>
+        </p:blipFill>
+        <p:spPr>
+          <a:xfrm>
+            <a:off x="2394913" y="800100"/>
+            <a:ext cx="5161510" cy="3866150"/>
+          </a:xfrm>
+        </p:spPr>
+      </p:pic>
+    </p:spTree>
+    <p:extLst>
+      <p:ext uri="{BB962C8B-B14F-4D97-AF65-F5344CB8AC3E}">
+        <p14:creationId xmlns:p14="http://schemas.microsoft.com/office/powerpoint/2010/main" val="718887878"/>
       </p:ext>
     </p:extLst>
   </p:cSld>
